--- a/automationqa-course/11.advanced/mockito/1.What is mockito/Что такое mockito.pptx
+++ b/automationqa-course/11.advanced/mockito/1.What is mockito/Что такое mockito.pptx
@@ -131,7 +131,7 @@
   </p:defaultTextStyle>
   <p:extLst>
     <p:ext uri="{EFAFB233-063F-42B5-8137-9DF3F51BA10A}">
-      <p15:sldGuideLst xmlns:p15="http://schemas.microsoft.com/office/powerpoint/2012/main" xmlns="">
+      <p15:sldGuideLst xmlns="" xmlns:p15="http://schemas.microsoft.com/office/powerpoint/2012/main">
         <p15:guide id="1" orient="horz" pos="2160" userDrawn="1">
           <p15:clr>
             <a:srgbClr val="A4A3A4"/>
@@ -2464,11 +2464,11 @@
         </c:dLbls>
         <c:marker val="1"/>
         <c:smooth val="0"/>
-        <c:axId val="92394240"/>
-        <c:axId val="92395776"/>
+        <c:axId val="79410304"/>
+        <c:axId val="79411840"/>
       </c:lineChart>
       <c:catAx>
-        <c:axId val="92394240"/>
+        <c:axId val="79410304"/>
         <c:scaling>
           <c:orientation val="minMax"/>
         </c:scaling>
@@ -2487,7 +2487,7 @@
             <a:endParaRPr lang="ru-RU"/>
           </a:p>
         </c:txPr>
-        <c:crossAx val="92395776"/>
+        <c:crossAx val="79411840"/>
         <c:crosses val="autoZero"/>
         <c:auto val="1"/>
         <c:lblAlgn val="ctr"/>
@@ -2495,7 +2495,7 @@
         <c:noMultiLvlLbl val="0"/>
       </c:catAx>
       <c:valAx>
-        <c:axId val="92395776"/>
+        <c:axId val="79411840"/>
         <c:scaling>
           <c:orientation val="minMax"/>
           <c:max val="100"/>
@@ -2517,7 +2517,7 @@
             <a:endParaRPr lang="ru-RU"/>
           </a:p>
         </c:txPr>
-        <c:crossAx val="92394240"/>
+        <c:crossAx val="79410304"/>
         <c:crosses val="autoZero"/>
         <c:crossBetween val="between"/>
       </c:valAx>
@@ -2529,6 +2529,7 @@
     </c:plotArea>
     <c:legend>
       <c:legendPos val="r"/>
+      <c:layout/>
       <c:overlay val="0"/>
       <c:txPr>
         <a:bodyPr/>
@@ -2633,7 +2634,7 @@
           <a:p>
             <a:fld id="{CEC9B840-452B-4B18-A029-1B409955EDB4}" type="datetimeFigureOut">
               <a:rPr lang="ru-RU" smtClean="0"/>
-              <a:t>30.04.2018</a:t>
+              <a:t>01.05.2018</a:t>
             </a:fld>
             <a:endParaRPr lang="ru-RU"/>
           </a:p>
@@ -2951,7 +2952,15 @@
             </a:r>
             <a:r>
               <a:rPr lang="ru-RU" baseline="0" dirty="0" smtClean="0"/>
-              <a:t> к этой части курса, слушатели должны быть уже знакомы с </a:t>
+              <a:t> к этой части курса, слушатели </a:t>
+            </a:r>
+            <a:r>
+              <a:rPr lang="ru-RU" baseline="0" dirty="0" smtClean="0"/>
+              <a:t>уже </a:t>
+            </a:r>
+            <a:r>
+              <a:rPr lang="ru-RU" baseline="0" dirty="0" smtClean="0"/>
+              <a:t>знакомы с </a:t>
             </a:r>
             <a:r>
               <a:rPr lang="en-US" baseline="0" dirty="0" smtClean="0"/>
@@ -2959,8 +2968,9 @@
             </a:r>
             <a:r>
               <a:rPr lang="ru-RU" baseline="0" dirty="0" smtClean="0"/>
-              <a:t>.</a:t>
-            </a:r>
+              <a:t>, уметь писать модульные тесты и понимать принципы, которым такие тесты должны соответствовать.</a:t>
+            </a:r>
+            <a:endParaRPr lang="ru-RU" baseline="0" dirty="0" smtClean="0"/>
           </a:p>
           <a:p>
             <a:r>
@@ -2977,8 +2987,36 @@
             </a:r>
             <a:r>
               <a:rPr lang="ru-RU" baseline="0" dirty="0" smtClean="0"/>
-              <a:t>, так как их тесный симбиоз позволяет выйти на следующий уровень написания модульных тестов.</a:t>
-            </a:r>
+              <a:t>, так как их тесный симбиоз позволяет выйти на следующий уровень написания модульных тестов</a:t>
+            </a:r>
+            <a:r>
+              <a:rPr lang="ru-RU" baseline="0" dirty="0" smtClean="0"/>
+              <a:t>.</a:t>
+            </a:r>
+            <a:endParaRPr lang="en-US" baseline="0" dirty="0" smtClean="0"/>
+          </a:p>
+          <a:p>
+            <a:r>
+              <a:rPr lang="ru-RU" baseline="0" dirty="0" smtClean="0"/>
+              <a:t>Для того, чтобы понять что</a:t>
+            </a:r>
+            <a:r>
+              <a:rPr lang="en-US" baseline="0" dirty="0" smtClean="0"/>
+              <a:t> </a:t>
+            </a:r>
+            <a:r>
+              <a:rPr lang="ru-RU" baseline="0" dirty="0" smtClean="0"/>
+              <a:t>это за </a:t>
+            </a:r>
+            <a:r>
+              <a:rPr lang="ru-RU" baseline="0" dirty="0" err="1" smtClean="0"/>
+              <a:t>фрэймворк</a:t>
+            </a:r>
+            <a:r>
+              <a:rPr lang="ru-RU" baseline="0" dirty="0" smtClean="0"/>
+              <a:t>, как им пользоваться и, главное, зачем он нужен, сначала рассмотрим какие виды тестов с точки зрения проверки результатов могут быть.</a:t>
+            </a:r>
+            <a:endParaRPr lang="ru-RU" baseline="0" dirty="0" smtClean="0"/>
           </a:p>
         </p:txBody>
       </p:sp>
@@ -3279,7 +3317,19 @@
           <a:p>
             <a:r>
               <a:rPr lang="ru-RU" baseline="0" dirty="0" smtClean="0"/>
-              <a:t>Мы добавляем заранее запрограммированный ответ – если у мок-объекта банковского счёта будет вызван метод </a:t>
+              <a:t>Мы добавляем заранее запрограммированный ответ – если у </a:t>
+            </a:r>
+            <a:r>
+              <a:rPr lang="ru-RU" baseline="0" dirty="0" err="1" smtClean="0"/>
+              <a:t>мока</a:t>
+            </a:r>
+            <a:r>
+              <a:rPr lang="ru-RU" baseline="0" dirty="0" smtClean="0"/>
+              <a:t> </a:t>
+            </a:r>
+            <a:r>
+              <a:rPr lang="ru-RU" baseline="0" dirty="0" smtClean="0"/>
+              <a:t>банковского счёта будет вызван метод </a:t>
             </a:r>
             <a:r>
               <a:rPr kumimoji="0" lang="ru-RU" altLang="ru-RU" b="0" i="0" u="none" strike="noStrike" cap="none" normalizeH="0" baseline="0" dirty="0" err="1" smtClean="0">
@@ -3678,7 +3728,35 @@
                 <a:latin typeface="Courier New" pitchFamily="49" charset="0"/>
                 <a:cs typeface="Courier New" pitchFamily="49" charset="0"/>
               </a:rPr>
-              <a:t>должен быть свой модульный тест. Сам этот модульный тест не тащит за собой никакую реализацию интерфейса </a:t>
+              <a:t>должен быть свой модульный тест. </a:t>
+            </a:r>
+            <a:r>
+              <a:rPr kumimoji="0" lang="ru-RU" altLang="ru-RU" b="0" i="0" u="none" strike="noStrike" cap="none" normalizeH="0" baseline="0" dirty="0" smtClean="0">
+                <a:ln>
+                  <a:noFill/>
+                </a:ln>
+                <a:solidFill>
+                  <a:srgbClr val="000000"/>
+                </a:solidFill>
+                <a:effectLst/>
+                <a:latin typeface="Courier New" pitchFamily="49" charset="0"/>
+                <a:cs typeface="Courier New" pitchFamily="49" charset="0"/>
+              </a:rPr>
+              <a:t>Ошибка </a:t>
+            </a:r>
+            <a:r>
+              <a:rPr kumimoji="0" lang="ru-RU" altLang="ru-RU" b="0" i="0" u="none" strike="noStrike" cap="none" normalizeH="0" baseline="0" dirty="0" smtClean="0">
+                <a:ln>
+                  <a:noFill/>
+                </a:ln>
+                <a:solidFill>
+                  <a:srgbClr val="000000"/>
+                </a:solidFill>
+                <a:effectLst/>
+                <a:latin typeface="Courier New" pitchFamily="49" charset="0"/>
+                <a:cs typeface="Courier New" pitchFamily="49" charset="0"/>
+              </a:rPr>
+              <a:t>в конкретной реализации </a:t>
             </a:r>
             <a:r>
               <a:rPr kumimoji="0" lang="ru-RU" altLang="ru-RU" b="0" i="0" u="none" strike="noStrike" cap="none" normalizeH="0" baseline="0" dirty="0" err="1" smtClean="0">
@@ -3706,35 +3784,63 @@
                 <a:latin typeface="Courier New" pitchFamily="49" charset="0"/>
                 <a:cs typeface="Courier New" pitchFamily="49" charset="0"/>
               </a:rPr>
-              <a:t> и связанные с ней зависимости, которые могут быть очень тяжеловесными (например, требуют обращения к базе данных, что требует соответствующей инфраструктуры). Ошибка в конкретной реализации </a:t>
-            </a:r>
-            <a:r>
-              <a:rPr kumimoji="0" lang="ru-RU" altLang="ru-RU" b="0" i="0" u="none" strike="noStrike" cap="none" normalizeH="0" baseline="0" dirty="0" err="1" smtClean="0">
-                <a:ln>
-                  <a:noFill/>
-                </a:ln>
-                <a:solidFill>
-                  <a:srgbClr val="000000"/>
-                </a:solidFill>
-                <a:effectLst/>
-                <a:latin typeface="Courier New" pitchFamily="49" charset="0"/>
-                <a:cs typeface="Courier New" pitchFamily="49" charset="0"/>
-              </a:rPr>
-              <a:t>BankAccount</a:t>
-            </a:r>
-            <a:r>
-              <a:rPr kumimoji="0" lang="ru-RU" altLang="ru-RU" b="0" i="0" u="none" strike="noStrike" cap="none" normalizeH="0" baseline="0" dirty="0" smtClean="0">
-                <a:ln>
-                  <a:noFill/>
-                </a:ln>
-                <a:solidFill>
-                  <a:srgbClr val="000000"/>
-                </a:solidFill>
-                <a:effectLst/>
-                <a:latin typeface="Courier New" pitchFamily="49" charset="0"/>
-                <a:cs typeface="Courier New" pitchFamily="49" charset="0"/>
-              </a:rPr>
-              <a:t> пометить как ошибочные только тесты на эту ошибочную реализацию и не тесты клиентского заказа, что существенно упрощает процесс поиска исходной причины при разборе результатов выполнения тестов.</a:t>
+              <a:t> </a:t>
+            </a:r>
+            <a:r>
+              <a:rPr kumimoji="0" lang="ru-RU" altLang="ru-RU" b="0" i="0" u="none" strike="noStrike" cap="none" normalizeH="0" baseline="0" dirty="0" smtClean="0">
+                <a:ln>
+                  <a:noFill/>
+                </a:ln>
+                <a:solidFill>
+                  <a:srgbClr val="000000"/>
+                </a:solidFill>
+                <a:effectLst/>
+                <a:latin typeface="Courier New" pitchFamily="49" charset="0"/>
+                <a:cs typeface="Courier New" pitchFamily="49" charset="0"/>
+              </a:rPr>
+              <a:t>пометит </a:t>
+            </a:r>
+            <a:r>
+              <a:rPr kumimoji="0" lang="ru-RU" altLang="ru-RU" b="0" i="0" u="none" strike="noStrike" cap="none" normalizeH="0" baseline="0" dirty="0" smtClean="0">
+                <a:ln>
+                  <a:noFill/>
+                </a:ln>
+                <a:solidFill>
+                  <a:srgbClr val="000000"/>
+                </a:solidFill>
+                <a:effectLst/>
+                <a:latin typeface="Courier New" pitchFamily="49" charset="0"/>
+                <a:cs typeface="Courier New" pitchFamily="49" charset="0"/>
+              </a:rPr>
+              <a:t>как ошибочные только тесты на эту ошибочную </a:t>
+            </a:r>
+            <a:r>
+              <a:rPr kumimoji="0" lang="ru-RU" altLang="ru-RU" b="0" i="0" u="none" strike="noStrike" cap="none" normalizeH="0" baseline="0" dirty="0" smtClean="0">
+                <a:ln>
+                  <a:noFill/>
+                </a:ln>
+                <a:solidFill>
+                  <a:srgbClr val="000000"/>
+                </a:solidFill>
+                <a:effectLst/>
+                <a:latin typeface="Courier New" pitchFamily="49" charset="0"/>
+                <a:cs typeface="Courier New" pitchFamily="49" charset="0"/>
+              </a:rPr>
+              <a:t>реализацию, а не </a:t>
+            </a:r>
+            <a:r>
+              <a:rPr kumimoji="0" lang="ru-RU" altLang="ru-RU" b="0" i="0" u="none" strike="noStrike" cap="none" normalizeH="0" baseline="0" dirty="0" smtClean="0">
+                <a:ln>
+                  <a:noFill/>
+                </a:ln>
+                <a:solidFill>
+                  <a:srgbClr val="000000"/>
+                </a:solidFill>
+                <a:effectLst/>
+                <a:latin typeface="Courier New" pitchFamily="49" charset="0"/>
+                <a:cs typeface="Courier New" pitchFamily="49" charset="0"/>
+              </a:rPr>
+              <a:t>тесты клиентского заказа, что существенно упрощает процесс поиска исходной причины при разборе результатов выполнения тестов.</a:t>
             </a:r>
             <a:endParaRPr lang="ru-RU" dirty="0"/>
           </a:p>
@@ -3840,7 +3946,19 @@
           <a:p>
             <a:r>
               <a:rPr lang="ru-RU" baseline="0" dirty="0" smtClean="0"/>
-              <a:t>Мы ввели понятие объекта – объекта с заранее запрограммированным ожиданиями вызовов, который используется для проверки поведения объектов и их взаимодействия друг с другом.</a:t>
+              <a:t>Мы ввели понятие </a:t>
+            </a:r>
+            <a:r>
+              <a:rPr lang="ru-RU" baseline="0" dirty="0" err="1" smtClean="0"/>
+              <a:t>мока</a:t>
+            </a:r>
+            <a:r>
+              <a:rPr lang="ru-RU" baseline="0" dirty="0" smtClean="0"/>
+              <a:t> </a:t>
+            </a:r>
+            <a:r>
+              <a:rPr lang="ru-RU" baseline="0" dirty="0" smtClean="0"/>
+              <a:t>– объекта с заранее запрограммированным ожиданиями вызовов, который используется для проверки поведения объектов и их взаимодействия друг с другом.</a:t>
             </a:r>
           </a:p>
           <a:p>
@@ -3878,7 +3996,15 @@
             </a:r>
             <a:r>
               <a:rPr lang="ru-RU" baseline="0" dirty="0" smtClean="0"/>
-              <a:t>Все эти понятия нам очень понадобятся, поэтому определим их.</a:t>
+              <a:t>Все эти понятия нам очень понадобятся, поэтому </a:t>
+            </a:r>
+            <a:r>
+              <a:rPr lang="ru-RU" baseline="0" dirty="0" smtClean="0"/>
+              <a:t>определим и </a:t>
+            </a:r>
+            <a:r>
+              <a:rPr lang="ru-RU" baseline="0" dirty="0" smtClean="0"/>
+              <a:t>их.</a:t>
             </a:r>
             <a:endParaRPr lang="en-US" sz="1200" b="0" i="0" kern="1200" dirty="0">
               <a:solidFill>
@@ -3972,13 +4098,60 @@
           <a:bodyPr/>
           <a:lstStyle/>
           <a:p>
+            <a:pPr marL="0" marR="0" indent="0" algn="l" defTabSz="914400" rtl="0" eaLnBrk="1" fontAlgn="auto" latinLnBrk="0" hangingPunct="1">
+              <a:lnSpc>
+                <a:spcPct val="100000"/>
+              </a:lnSpc>
+              <a:spcBef>
+                <a:spcPts val="0"/>
+              </a:spcBef>
+              <a:spcAft>
+                <a:spcPts val="0"/>
+              </a:spcAft>
+              <a:buClrTx/>
+              <a:buSzTx/>
+              <a:buFontTx/>
+              <a:buNone/>
+              <a:tabLst/>
+              <a:defRPr/>
+            </a:pPr>
+            <a:r>
+              <a:rPr lang="en-US" sz="1200" b="1" dirty="0" smtClean="0"/>
+              <a:t>Dummy</a:t>
+            </a:r>
+            <a:r>
+              <a:rPr lang="en-US" sz="1200" dirty="0" smtClean="0"/>
+              <a:t> – </a:t>
+            </a:r>
+            <a:r>
+              <a:rPr lang="ru-RU" sz="1200" dirty="0" smtClean="0"/>
+              <a:t>объект, который передаётся, но в действительности никогда не используется.</a:t>
+            </a:r>
+          </a:p>
+          <a:p>
+            <a:r>
+              <a:rPr lang="ru-RU" baseline="0" dirty="0" smtClean="0"/>
+              <a:t>Обычно </a:t>
+            </a:r>
+            <a:r>
+              <a:rPr lang="ru-RU" baseline="0" dirty="0" smtClean="0"/>
+              <a:t>по сути используются просто, чтобы код скомпилировался. Это фиктивные реализации, предполагается, что в ходе выполнения теста, эти объекты использоваться не будут. </a:t>
+            </a:r>
+            <a:r>
+              <a:rPr lang="ru-RU" baseline="0" dirty="0" smtClean="0"/>
+              <a:t>Часто </a:t>
+            </a:r>
             <a:r>
               <a:rPr lang="ru-RU" baseline="0" dirty="0" err="1" smtClean="0"/>
-              <a:t>Дамми</a:t>
+              <a:t>дамми</a:t>
             </a:r>
             <a:r>
               <a:rPr lang="ru-RU" baseline="0" dirty="0" smtClean="0"/>
-              <a:t> – обычно по сути используются просто, чтобы код скомпилировался. Это фиктивные реализации, предполагается, что в ходе выполнения теста, эти объекты использоваться не будут. Обычно используются для заполнения списка аргументов метода.</a:t>
+              <a:t> используются </a:t>
+            </a:r>
+            <a:r>
+              <a:rPr lang="ru-RU" baseline="0" dirty="0" smtClean="0"/>
+              <a:t>для заполнения списка аргументов метода.</a:t>
             </a:r>
             <a:endParaRPr lang="ru-RU" dirty="0" smtClean="0"/>
           </a:p>
@@ -4069,49 +4242,75 @@
           <a:p>
             <a:r>
               <a:rPr lang="ru-RU" dirty="0" smtClean="0"/>
-              <a:t>Добавим к</a:t>
-            </a:r>
-            <a:r>
-              <a:rPr lang="ru-RU" baseline="0" dirty="0" smtClean="0"/>
-              <a:t> классу заказа сервис, позволяющий выполнять нотификации – </a:t>
-            </a:r>
-            <a:r>
-              <a:rPr kumimoji="0" lang="ru-RU" altLang="ru-RU" b="0" i="0" u="none" strike="noStrike" cap="none" normalizeH="0" baseline="0" dirty="0" err="1" smtClean="0">
-                <a:ln>
-                  <a:noFill/>
-                </a:ln>
-                <a:solidFill>
-                  <a:srgbClr val="000000"/>
-                </a:solidFill>
-                <a:effectLst/>
-                <a:latin typeface="Courier New" pitchFamily="49" charset="0"/>
-                <a:cs typeface="Courier New" pitchFamily="49" charset="0"/>
-              </a:rPr>
-              <a:t>NotificationService</a:t>
-            </a:r>
-            <a:r>
-              <a:rPr kumimoji="0" lang="ru-RU" altLang="ru-RU" b="0" i="0" u="none" strike="noStrike" cap="none" normalizeH="0" baseline="0" dirty="0" smtClean="0">
-                <a:ln>
-                  <a:noFill/>
-                </a:ln>
-                <a:solidFill>
-                  <a:srgbClr val="000000"/>
-                </a:solidFill>
-                <a:effectLst/>
-                <a:latin typeface="Courier New" pitchFamily="49" charset="0"/>
-                <a:cs typeface="Courier New" pitchFamily="49" charset="0"/>
-              </a:rPr>
-              <a:t>.</a:t>
+              <a:t>Перейдём к примеру.</a:t>
             </a:r>
           </a:p>
           <a:p>
             <a:r>
               <a:rPr lang="ru-RU" dirty="0" smtClean="0"/>
+              <a:t>Добавим </a:t>
+            </a:r>
+            <a:r>
+              <a:rPr lang="ru-RU" dirty="0" smtClean="0"/>
+              <a:t>к</a:t>
+            </a:r>
+            <a:r>
+              <a:rPr lang="ru-RU" baseline="0" dirty="0" smtClean="0"/>
+              <a:t> классу заказа сервис, позволяющий </a:t>
+            </a:r>
+            <a:r>
+              <a:rPr lang="ru-RU" baseline="0" dirty="0" smtClean="0"/>
+              <a:t>отправлять нотификации </a:t>
+            </a:r>
+            <a:r>
+              <a:rPr lang="ru-RU" baseline="0" dirty="0" smtClean="0"/>
+              <a:t>– </a:t>
+            </a:r>
+            <a:r>
+              <a:rPr kumimoji="0" lang="ru-RU" altLang="ru-RU" b="0" i="0" u="none" strike="noStrike" cap="none" normalizeH="0" baseline="0" dirty="0" err="1" smtClean="0">
+                <a:ln>
+                  <a:noFill/>
+                </a:ln>
+                <a:solidFill>
+                  <a:srgbClr val="000000"/>
+                </a:solidFill>
+                <a:effectLst/>
+                <a:latin typeface="Courier New" pitchFamily="49" charset="0"/>
+                <a:cs typeface="Courier New" pitchFamily="49" charset="0"/>
+              </a:rPr>
+              <a:t>NotificationService</a:t>
+            </a:r>
+            <a:r>
+              <a:rPr kumimoji="0" lang="ru-RU" altLang="ru-RU" b="0" i="0" u="none" strike="noStrike" cap="none" normalizeH="0" baseline="0" dirty="0" smtClean="0">
+                <a:ln>
+                  <a:noFill/>
+                </a:ln>
+                <a:solidFill>
+                  <a:srgbClr val="000000"/>
+                </a:solidFill>
+                <a:effectLst/>
+                <a:latin typeface="Courier New" pitchFamily="49" charset="0"/>
+                <a:cs typeface="Courier New" pitchFamily="49" charset="0"/>
+              </a:rPr>
+              <a:t>.</a:t>
+            </a:r>
+          </a:p>
+          <a:p>
+            <a:r>
+              <a:rPr lang="ru-RU" dirty="0" smtClean="0"/>
               <a:t>Реализация</a:t>
             </a:r>
             <a:r>
               <a:rPr lang="ru-RU" baseline="0" dirty="0" smtClean="0"/>
-              <a:t> этого сервиса ожидается в конструкторе класса </a:t>
+              <a:t> этого сервиса </a:t>
+            </a:r>
+            <a:r>
+              <a:rPr lang="ru-RU" baseline="0" dirty="0" smtClean="0"/>
+              <a:t>должна быть передана в конструктор </a:t>
+            </a:r>
+            <a:r>
+              <a:rPr lang="ru-RU" baseline="0" dirty="0" smtClean="0"/>
+              <a:t>класса </a:t>
             </a:r>
             <a:r>
               <a:rPr lang="en-US" baseline="0" dirty="0" smtClean="0"/>
@@ -4125,7 +4324,15 @@
           <a:p>
             <a:r>
               <a:rPr lang="ru-RU" baseline="0" dirty="0" smtClean="0"/>
-              <a:t>Если в тесте нас не интересует работа с нотификациями, то мы моем сделать фиктивную реализацию такого сервиса.</a:t>
+              <a:t>Если в тесте нас не интересует работа с нотификациями, то мы </a:t>
+            </a:r>
+            <a:r>
+              <a:rPr lang="ru-RU" baseline="0" dirty="0" smtClean="0"/>
+              <a:t>можем </a:t>
+            </a:r>
+            <a:r>
+              <a:rPr lang="ru-RU" baseline="0" dirty="0" smtClean="0"/>
+              <a:t>сделать фиктивную реализацию такого сервиса.</a:t>
             </a:r>
             <a:endParaRPr lang="ru-RU" dirty="0"/>
           </a:p>
@@ -4347,11 +4554,19 @@
           <a:p>
             <a:r>
               <a:rPr lang="ru-RU" dirty="0" smtClean="0"/>
-              <a:t>Следующий тип объектов, который нам очень</a:t>
+              <a:t>Следующий тип </a:t>
+            </a:r>
+            <a:r>
+              <a:rPr lang="ru-RU" dirty="0" smtClean="0"/>
+              <a:t>объектов</a:t>
             </a:r>
             <a:r>
               <a:rPr lang="ru-RU" baseline="0" dirty="0" smtClean="0"/>
-              <a:t> понадобится – заглушки, по-английски это </a:t>
+              <a:t> </a:t>
+            </a:r>
+            <a:r>
+              <a:rPr lang="ru-RU" baseline="0" dirty="0" smtClean="0"/>
+              <a:t>– заглушки, по-английски это </a:t>
             </a:r>
             <a:r>
               <a:rPr lang="en-US" baseline="0" dirty="0" smtClean="0"/>
@@ -4369,11 +4584,28 @@
             </a:r>
             <a:r>
               <a:rPr lang="ru-RU" baseline="0" dirty="0" smtClean="0"/>
-              <a:t> некие реализации классов или интерфейсов, которые не являются реальными, а представляют лишь заранее запрограммированные ответы для выполнения теста. Т.е. реализация таких заглушек проста – никакой бизнес-смысл она не несёт, лишь возвращает заранее готовый ответ.</a:t>
-            </a:r>
-          </a:p>
-          <a:p>
-            <a:endParaRPr lang="ru-RU" dirty="0"/>
+              <a:t> </a:t>
+            </a:r>
+            <a:r>
+              <a:rPr lang="ru-RU" baseline="0" dirty="0" smtClean="0"/>
+              <a:t>такие </a:t>
+            </a:r>
+            <a:r>
+              <a:rPr lang="ru-RU" baseline="0" dirty="0" smtClean="0"/>
+              <a:t>реализации классов или интерфейсов, которые не являются реальными, а представляют лишь заранее запрограммированные ответы для выполнения теста. Т.е. реализация таких заглушек проста – никакой бизнес-смысл она не несёт, лишь возвращает заранее </a:t>
+            </a:r>
+            <a:r>
+              <a:rPr lang="ru-RU" baseline="0" dirty="0" smtClean="0"/>
+              <a:t>приготовленный </a:t>
+            </a:r>
+            <a:r>
+              <a:rPr lang="ru-RU" baseline="0" dirty="0" smtClean="0"/>
+              <a:t>ответ</a:t>
+            </a:r>
+            <a:r>
+              <a:rPr lang="ru-RU" baseline="0" dirty="0" smtClean="0"/>
+              <a:t>.</a:t>
+            </a:r>
           </a:p>
         </p:txBody>
       </p:sp>
@@ -4583,7 +4815,58 @@
           <a:p>
             <a:r>
               <a:rPr lang="ru-RU" dirty="0" smtClean="0"/>
-              <a:t>Мы могли бы сделать такую заглушку</a:t>
+              <a:t>Реализуем </a:t>
+            </a:r>
+            <a:r>
+              <a:rPr lang="ru-RU" dirty="0" err="1" smtClean="0"/>
+              <a:t>стаб</a:t>
+            </a:r>
+            <a:r>
+              <a:rPr lang="ru-RU" dirty="0" smtClean="0"/>
+              <a:t> таким образом, чтобы он всегда возвращал</a:t>
+            </a:r>
+            <a:r>
+              <a:rPr lang="ru-RU" baseline="0" dirty="0" smtClean="0"/>
+              <a:t> пустой список в методе </a:t>
+            </a:r>
+            <a:r>
+              <a:rPr kumimoji="0" lang="ru-RU" altLang="ru-RU" b="0" i="0" u="none" strike="noStrike" cap="none" normalizeH="0" baseline="0" dirty="0" err="1" smtClean="0">
+                <a:ln>
+                  <a:noFill/>
+                </a:ln>
+                <a:solidFill>
+                  <a:srgbClr val="000000"/>
+                </a:solidFill>
+                <a:effectLst/>
+                <a:latin typeface="Courier New" pitchFamily="49" charset="0"/>
+                <a:cs typeface="Courier New" pitchFamily="49" charset="0"/>
+              </a:rPr>
+              <a:t>getGiftsByItem</a:t>
+            </a:r>
+            <a:r>
+              <a:rPr kumimoji="0" lang="ru-RU" altLang="ru-RU" b="0" i="0" u="none" strike="noStrike" cap="none" normalizeH="0" baseline="0" dirty="0" smtClean="0">
+                <a:ln>
+                  <a:noFill/>
+                </a:ln>
+                <a:solidFill>
+                  <a:srgbClr val="000000"/>
+                </a:solidFill>
+                <a:effectLst/>
+                <a:latin typeface="Courier New" pitchFamily="49" charset="0"/>
+                <a:cs typeface="Courier New" pitchFamily="49" charset="0"/>
+              </a:rPr>
+              <a:t>.</a:t>
+            </a:r>
+            <a:endParaRPr lang="ru-RU" dirty="0" smtClean="0"/>
+          </a:p>
+          <a:p>
+            <a:r>
+              <a:rPr lang="ru-RU" dirty="0" smtClean="0"/>
+              <a:t>Мы </a:t>
+            </a:r>
+            <a:r>
+              <a:rPr lang="ru-RU" dirty="0" smtClean="0"/>
+              <a:t>могли бы сделать такую заглушку</a:t>
             </a:r>
             <a:r>
               <a:rPr lang="ru-RU" baseline="0" dirty="0" smtClean="0"/>
@@ -4754,21 +5037,25 @@
           <a:p>
             <a:r>
               <a:rPr lang="ru-RU" baseline="0" dirty="0" smtClean="0"/>
-              <a:t>Для того, чтобы понять что такое </a:t>
-            </a:r>
-            <a:r>
-              <a:rPr lang="ru-RU" baseline="0" dirty="0" err="1" smtClean="0"/>
-              <a:t>мокито</a:t>
+              <a:t>Фактически </a:t>
             </a:r>
             <a:r>
               <a:rPr lang="ru-RU" baseline="0" dirty="0" smtClean="0"/>
-              <a:t> и зачем он нужен, сначала рассмотрим какие виды тестов с точки зрения проверки результатов могут быть. Фактически есть только 2 варианта:</a:t>
+              <a:t>есть только 2 варианта:</a:t>
             </a:r>
           </a:p>
           <a:p>
             <a:r>
               <a:rPr lang="ru-RU" baseline="0" dirty="0" smtClean="0"/>
-              <a:t>1) проверять состояние объектов(системы) в ходе выполнения теста и после него (это классический/обычный вариант);</a:t>
+              <a:t>1) проверять состояние объектов(системы) в ходе выполнения теста и после него (это </a:t>
+            </a:r>
+            <a:r>
+              <a:rPr lang="ru-RU" baseline="0" dirty="0" smtClean="0"/>
+              <a:t>простой, интуитивно понятный вариант</a:t>
+            </a:r>
+            <a:r>
+              <a:rPr lang="ru-RU" baseline="0" dirty="0" smtClean="0"/>
+              <a:t>);</a:t>
             </a:r>
           </a:p>
           <a:p>
@@ -4897,7 +5184,23 @@
             </a:r>
             <a:r>
               <a:rPr lang="ru-RU" baseline="0" dirty="0" smtClean="0"/>
-              <a:t>.</a:t>
+              <a:t>. </a:t>
+            </a:r>
+            <a:r>
+              <a:rPr lang="en-US" baseline="0" dirty="0" smtClean="0"/>
+              <a:t>Spy</a:t>
+            </a:r>
+            <a:r>
+              <a:rPr lang="ru-RU" baseline="0" dirty="0" smtClean="0"/>
+              <a:t> – это тоже </a:t>
+            </a:r>
+            <a:r>
+              <a:rPr lang="ru-RU" baseline="0" dirty="0" err="1" smtClean="0"/>
+              <a:t>стаб</a:t>
+            </a:r>
+            <a:r>
+              <a:rPr lang="ru-RU" baseline="0" dirty="0" smtClean="0"/>
+              <a:t>, но он также записывает некоторую информацию о том, как вызывались его методы.</a:t>
             </a:r>
             <a:endParaRPr lang="ru-RU" dirty="0" smtClean="0"/>
           </a:p>
@@ -5023,7 +5326,15 @@
           <a:p>
             <a:r>
               <a:rPr lang="ru-RU" baseline="0" dirty="0" smtClean="0"/>
-              <a:t>В примере из слайда показан частный случай шпиона, который по сути позволяет проводить проверку поведения объекта </a:t>
+              <a:t>В примере </a:t>
+            </a:r>
+            <a:r>
+              <a:rPr lang="ru-RU" baseline="0" smtClean="0"/>
+              <a:t>на слайде </a:t>
+            </a:r>
+            <a:r>
+              <a:rPr lang="ru-RU" baseline="0" dirty="0" smtClean="0"/>
+              <a:t>показан частный случай шпиона, который по сути позволяет проводить проверку поведения объекта </a:t>
             </a:r>
             <a:r>
               <a:rPr lang="en-US" baseline="0" dirty="0" smtClean="0"/>
@@ -5528,14 +5839,27 @@
             </a:r>
             <a:r>
               <a:rPr lang="ru-RU" baseline="0" dirty="0" smtClean="0"/>
-              <a:t> вариант, который сразу приходит в голову – это классический способ – проверка состояния.</a:t>
+              <a:t> </a:t>
+            </a:r>
+            <a:r>
+              <a:rPr lang="ru-RU" baseline="0" dirty="0" smtClean="0"/>
+              <a:t>вариант с проверкой </a:t>
+            </a:r>
+            <a:r>
+              <a:rPr lang="ru-RU" baseline="0" dirty="0" smtClean="0"/>
+              <a:t>состояния.</a:t>
             </a:r>
           </a:p>
           <a:p>
             <a:r>
               <a:rPr lang="ru-RU" baseline="0" dirty="0" smtClean="0"/>
-              <a:t>Допустим, что изначально у нас есть корзина с 3мя яблоками.</a:t>
-            </a:r>
+              <a:t>Допустим, что изначально у нас есть </a:t>
+            </a:r>
+            <a:r>
+              <a:rPr lang="ru-RU" baseline="0" dirty="0" smtClean="0"/>
+              <a:t>корзина с 3мя яблоками.</a:t>
+            </a:r>
+            <a:endParaRPr lang="ru-RU" baseline="0" dirty="0" smtClean="0"/>
           </a:p>
           <a:p>
             <a:r>
@@ -5546,13 +5870,29 @@
           <a:p>
             <a:r>
               <a:rPr lang="ru-RU" baseline="0" dirty="0" smtClean="0"/>
-              <a:t>Как результат, ожидаем, что в корзине останется 2 яблока. В своём тесте мы проверяем в каком состоянии окажется корзина после выполненных действий.</a:t>
+              <a:t>Как </a:t>
+            </a:r>
+            <a:r>
+              <a:rPr lang="ru-RU" baseline="0" dirty="0" smtClean="0"/>
+              <a:t>результат, ожидаем, что </a:t>
+            </a:r>
+            <a:r>
+              <a:rPr lang="ru-RU" baseline="0" dirty="0" smtClean="0"/>
+              <a:t>в корзине останется </a:t>
+            </a:r>
+            <a:r>
+              <a:rPr lang="ru-RU" baseline="0" dirty="0" smtClean="0"/>
+              <a:t>2 яблока. В своём тесте мы проверяем в каком состоянии окажется корзина после выполненных действий.</a:t>
             </a:r>
           </a:p>
           <a:p>
             <a:r>
               <a:rPr lang="ru-RU" baseline="0" dirty="0" smtClean="0"/>
-              <a:t>Ключевым моментом, на который стоит обратить внимание, является факт, что у нас есть возможность проверять состояние корзины.</a:t>
+              <a:t>Ключевым моментом, на который стоит обратить внимание, является факт, что у нас есть возможность проверять состояние </a:t>
+            </a:r>
+            <a:r>
+              <a:rPr lang="ru-RU" baseline="0" dirty="0" smtClean="0"/>
+              <a:t>корзины и сама процедура проверки не представляет сложности.</a:t>
             </a:r>
             <a:endParaRPr lang="ru-RU" dirty="0"/>
           </a:p>
@@ -5666,7 +6006,59 @@
           <a:p>
             <a:r>
               <a:rPr lang="ru-RU" baseline="0" dirty="0" smtClean="0"/>
-              <a:t>Предположим у нас есть интерфейс банковского счёта с методами, позволяющими его пополнить, снять средства, узнать текущий баланс.</a:t>
+              <a:t>Предположим у нас есть интерфейс банковского счёта с методами, позволяющими его </a:t>
+            </a:r>
+            <a:r>
+              <a:rPr lang="ru-RU" baseline="0" dirty="0" smtClean="0"/>
+              <a:t>пополнить </a:t>
+            </a:r>
+            <a:r>
+              <a:rPr lang="en-US" baseline="0" dirty="0" smtClean="0"/>
+              <a:t>(deposit)</a:t>
+            </a:r>
+            <a:r>
+              <a:rPr lang="ru-RU" baseline="0" dirty="0" smtClean="0"/>
+              <a:t>, </a:t>
+            </a:r>
+            <a:r>
+              <a:rPr lang="ru-RU" baseline="0" dirty="0" smtClean="0"/>
+              <a:t>снять </a:t>
+            </a:r>
+            <a:r>
+              <a:rPr lang="ru-RU" baseline="0" dirty="0" smtClean="0"/>
+              <a:t>средства</a:t>
+            </a:r>
+            <a:r>
+              <a:rPr lang="en-US" baseline="0" dirty="0" smtClean="0"/>
+              <a:t> (withdraw)</a:t>
+            </a:r>
+            <a:r>
+              <a:rPr lang="ru-RU" baseline="0" dirty="0" smtClean="0"/>
+              <a:t>, </a:t>
+            </a:r>
+            <a:r>
+              <a:rPr lang="ru-RU" baseline="0" dirty="0" smtClean="0"/>
+              <a:t>узнать текущий </a:t>
+            </a:r>
+            <a:r>
+              <a:rPr lang="ru-RU" baseline="0" dirty="0" smtClean="0"/>
+              <a:t>баланс</a:t>
+            </a:r>
+            <a:r>
+              <a:rPr lang="en-US" baseline="0" dirty="0" smtClean="0"/>
+              <a:t> (</a:t>
+            </a:r>
+            <a:r>
+              <a:rPr lang="en-US" baseline="0" dirty="0" err="1" smtClean="0"/>
+              <a:t>getBalance</a:t>
+            </a:r>
+            <a:r>
+              <a:rPr lang="en-US" baseline="0" dirty="0" smtClean="0"/>
+              <a:t>)</a:t>
+            </a:r>
+            <a:r>
+              <a:rPr lang="ru-RU" baseline="0" dirty="0" smtClean="0"/>
+              <a:t>.</a:t>
             </a:r>
             <a:endParaRPr lang="ru-RU" dirty="0"/>
           </a:p>
@@ -5764,7 +6156,11 @@
           <a:p>
             <a:r>
               <a:rPr lang="ru-RU" baseline="0" dirty="0" smtClean="0"/>
-              <a:t>Заметим, если средств для списания на счёте недостаточно, то бросается проверяемое исключение </a:t>
+              <a:t>Замечу, </a:t>
+            </a:r>
+            <a:r>
+              <a:rPr lang="ru-RU" baseline="0" dirty="0" smtClean="0"/>
+              <a:t>если средств для списания на счёте недостаточно, то бросается проверяемое исключение </a:t>
             </a:r>
             <a:r>
               <a:rPr kumimoji="0" lang="ru-RU" altLang="ru-RU" b="0" i="0" u="none" strike="noStrike" cap="none" normalizeH="0" baseline="0" dirty="0" err="1" smtClean="0">
@@ -5896,7 +6292,51 @@
           <a:p>
             <a:r>
               <a:rPr lang="ru-RU" baseline="0" dirty="0" smtClean="0"/>
-              <a:t>Если списание не было успешным (недостаточно средств), то товар не должен быть добавлен в список приобретённых.</a:t>
+              <a:t>Если списание не было успешным (недостаточно средств), то товар не должен быть добавлен в список </a:t>
+            </a:r>
+            <a:r>
+              <a:rPr lang="ru-RU" baseline="0" dirty="0" smtClean="0"/>
+              <a:t>приобретённых (</a:t>
+            </a:r>
+            <a:r>
+              <a:rPr lang="en-US" baseline="0" dirty="0" err="1" smtClean="0"/>
+              <a:t>items.add</a:t>
+            </a:r>
+            <a:r>
+              <a:rPr lang="ru-RU" baseline="0" dirty="0" smtClean="0"/>
+              <a:t>) идёт последним – исключение </a:t>
+            </a:r>
+            <a:r>
+              <a:rPr kumimoji="0" lang="ru-RU" altLang="ru-RU" b="0" i="0" u="none" strike="noStrike" cap="none" normalizeH="0" baseline="0" dirty="0" err="1" smtClean="0">
+                <a:ln>
+                  <a:noFill/>
+                </a:ln>
+                <a:solidFill>
+                  <a:srgbClr val="000000"/>
+                </a:solidFill>
+                <a:effectLst/>
+                <a:latin typeface="Courier New" pitchFamily="49" charset="0"/>
+                <a:cs typeface="Courier New" pitchFamily="49" charset="0"/>
+              </a:rPr>
+              <a:t>InsufficientFundsException</a:t>
+            </a:r>
+            <a:r>
+              <a:rPr kumimoji="0" lang="ru-RU" altLang="ru-RU" b="0" i="0" u="none" strike="noStrike" cap="none" normalizeH="0" baseline="0" dirty="0" smtClean="0">
+                <a:ln>
+                  <a:noFill/>
+                </a:ln>
+                <a:solidFill>
+                  <a:srgbClr val="000000"/>
+                </a:solidFill>
+                <a:effectLst/>
+                <a:latin typeface="Courier New" pitchFamily="49" charset="0"/>
+                <a:cs typeface="Courier New" pitchFamily="49" charset="0"/>
+              </a:rPr>
+              <a:t> будет проброшено до него</a:t>
+            </a:r>
+            <a:r>
+              <a:rPr lang="ru-RU" baseline="0" dirty="0" smtClean="0"/>
+              <a:t>.</a:t>
             </a:r>
             <a:endParaRPr lang="ru-RU" dirty="0"/>
           </a:p>
@@ -5994,15 +6434,27 @@
           <a:p>
             <a:r>
               <a:rPr lang="ru-RU" dirty="0" smtClean="0"/>
-              <a:t>Для каждого теста </a:t>
-            </a:r>
-            <a:r>
-              <a:rPr lang="ru-RU" dirty="0" err="1" smtClean="0"/>
-              <a:t>создаваётся</a:t>
+              <a:t>Для каждого </a:t>
+            </a:r>
+            <a:r>
+              <a:rPr lang="ru-RU" dirty="0" smtClean="0"/>
+              <a:t>вызова</a:t>
             </a:r>
             <a:r>
               <a:rPr lang="ru-RU" baseline="0" dirty="0" smtClean="0"/>
-              <a:t> счёт с текущим балансом в 100 рублей в методе </a:t>
+              <a:t> тестового метода</a:t>
+            </a:r>
+            <a:r>
+              <a:rPr lang="ru-RU" dirty="0" smtClean="0"/>
+              <a:t> создаётся</a:t>
+            </a:r>
+            <a:r>
+              <a:rPr lang="ru-RU" baseline="0" dirty="0" smtClean="0"/>
+              <a:t> </a:t>
+            </a:r>
+            <a:r>
+              <a:rPr lang="ru-RU" baseline="0" dirty="0" smtClean="0"/>
+              <a:t>счёт с текущим балансом в 100 рублей в методе </a:t>
             </a:r>
             <a:r>
               <a:rPr lang="en-US" baseline="0" dirty="0" err="1" smtClean="0"/>
@@ -6024,13 +6476,21 @@
             </a:r>
             <a:r>
               <a:rPr lang="ru-RU" baseline="0" dirty="0" smtClean="0"/>
-              <a:t>, а не к реализации интерфейса банковского счёта.</a:t>
+              <a:t>, а не к реализации интерфейса банковского счёта</a:t>
+            </a:r>
+            <a:r>
+              <a:rPr lang="ru-RU" baseline="0" dirty="0" smtClean="0"/>
+              <a:t>.</a:t>
             </a:r>
           </a:p>
           <a:p>
             <a:r>
               <a:rPr lang="ru-RU" baseline="0" dirty="0" smtClean="0"/>
-              <a:t>Первый тест – на успешность операции покупки (средств на счёте достаточно) </a:t>
+              <a:t>Первый </a:t>
+            </a:r>
+            <a:r>
+              <a:rPr lang="ru-RU" baseline="0" dirty="0" smtClean="0"/>
+              <a:t>тест – на успешность операции покупки (средств на счёте достаточно) </a:t>
             </a:r>
             <a:r>
               <a:rPr lang="en-US" baseline="0" dirty="0" smtClean="0"/>
@@ -6038,7 +6498,11 @@
             </a:r>
             <a:r>
               <a:rPr lang="ru-RU" baseline="0" dirty="0" smtClean="0"/>
-              <a:t>баланс должен уменьшиться на сумму покупки (что означает, что мы проверяем факт списания средств со счёта), купленный товар должен добавиться в список.</a:t>
+              <a:t>баланс должен уменьшиться на сумму покупки (что означает, что мы проверяем факт списания средств со счёта), купленный товар должен добавиться в список</a:t>
+            </a:r>
+            <a:r>
+              <a:rPr lang="ru-RU" baseline="0" dirty="0" smtClean="0"/>
+              <a:t>. Мы проверяем состояние банковского счёта после выполнения операции.</a:t>
             </a:r>
             <a:endParaRPr lang="ru-RU" dirty="0"/>
           </a:p>
@@ -6244,8 +6708,13 @@
             </a:r>
             <a:r>
               <a:rPr lang="ru-RU" baseline="0" dirty="0" smtClean="0"/>
-              <a:t> способу проверки корректности работы модуля клиентского заказа.</a:t>
-            </a:r>
+              <a:t> способу проверки корректности </a:t>
+            </a:r>
+            <a:r>
+              <a:rPr lang="ru-RU" baseline="0" dirty="0" smtClean="0"/>
+              <a:t>работы.</a:t>
+            </a:r>
+            <a:endParaRPr lang="ru-RU" baseline="0" dirty="0" smtClean="0"/>
           </a:p>
           <a:p>
             <a:r>
@@ -6290,7 +6759,23 @@
             </a:r>
             <a:r>
               <a:rPr lang="ru-RU" baseline="0" dirty="0" smtClean="0"/>
-              <a:t>. Создадим его статическим методом, представляемым </a:t>
+              <a:t>. Создадим </a:t>
+            </a:r>
+            <a:r>
+              <a:rPr lang="ru-RU" baseline="0" dirty="0" smtClean="0"/>
+              <a:t>его статическим </a:t>
+            </a:r>
+            <a:r>
+              <a:rPr lang="ru-RU" baseline="0" dirty="0" smtClean="0"/>
+              <a:t>методом </a:t>
+            </a:r>
+            <a:r>
+              <a:rPr lang="en-US" baseline="0" dirty="0" smtClean="0"/>
+              <a:t>mock</a:t>
+            </a:r>
+            <a:r>
+              <a:rPr lang="ru-RU" baseline="0" dirty="0" smtClean="0"/>
+              <a:t>, предоставляемым </a:t>
             </a:r>
             <a:r>
               <a:rPr lang="ru-RU" baseline="0" dirty="0" err="1" smtClean="0"/>
@@ -6312,7 +6797,15 @@
           <a:p>
             <a:r>
               <a:rPr lang="ru-RU" baseline="0" dirty="0" smtClean="0"/>
-              <a:t>Этот объект-имитация (мок) будет записывать все взаимодействия с ним – т.е. запомнит кто и какие методы с какими аргументами у него вызывал. Может также давать заранее определённые ответы (возвращаемые значения) на вызовы методов, но об этом чуть позже.</a:t>
+              <a:t>Этот объект-имитация (мок) будет записывать все взаимодействия с ним – т.е. запомнит кто и какие методы с какими аргументами у него вызывал</a:t>
+            </a:r>
+            <a:r>
+              <a:rPr lang="ru-RU" baseline="0" dirty="0" smtClean="0"/>
+              <a:t>. Можно сделать так, чтобы методы этого объекта возвращали заранее предопределённые ответы, </a:t>
+            </a:r>
+            <a:r>
+              <a:rPr lang="ru-RU" baseline="0" dirty="0" smtClean="0"/>
+              <a:t>но об этом чуть позже.</a:t>
             </a:r>
           </a:p>
           <a:p>
@@ -6336,7 +6829,15 @@
             </a:r>
             <a:r>
               <a:rPr lang="ru-RU" baseline="0" dirty="0" smtClean="0"/>
-              <a:t>В добавок ко всему реализация этого интерфейса может быть крайне тяжёлой – например, обращаться к БД. А это в свою очередь заставит нас решать вопрос с БД в нашем модульном тесте, который ничего не должен знать о конкретной реализации другого модуля.</a:t>
+              <a:t>В добавок ко всему реализация этого интерфейса может быть крайне тяжёлой – например, обращаться к БД. А это в свою очередь заставит нас решать вопрос с БД в нашем модульном тесте, </a:t>
+            </a:r>
+            <a:r>
+              <a:rPr lang="ru-RU" baseline="0" dirty="0" smtClean="0"/>
+              <a:t>который, замечу ещё раз, </a:t>
+            </a:r>
+            <a:r>
+              <a:rPr lang="ru-RU" baseline="0" dirty="0" smtClean="0"/>
+              <a:t>ничего не должен знать о конкретной реализации другого модуля.</a:t>
             </a:r>
           </a:p>
           <a:p>
@@ -6412,21 +6913,35 @@
                 <a:latin typeface="Courier New" pitchFamily="49" charset="0"/>
                 <a:cs typeface="Courier New" pitchFamily="49" charset="0"/>
               </a:rPr>
-              <a:t>мокированного</a:t>
-            </a:r>
-            <a:r>
-              <a:rPr kumimoji="0" lang="ru-RU" altLang="ru-RU" b="0" i="0" u="none" strike="noStrike" cap="none" normalizeH="0" baseline="0" dirty="0" smtClean="0">
-                <a:ln>
-                  <a:noFill/>
-                </a:ln>
-                <a:solidFill>
-                  <a:srgbClr val="000000"/>
-                </a:solidFill>
-                <a:effectLst/>
-                <a:latin typeface="Courier New" pitchFamily="49" charset="0"/>
-                <a:cs typeface="Courier New" pitchFamily="49" charset="0"/>
-              </a:rPr>
-              <a:t> объекта), то товар добавится в список приобретённых в заказе. Обратите внимание – мок-объект позволяет проверить взаимодействие с ним, т.е. поведение работающих с ним объектов.</a:t>
+              <a:t>мока</a:t>
+            </a:r>
+            <a:r>
+              <a:rPr kumimoji="0" lang="ru-RU" altLang="ru-RU" b="0" i="0" u="none" strike="noStrike" cap="none" normalizeH="0" baseline="0" dirty="0" smtClean="0">
+                <a:ln>
+                  <a:noFill/>
+                </a:ln>
+                <a:solidFill>
+                  <a:srgbClr val="000000"/>
+                </a:solidFill>
+                <a:effectLst/>
+                <a:latin typeface="Courier New" pitchFamily="49" charset="0"/>
+                <a:cs typeface="Courier New" pitchFamily="49" charset="0"/>
+              </a:rPr>
+              <a:t>), </a:t>
+            </a:r>
+            <a:r>
+              <a:rPr kumimoji="0" lang="ru-RU" altLang="ru-RU" b="0" i="0" u="none" strike="noStrike" cap="none" normalizeH="0" baseline="0" dirty="0" smtClean="0">
+                <a:ln>
+                  <a:noFill/>
+                </a:ln>
+                <a:solidFill>
+                  <a:srgbClr val="000000"/>
+                </a:solidFill>
+                <a:effectLst/>
+                <a:latin typeface="Courier New" pitchFamily="49" charset="0"/>
+                <a:cs typeface="Courier New" pitchFamily="49" charset="0"/>
+              </a:rPr>
+              <a:t>то товар добавится в список приобретённых в заказе. Обратите внимание – мок-объект позволяет проверить взаимодействие с ним, т.е. поведение работающих с ним объектов.</a:t>
             </a:r>
             <a:endParaRPr lang="ru-RU" dirty="0"/>
           </a:p>
@@ -41236,7 +41751,7 @@
   <a:extraClrSchemeLst/>
   <a:extLst>
     <a:ext uri="{05A4C25C-085E-4340-85A3-A5531E510DB2}">
-      <thm15:themeFamily xmlns:thm15="http://schemas.microsoft.com/office/thememl/2012/main" xmlns="" name="Office Theme" id="{62F939B6-93AF-4DB8-9C6B-D6C7DFDC589F}" vid="{4A3C46E8-61CC-4603-A589-7422A47A8E4A}"/>
+      <thm15:themeFamily xmlns="" xmlns:thm15="http://schemas.microsoft.com/office/thememl/2012/main" name="Office Theme" id="{62F939B6-93AF-4DB8-9C6B-D6C7DFDC589F}" vid="{4A3C46E8-61CC-4603-A589-7422A47A8E4A}"/>
     </a:ext>
   </a:extLst>
 </a:theme>
@@ -41497,7 +42012,7 @@
   <a:extraClrSchemeLst/>
   <a:extLst>
     <a:ext uri="{05A4C25C-085E-4340-85A3-A5531E510DB2}">
-      <thm15:themeFamily xmlns:thm15="http://schemas.microsoft.com/office/thememl/2012/main" xmlns="" name="Office Theme" id="{62F939B6-93AF-4DB8-9C6B-D6C7DFDC589F}" vid="{4A3C46E8-61CC-4603-A589-7422A47A8E4A}"/>
+      <thm15:themeFamily xmlns="" xmlns:thm15="http://schemas.microsoft.com/office/thememl/2012/main" name="Office Theme" id="{62F939B6-93AF-4DB8-9C6B-D6C7DFDC589F}" vid="{4A3C46E8-61CC-4603-A589-7422A47A8E4A}"/>
     </a:ext>
   </a:extLst>
 </a:theme>

--- a/automationqa-course/11.advanced/mockito/1.What is mockito/Что такое mockito.pptx
+++ b/automationqa-course/11.advanced/mockito/1.What is mockito/Что такое mockito.pptx
@@ -131,7 +131,7 @@
   </p:defaultTextStyle>
   <p:extLst>
     <p:ext uri="{EFAFB233-063F-42B5-8137-9DF3F51BA10A}">
-      <p15:sldGuideLst xmlns="" xmlns:p15="http://schemas.microsoft.com/office/powerpoint/2012/main">
+      <p15:sldGuideLst xmlns:p15="http://schemas.microsoft.com/office/powerpoint/2012/main" xmlns="">
         <p15:guide id="1" orient="horz" pos="2160" userDrawn="1">
           <p15:clr>
             <a:srgbClr val="A4A3A4"/>
@@ -2464,11 +2464,11 @@
         </c:dLbls>
         <c:marker val="1"/>
         <c:smooth val="0"/>
-        <c:axId val="79410304"/>
-        <c:axId val="79411840"/>
+        <c:axId val="89507328"/>
+        <c:axId val="89508864"/>
       </c:lineChart>
       <c:catAx>
-        <c:axId val="79410304"/>
+        <c:axId val="89507328"/>
         <c:scaling>
           <c:orientation val="minMax"/>
         </c:scaling>
@@ -2487,7 +2487,7 @@
             <a:endParaRPr lang="ru-RU"/>
           </a:p>
         </c:txPr>
-        <c:crossAx val="79411840"/>
+        <c:crossAx val="89508864"/>
         <c:crosses val="autoZero"/>
         <c:auto val="1"/>
         <c:lblAlgn val="ctr"/>
@@ -2495,7 +2495,7 @@
         <c:noMultiLvlLbl val="0"/>
       </c:catAx>
       <c:valAx>
-        <c:axId val="79411840"/>
+        <c:axId val="89508864"/>
         <c:scaling>
           <c:orientation val="minMax"/>
           <c:max val="100"/>
@@ -2517,7 +2517,7 @@
             <a:endParaRPr lang="ru-RU"/>
           </a:p>
         </c:txPr>
-        <c:crossAx val="79410304"/>
+        <c:crossAx val="89507328"/>
         <c:crosses val="autoZero"/>
         <c:crossBetween val="between"/>
       </c:valAx>
@@ -2634,7 +2634,7 @@
           <a:p>
             <a:fld id="{CEC9B840-452B-4B18-A029-1B409955EDB4}" type="datetimeFigureOut">
               <a:rPr lang="ru-RU" smtClean="0"/>
-              <a:t>01.05.2018</a:t>
+              <a:t>03.05.2018</a:t>
             </a:fld>
             <a:endParaRPr lang="ru-RU"/>
           </a:p>
@@ -2952,11 +2952,19 @@
             </a:r>
             <a:r>
               <a:rPr lang="ru-RU" baseline="0" dirty="0" smtClean="0"/>
-              <a:t> к этой части курса, слушатели </a:t>
+              <a:t> к этой части курса, </a:t>
             </a:r>
             <a:r>
               <a:rPr lang="ru-RU" baseline="0" dirty="0" smtClean="0"/>
-              <a:t>уже </a:t>
+              <a:t>слушатели</a:t>
+            </a:r>
+            <a:r>
+              <a:rPr lang="en-US" baseline="0" dirty="0" smtClean="0"/>
+              <a:t> </a:t>
+            </a:r>
+            <a:r>
+              <a:rPr lang="ru-RU" baseline="0" dirty="0" smtClean="0"/>
+              <a:t>должны быть уже хорошо </a:t>
             </a:r>
             <a:r>
               <a:rPr lang="ru-RU" baseline="0" dirty="0" smtClean="0"/>
@@ -2968,9 +2976,24 @@
             </a:r>
             <a:r>
               <a:rPr lang="ru-RU" baseline="0" dirty="0" smtClean="0"/>
-              <a:t>, уметь писать модульные тесты и понимать принципы, которым такие тесты должны соответствовать.</a:t>
-            </a:r>
-            <a:endParaRPr lang="ru-RU" baseline="0" dirty="0" smtClean="0"/>
+              <a:t>, </a:t>
+            </a:r>
+            <a:r>
+              <a:rPr lang="ru-RU" baseline="0" dirty="0" smtClean="0"/>
+              <a:t>уметь </a:t>
+            </a:r>
+            <a:r>
+              <a:rPr lang="ru-RU" baseline="0" dirty="0" smtClean="0"/>
+              <a:t>писать модульные тесты и </a:t>
+            </a:r>
+            <a:r>
+              <a:rPr lang="ru-RU" baseline="0" dirty="0" smtClean="0"/>
+              <a:t>понимать </a:t>
+            </a:r>
+            <a:r>
+              <a:rPr lang="ru-RU" baseline="0" dirty="0" smtClean="0"/>
+              <a:t>принципы, которым такие тесты должны соответствовать.</a:t>
+            </a:r>
           </a:p>
           <a:p>
             <a:r>
@@ -2987,11 +3010,7 @@
             </a:r>
             <a:r>
               <a:rPr lang="ru-RU" baseline="0" dirty="0" smtClean="0"/>
-              <a:t>, так как их тесный симбиоз позволяет выйти на следующий уровень написания модульных тестов</a:t>
-            </a:r>
-            <a:r>
-              <a:rPr lang="ru-RU" baseline="0" dirty="0" smtClean="0"/>
-              <a:t>.</a:t>
+              <a:t>, так как их тесный симбиоз позволяет выйти на следующий уровень написания модульных тестов.</a:t>
             </a:r>
             <a:endParaRPr lang="en-US" baseline="0" dirty="0" smtClean="0"/>
           </a:p>
@@ -3016,7 +3035,6 @@
               <a:rPr lang="ru-RU" baseline="0" dirty="0" smtClean="0"/>
               <a:t>, как им пользоваться и, главное, зачем он нужен, сначала рассмотрим какие виды тестов с точки зрения проверки результатов могут быть.</a:t>
             </a:r>
-            <a:endParaRPr lang="ru-RU" baseline="0" dirty="0" smtClean="0"/>
           </a:p>
         </p:txBody>
       </p:sp>
@@ -3325,11 +3343,7 @@
             </a:r>
             <a:r>
               <a:rPr lang="ru-RU" baseline="0" dirty="0" smtClean="0"/>
-              <a:t> </a:t>
-            </a:r>
-            <a:r>
-              <a:rPr lang="ru-RU" baseline="0" dirty="0" smtClean="0"/>
-              <a:t>банковского счёта будет вызван метод </a:t>
+              <a:t> банковского счёта будет вызван метод </a:t>
             </a:r>
             <a:r>
               <a:rPr kumimoji="0" lang="ru-RU" altLang="ru-RU" b="0" i="0" u="none" strike="noStrike" cap="none" normalizeH="0" baseline="0" dirty="0" err="1" smtClean="0">
@@ -3686,10 +3700,38 @@
                 <a:latin typeface="Courier New" pitchFamily="49" charset="0"/>
                 <a:cs typeface="Courier New" pitchFamily="49" charset="0"/>
               </a:rPr>
-              <a:t> мы не проверяем – для </a:t>
-            </a:r>
-            <a:r>
-              <a:rPr kumimoji="0" lang="en-US" altLang="ru-RU" b="0" i="0" u="none" strike="noStrike" cap="none" normalizeH="0" baseline="0" dirty="0" err="1" smtClean="0">
+              <a:t> мы не </a:t>
+            </a:r>
+            <a:r>
+              <a:rPr kumimoji="0" lang="ru-RU" altLang="ru-RU" b="0" i="0" u="none" strike="noStrike" cap="none" normalizeH="0" baseline="0" dirty="0" smtClean="0">
+                <a:ln>
+                  <a:noFill/>
+                </a:ln>
+                <a:solidFill>
+                  <a:srgbClr val="000000"/>
+                </a:solidFill>
+                <a:effectLst/>
+                <a:latin typeface="Courier New" pitchFamily="49" charset="0"/>
+                <a:cs typeface="Courier New" pitchFamily="49" charset="0"/>
+              </a:rPr>
+              <a:t>проверяем. </a:t>
+            </a:r>
+            <a:r>
+              <a:rPr kumimoji="0" lang="ru-RU" altLang="ru-RU" b="0" i="0" u="none" strike="noStrike" cap="none" normalizeH="0" baseline="0" dirty="0" smtClean="0">
+                <a:ln>
+                  <a:noFill/>
+                </a:ln>
+                <a:solidFill>
+                  <a:srgbClr val="000000"/>
+                </a:solidFill>
+                <a:effectLst/>
+                <a:latin typeface="Courier New" pitchFamily="49" charset="0"/>
+                <a:cs typeface="Courier New" pitchFamily="49" charset="0"/>
+              </a:rPr>
+              <a:t>Ошибка в конкретной реализации </a:t>
+            </a:r>
+            <a:r>
+              <a:rPr kumimoji="0" lang="ru-RU" altLang="ru-RU" b="0" i="0" u="none" strike="noStrike" cap="none" normalizeH="0" baseline="0" dirty="0" err="1" smtClean="0">
                 <a:ln>
                   <a:noFill/>
                 </a:ln>
@@ -3703,144 +3745,18 @@
               <a:t>BankAccount</a:t>
             </a:r>
             <a:r>
-              <a:rPr kumimoji="0" lang="en-US" altLang="ru-RU" b="0" i="0" u="none" strike="noStrike" cap="none" normalizeH="0" baseline="0" dirty="0" smtClean="0">
-                <a:ln>
-                  <a:noFill/>
-                </a:ln>
-                <a:solidFill>
-                  <a:srgbClr val="000000"/>
-                </a:solidFill>
-                <a:effectLst/>
-                <a:latin typeface="Courier New" pitchFamily="49" charset="0"/>
-                <a:cs typeface="Courier New" pitchFamily="49" charset="0"/>
-              </a:rPr>
-              <a:t> </a:t>
-            </a:r>
-            <a:r>
-              <a:rPr kumimoji="0" lang="ru-RU" altLang="ru-RU" b="0" i="0" u="none" strike="noStrike" cap="none" normalizeH="0" baseline="0" dirty="0" smtClean="0">
-                <a:ln>
-                  <a:noFill/>
-                </a:ln>
-                <a:solidFill>
-                  <a:srgbClr val="000000"/>
-                </a:solidFill>
-                <a:effectLst/>
-                <a:latin typeface="Courier New" pitchFamily="49" charset="0"/>
-                <a:cs typeface="Courier New" pitchFamily="49" charset="0"/>
-              </a:rPr>
-              <a:t>должен быть свой модульный тест. </a:t>
-            </a:r>
-            <a:r>
-              <a:rPr kumimoji="0" lang="ru-RU" altLang="ru-RU" b="0" i="0" u="none" strike="noStrike" cap="none" normalizeH="0" baseline="0" dirty="0" smtClean="0">
-                <a:ln>
-                  <a:noFill/>
-                </a:ln>
-                <a:solidFill>
-                  <a:srgbClr val="000000"/>
-                </a:solidFill>
-                <a:effectLst/>
-                <a:latin typeface="Courier New" pitchFamily="49" charset="0"/>
-                <a:cs typeface="Courier New" pitchFamily="49" charset="0"/>
-              </a:rPr>
-              <a:t>Ошибка </a:t>
-            </a:r>
-            <a:r>
-              <a:rPr kumimoji="0" lang="ru-RU" altLang="ru-RU" b="0" i="0" u="none" strike="noStrike" cap="none" normalizeH="0" baseline="0" dirty="0" smtClean="0">
-                <a:ln>
-                  <a:noFill/>
-                </a:ln>
-                <a:solidFill>
-                  <a:srgbClr val="000000"/>
-                </a:solidFill>
-                <a:effectLst/>
-                <a:latin typeface="Courier New" pitchFamily="49" charset="0"/>
-                <a:cs typeface="Courier New" pitchFamily="49" charset="0"/>
-              </a:rPr>
-              <a:t>в конкретной реализации </a:t>
-            </a:r>
-            <a:r>
-              <a:rPr kumimoji="0" lang="ru-RU" altLang="ru-RU" b="0" i="0" u="none" strike="noStrike" cap="none" normalizeH="0" baseline="0" dirty="0" err="1" smtClean="0">
-                <a:ln>
-                  <a:noFill/>
-                </a:ln>
-                <a:solidFill>
-                  <a:srgbClr val="000000"/>
-                </a:solidFill>
-                <a:effectLst/>
-                <a:latin typeface="Courier New" pitchFamily="49" charset="0"/>
-                <a:cs typeface="Courier New" pitchFamily="49" charset="0"/>
-              </a:rPr>
-              <a:t>BankAccount</a:t>
-            </a:r>
-            <a:r>
-              <a:rPr kumimoji="0" lang="ru-RU" altLang="ru-RU" b="0" i="0" u="none" strike="noStrike" cap="none" normalizeH="0" baseline="0" dirty="0" smtClean="0">
-                <a:ln>
-                  <a:noFill/>
-                </a:ln>
-                <a:solidFill>
-                  <a:srgbClr val="000000"/>
-                </a:solidFill>
-                <a:effectLst/>
-                <a:latin typeface="Courier New" pitchFamily="49" charset="0"/>
-                <a:cs typeface="Courier New" pitchFamily="49" charset="0"/>
-              </a:rPr>
-              <a:t> </a:t>
-            </a:r>
-            <a:r>
-              <a:rPr kumimoji="0" lang="ru-RU" altLang="ru-RU" b="0" i="0" u="none" strike="noStrike" cap="none" normalizeH="0" baseline="0" dirty="0" smtClean="0">
-                <a:ln>
-                  <a:noFill/>
-                </a:ln>
-                <a:solidFill>
-                  <a:srgbClr val="000000"/>
-                </a:solidFill>
-                <a:effectLst/>
-                <a:latin typeface="Courier New" pitchFamily="49" charset="0"/>
-                <a:cs typeface="Courier New" pitchFamily="49" charset="0"/>
-              </a:rPr>
-              <a:t>пометит </a:t>
-            </a:r>
-            <a:r>
-              <a:rPr kumimoji="0" lang="ru-RU" altLang="ru-RU" b="0" i="0" u="none" strike="noStrike" cap="none" normalizeH="0" baseline="0" dirty="0" smtClean="0">
-                <a:ln>
-                  <a:noFill/>
-                </a:ln>
-                <a:solidFill>
-                  <a:srgbClr val="000000"/>
-                </a:solidFill>
-                <a:effectLst/>
-                <a:latin typeface="Courier New" pitchFamily="49" charset="0"/>
-                <a:cs typeface="Courier New" pitchFamily="49" charset="0"/>
-              </a:rPr>
-              <a:t>как ошибочные только тесты на эту ошибочную </a:t>
-            </a:r>
-            <a:r>
-              <a:rPr kumimoji="0" lang="ru-RU" altLang="ru-RU" b="0" i="0" u="none" strike="noStrike" cap="none" normalizeH="0" baseline="0" dirty="0" smtClean="0">
-                <a:ln>
-                  <a:noFill/>
-                </a:ln>
-                <a:solidFill>
-                  <a:srgbClr val="000000"/>
-                </a:solidFill>
-                <a:effectLst/>
-                <a:latin typeface="Courier New" pitchFamily="49" charset="0"/>
-                <a:cs typeface="Courier New" pitchFamily="49" charset="0"/>
-              </a:rPr>
-              <a:t>реализацию, а не </a:t>
-            </a:r>
-            <a:r>
-              <a:rPr kumimoji="0" lang="ru-RU" altLang="ru-RU" b="0" i="0" u="none" strike="noStrike" cap="none" normalizeH="0" baseline="0" dirty="0" smtClean="0">
-                <a:ln>
-                  <a:noFill/>
-                </a:ln>
-                <a:solidFill>
-                  <a:srgbClr val="000000"/>
-                </a:solidFill>
-                <a:effectLst/>
-                <a:latin typeface="Courier New" pitchFamily="49" charset="0"/>
-                <a:cs typeface="Courier New" pitchFamily="49" charset="0"/>
-              </a:rPr>
-              <a:t>тесты клиентского заказа, что существенно упрощает процесс поиска исходной причины при разборе результатов выполнения тестов.</a:t>
+              <a:rPr kumimoji="0" lang="ru-RU" altLang="ru-RU" b="0" i="0" u="none" strike="noStrike" cap="none" normalizeH="0" baseline="0" dirty="0" smtClean="0">
+                <a:ln>
+                  <a:noFill/>
+                </a:ln>
+                <a:solidFill>
+                  <a:srgbClr val="000000"/>
+                </a:solidFill>
+                <a:effectLst/>
+                <a:latin typeface="Courier New" pitchFamily="49" charset="0"/>
+                <a:cs typeface="Courier New" pitchFamily="49" charset="0"/>
+              </a:rPr>
+              <a:t> пометит как ошибочные только тесты на эту ошибочную реализацию, а не тесты клиентского заказа, что существенно упрощает процесс поиска исходной причины при разборе результатов выполнения тестов.</a:t>
             </a:r>
             <a:endParaRPr lang="ru-RU" dirty="0"/>
           </a:p>
@@ -3954,11 +3870,7 @@
             </a:r>
             <a:r>
               <a:rPr lang="ru-RU" baseline="0" dirty="0" smtClean="0"/>
-              <a:t> </a:t>
-            </a:r>
-            <a:r>
-              <a:rPr lang="ru-RU" baseline="0" dirty="0" smtClean="0"/>
-              <a:t>– объекта с заранее запрограммированным ожиданиями вызовов, который используется для проверки поведения объектов и их взаимодействия друг с другом.</a:t>
+              <a:t> – объекта с заранее запрограммированным ожиданиями вызовов, который используется для проверки поведения объектов и их взаимодействия друг с другом.</a:t>
             </a:r>
           </a:p>
           <a:p>
@@ -3996,15 +3908,7 @@
             </a:r>
             <a:r>
               <a:rPr lang="ru-RU" baseline="0" dirty="0" smtClean="0"/>
-              <a:t>Все эти понятия нам очень понадобятся, поэтому </a:t>
-            </a:r>
-            <a:r>
-              <a:rPr lang="ru-RU" baseline="0" dirty="0" smtClean="0"/>
-              <a:t>определим и </a:t>
-            </a:r>
-            <a:r>
-              <a:rPr lang="ru-RU" baseline="0" dirty="0" smtClean="0"/>
-              <a:t>их.</a:t>
+              <a:t>Все эти понятия нам очень понадобятся, поэтому определим и их.</a:t>
             </a:r>
             <a:endParaRPr lang="en-US" sz="1200" b="0" i="0" kern="1200" dirty="0">
               <a:solidFill>
@@ -4131,15 +4035,15 @@
           <a:p>
             <a:r>
               <a:rPr lang="ru-RU" baseline="0" dirty="0" smtClean="0"/>
-              <a:t>Обычно </a:t>
+              <a:t>Обычно по сути используются просто, чтобы код скомпилировался. Это фиктивные </a:t>
             </a:r>
             <a:r>
               <a:rPr lang="ru-RU" baseline="0" dirty="0" smtClean="0"/>
-              <a:t>по сути используются просто, чтобы код скомпилировался. Это фиктивные реализации, предполагается, что в ходе выполнения теста, эти объекты использоваться не будут. </a:t>
+              <a:t>реализации. Предполагается</a:t>
             </a:r>
             <a:r>
               <a:rPr lang="ru-RU" baseline="0" dirty="0" smtClean="0"/>
-              <a:t>Часто </a:t>
+              <a:t>, что в ходе выполнения теста, эти объекты использоваться не будут. Часто </a:t>
             </a:r>
             <a:r>
               <a:rPr lang="ru-RU" baseline="0" dirty="0" err="1" smtClean="0"/>
@@ -4147,11 +4051,7 @@
             </a:r>
             <a:r>
               <a:rPr lang="ru-RU" baseline="0" dirty="0" smtClean="0"/>
-              <a:t> используются </a:t>
-            </a:r>
-            <a:r>
-              <a:rPr lang="ru-RU" baseline="0" dirty="0" smtClean="0"/>
-              <a:t>для заполнения списка аргументов метода.</a:t>
+              <a:t> используются для заполнения списка аргументов метода.</a:t>
             </a:r>
             <a:endParaRPr lang="ru-RU" dirty="0" smtClean="0"/>
           </a:p>
@@ -4248,23 +4148,11 @@
           <a:p>
             <a:r>
               <a:rPr lang="ru-RU" dirty="0" smtClean="0"/>
-              <a:t>Добавим </a:t>
-            </a:r>
-            <a:r>
-              <a:rPr lang="ru-RU" dirty="0" smtClean="0"/>
-              <a:t>к</a:t>
+              <a:t>Добавим к</a:t>
             </a:r>
             <a:r>
               <a:rPr lang="ru-RU" baseline="0" dirty="0" smtClean="0"/>
-              <a:t> классу заказа сервис, позволяющий </a:t>
-            </a:r>
-            <a:r>
-              <a:rPr lang="ru-RU" baseline="0" dirty="0" smtClean="0"/>
-              <a:t>отправлять нотификации </a:t>
-            </a:r>
-            <a:r>
-              <a:rPr lang="ru-RU" baseline="0" dirty="0" smtClean="0"/>
-              <a:t>– </a:t>
+              <a:t> классу заказа сервис, позволяющий отправлять нотификации – </a:t>
             </a:r>
             <a:r>
               <a:rPr kumimoji="0" lang="ru-RU" altLang="ru-RU" b="0" i="0" u="none" strike="noStrike" cap="none" normalizeH="0" baseline="0" dirty="0" err="1" smtClean="0">
@@ -4302,15 +4190,7 @@
             </a:r>
             <a:r>
               <a:rPr lang="ru-RU" baseline="0" dirty="0" smtClean="0"/>
-              <a:t> этого сервиса </a:t>
-            </a:r>
-            <a:r>
-              <a:rPr lang="ru-RU" baseline="0" dirty="0" smtClean="0"/>
-              <a:t>должна быть передана в конструктор </a:t>
-            </a:r>
-            <a:r>
-              <a:rPr lang="ru-RU" baseline="0" dirty="0" smtClean="0"/>
-              <a:t>класса </a:t>
+              <a:t> этого сервиса должна быть передана в конструктор класса </a:t>
             </a:r>
             <a:r>
               <a:rPr lang="en-US" baseline="0" dirty="0" smtClean="0"/>
@@ -4324,15 +4204,7 @@
           <a:p>
             <a:r>
               <a:rPr lang="ru-RU" baseline="0" dirty="0" smtClean="0"/>
-              <a:t>Если в тесте нас не интересует работа с нотификациями, то мы </a:t>
-            </a:r>
-            <a:r>
-              <a:rPr lang="ru-RU" baseline="0" dirty="0" smtClean="0"/>
-              <a:t>можем </a:t>
-            </a:r>
-            <a:r>
-              <a:rPr lang="ru-RU" baseline="0" dirty="0" smtClean="0"/>
-              <a:t>сделать фиктивную реализацию такого сервиса.</a:t>
+              <a:t>Если в тесте нас не интересует работа с нотификациями, то мы можем сделать фиктивную реализацию такого сервиса.</a:t>
             </a:r>
             <a:endParaRPr lang="ru-RU" dirty="0"/>
           </a:p>
@@ -4554,19 +4426,11 @@
           <a:p>
             <a:r>
               <a:rPr lang="ru-RU" dirty="0" smtClean="0"/>
-              <a:t>Следующий тип </a:t>
-            </a:r>
-            <a:r>
-              <a:rPr lang="ru-RU" dirty="0" smtClean="0"/>
-              <a:t>объектов</a:t>
+              <a:t>Следующий тип объектов</a:t>
             </a:r>
             <a:r>
               <a:rPr lang="ru-RU" baseline="0" dirty="0" smtClean="0"/>
-              <a:t> </a:t>
-            </a:r>
-            <a:r>
-              <a:rPr lang="ru-RU" baseline="0" dirty="0" smtClean="0"/>
-              <a:t>– заглушки, по-английски это </a:t>
+              <a:t> – заглушки, по-английски это </a:t>
             </a:r>
             <a:r>
               <a:rPr lang="en-US" baseline="0" dirty="0" smtClean="0"/>
@@ -4584,27 +4448,23 @@
             </a:r>
             <a:r>
               <a:rPr lang="ru-RU" baseline="0" dirty="0" smtClean="0"/>
-              <a:t> </a:t>
+              <a:t> такие </a:t>
             </a:r>
             <a:r>
               <a:rPr lang="ru-RU" baseline="0" dirty="0" smtClean="0"/>
-              <a:t>такие </a:t>
+              <a:t>реализации, </a:t>
             </a:r>
             <a:r>
               <a:rPr lang="ru-RU" baseline="0" dirty="0" smtClean="0"/>
-              <a:t>реализации классов или интерфейсов, которые не являются реальными, а представляют лишь заранее запрограммированные ответы для выполнения теста. Т.е. реализация таких заглушек проста – никакой бизнес-смысл она не несёт, лишь возвращает заранее </a:t>
+              <a:t>которые не являются реальными, а </a:t>
             </a:r>
             <a:r>
               <a:rPr lang="ru-RU" baseline="0" dirty="0" smtClean="0"/>
-              <a:t>приготовленный </a:t>
+              <a:t>возвращают лишь </a:t>
             </a:r>
             <a:r>
               <a:rPr lang="ru-RU" baseline="0" dirty="0" smtClean="0"/>
-              <a:t>ответ</a:t>
-            </a:r>
-            <a:r>
-              <a:rPr lang="ru-RU" baseline="0" dirty="0" smtClean="0"/>
-              <a:t>.</a:t>
+              <a:t>заранее запрограммированные ответы для выполнения теста. Т.е. реализация таких заглушек проста – никакой бизнес-смысл она не несёт, лишь возвращает заранее приготовленный ответ.</a:t>
             </a:r>
           </a:p>
         </p:txBody>
@@ -4862,11 +4722,7 @@
           <a:p>
             <a:r>
               <a:rPr lang="ru-RU" dirty="0" smtClean="0"/>
-              <a:t>Мы </a:t>
-            </a:r>
-            <a:r>
-              <a:rPr lang="ru-RU" dirty="0" smtClean="0"/>
-              <a:t>могли бы сделать такую заглушку</a:t>
+              <a:t>Мы могли бы сделать такую заглушку</a:t>
             </a:r>
             <a:r>
               <a:rPr lang="ru-RU" baseline="0" dirty="0" smtClean="0"/>
@@ -4886,71 +4742,12 @@
             </a:r>
             <a:r>
               <a:rPr lang="ru-RU" baseline="0" dirty="0" smtClean="0"/>
-              <a:t> – лёгкость их реализации.</a:t>
-            </a:r>
-            <a:endParaRPr lang="ru-RU" dirty="0" smtClean="0"/>
-          </a:p>
-          <a:p>
-            <a:pPr marL="0" marR="0" indent="0" algn="l" defTabSz="914400" rtl="0" eaLnBrk="1" fontAlgn="auto" latinLnBrk="0" hangingPunct="1">
-              <a:lnSpc>
-                <a:spcPct val="100000"/>
-              </a:lnSpc>
-              <a:spcBef>
-                <a:spcPts val="0"/>
-              </a:spcBef>
-              <a:spcAft>
-                <a:spcPts val="0"/>
-              </a:spcAft>
-              <a:buClrTx/>
-              <a:buSzTx/>
-              <a:buFontTx/>
-              <a:buNone/>
-              <a:tabLst/>
-              <a:defRPr/>
-            </a:pPr>
-            <a:r>
-              <a:rPr lang="ru-RU" dirty="0" smtClean="0"/>
-              <a:t>Обращу внимание, что </a:t>
-            </a:r>
-            <a:r>
-              <a:rPr lang="ru-RU" dirty="0" err="1" smtClean="0"/>
-              <a:t>стабы</a:t>
-            </a:r>
-            <a:r>
-              <a:rPr lang="ru-RU" dirty="0" smtClean="0"/>
-              <a:t> в отличие</a:t>
+              <a:t> – лёгкость их реализации</a:t>
             </a:r>
             <a:r>
               <a:rPr lang="ru-RU" baseline="0" dirty="0" smtClean="0"/>
-              <a:t> от чистых </a:t>
-            </a:r>
-            <a:r>
-              <a:rPr lang="ru-RU" baseline="0" dirty="0" err="1" smtClean="0"/>
-              <a:t>моков</a:t>
-            </a:r>
-            <a:r>
-              <a:rPr lang="ru-RU" baseline="0" dirty="0" smtClean="0"/>
-              <a:t>, могут использоваться для тестирования путём проверки состояния.</a:t>
-            </a:r>
-          </a:p>
-          <a:p>
-            <a:pPr marL="0" marR="0" indent="0" algn="l" defTabSz="914400" rtl="0" eaLnBrk="1" fontAlgn="auto" latinLnBrk="0" hangingPunct="1">
-              <a:lnSpc>
-                <a:spcPct val="100000"/>
-              </a:lnSpc>
-              <a:spcBef>
-                <a:spcPts val="0"/>
-              </a:spcBef>
-              <a:spcAft>
-                <a:spcPts val="0"/>
-              </a:spcAft>
-              <a:buClrTx/>
-              <a:buSzTx/>
-              <a:buFontTx/>
-              <a:buNone/>
-              <a:tabLst/>
-              <a:defRPr/>
-            </a:pPr>
+              <a:t>.</a:t>
+            </a:r>
             <a:endParaRPr lang="ru-RU" dirty="0" smtClean="0"/>
           </a:p>
         </p:txBody>
@@ -5037,25 +4834,21 @@
           <a:p>
             <a:r>
               <a:rPr lang="ru-RU" baseline="0" dirty="0" smtClean="0"/>
-              <a:t>Фактически </a:t>
-            </a:r>
-            <a:r>
-              <a:rPr lang="ru-RU" baseline="0" dirty="0" smtClean="0"/>
-              <a:t>есть только 2 варианта:</a:t>
+              <a:t>Фактически есть только 2 варианта:</a:t>
             </a:r>
           </a:p>
           <a:p>
             <a:r>
               <a:rPr lang="ru-RU" baseline="0" dirty="0" smtClean="0"/>
-              <a:t>1) проверять состояние объектов(системы) в ходе выполнения теста и после него (это </a:t>
+              <a:t>1) проверять состояние </a:t>
             </a:r>
             <a:r>
               <a:rPr lang="ru-RU" baseline="0" dirty="0" smtClean="0"/>
-              <a:t>простой, интуитивно понятный вариант</a:t>
+              <a:t>объектов (</a:t>
             </a:r>
             <a:r>
               <a:rPr lang="ru-RU" baseline="0" dirty="0" smtClean="0"/>
-              <a:t>);</a:t>
+              <a:t>системы) в ходе выполнения теста и после него (это простой, интуитивно понятный вариант);</a:t>
             </a:r>
           </a:p>
           <a:p>
@@ -5494,7 +5287,7 @@
             </a:r>
             <a:r>
               <a:rPr lang="ru-RU" baseline="0" dirty="0" smtClean="0"/>
-              <a:t>. Но всё же </a:t>
+              <a:t>. Но </a:t>
             </a:r>
             <a:r>
               <a:rPr lang="ru-RU" dirty="0" smtClean="0"/>
@@ -5506,8 +5299,9 @@
             </a:r>
             <a:r>
               <a:rPr lang="ru-RU" baseline="0" dirty="0" smtClean="0"/>
-              <a:t> мы выбрали для этих целей?</a:t>
-            </a:r>
+              <a:t>?</a:t>
+            </a:r>
+            <a:endParaRPr lang="ru-RU" baseline="0" dirty="0" smtClean="0"/>
           </a:p>
           <a:p>
             <a:r>
@@ -5563,11 +5357,15 @@
             </a:r>
             <a:r>
               <a:rPr lang="ru-RU" baseline="0" dirty="0" err="1" smtClean="0"/>
-              <a:t>мокито</a:t>
+              <a:t>Мокито</a:t>
             </a:r>
             <a:r>
               <a:rPr lang="ru-RU" baseline="0" dirty="0" smtClean="0"/>
-              <a:t> позволяет сделать нужные объекты динамически (как </a:t>
+              <a:t> </a:t>
+            </a:r>
+            <a:r>
+              <a:rPr lang="ru-RU" baseline="0" dirty="0" smtClean="0"/>
+              <a:t>позволяет сделать нужные объекты динамически (как </a:t>
             </a:r>
             <a:r>
               <a:rPr lang="ru-RU" baseline="0" dirty="0" err="1" smtClean="0"/>
@@ -5839,27 +5637,14 @@
             </a:r>
             <a:r>
               <a:rPr lang="ru-RU" baseline="0" dirty="0" smtClean="0"/>
-              <a:t> </a:t>
-            </a:r>
-            <a:r>
-              <a:rPr lang="ru-RU" baseline="0" dirty="0" smtClean="0"/>
-              <a:t>вариант с проверкой </a:t>
-            </a:r>
-            <a:r>
-              <a:rPr lang="ru-RU" baseline="0" dirty="0" smtClean="0"/>
-              <a:t>состояния.</a:t>
+              <a:t> вариант с проверкой состояния.</a:t>
             </a:r>
           </a:p>
           <a:p>
             <a:r>
               <a:rPr lang="ru-RU" baseline="0" dirty="0" smtClean="0"/>
-              <a:t>Допустим, что изначально у нас есть </a:t>
-            </a:r>
-            <a:r>
-              <a:rPr lang="ru-RU" baseline="0" dirty="0" smtClean="0"/>
-              <a:t>корзина с 3мя яблоками.</a:t>
-            </a:r>
-            <a:endParaRPr lang="ru-RU" baseline="0" dirty="0" smtClean="0"/>
+              <a:t>Допустим, что изначально у нас есть корзина с 3мя яблоками.</a:t>
+            </a:r>
           </a:p>
           <a:p>
             <a:r>
@@ -5870,29 +5655,13 @@
           <a:p>
             <a:r>
               <a:rPr lang="ru-RU" baseline="0" dirty="0" smtClean="0"/>
-              <a:t>Как </a:t>
-            </a:r>
-            <a:r>
-              <a:rPr lang="ru-RU" baseline="0" dirty="0" smtClean="0"/>
-              <a:t>результат, ожидаем, что </a:t>
-            </a:r>
-            <a:r>
-              <a:rPr lang="ru-RU" baseline="0" dirty="0" smtClean="0"/>
-              <a:t>в корзине останется </a:t>
-            </a:r>
-            <a:r>
-              <a:rPr lang="ru-RU" baseline="0" dirty="0" smtClean="0"/>
-              <a:t>2 яблока. В своём тесте мы проверяем в каком состоянии окажется корзина после выполненных действий.</a:t>
+              <a:t>Как результат, ожидаем, что в корзине останется 2 яблока. В своём тесте мы проверяем в каком состоянии окажется корзина после выполненных действий.</a:t>
             </a:r>
           </a:p>
           <a:p>
             <a:r>
               <a:rPr lang="ru-RU" baseline="0" dirty="0" smtClean="0"/>
-              <a:t>Ключевым моментом, на который стоит обратить внимание, является факт, что у нас есть возможность проверять состояние </a:t>
-            </a:r>
-            <a:r>
-              <a:rPr lang="ru-RU" baseline="0" dirty="0" smtClean="0"/>
-              <a:t>корзины и сама процедура проверки не представляет сложности.</a:t>
+              <a:t>Ключевым моментом, на который стоит обратить внимание, является факт, что у нас есть возможность проверять состояние корзины и сама процедура проверки не представляет сложности.</a:t>
             </a:r>
             <a:endParaRPr lang="ru-RU" dirty="0"/>
           </a:p>
@@ -5984,7 +5753,15 @@
             </a:r>
             <a:r>
               <a:rPr lang="ru-RU" baseline="0" dirty="0" smtClean="0"/>
-              <a:t> немного более расширенный пример уже с кодом на </a:t>
+              <a:t> </a:t>
+            </a:r>
+            <a:r>
+              <a:rPr lang="ru-RU" baseline="0" dirty="0" smtClean="0"/>
+              <a:t>пример </a:t>
+            </a:r>
+            <a:r>
+              <a:rPr lang="ru-RU" baseline="0" dirty="0" smtClean="0"/>
+              <a:t>уже с кодом на </a:t>
             </a:r>
             <a:r>
               <a:rPr lang="ru-RU" baseline="0" dirty="0" err="1" smtClean="0"/>
@@ -6006,11 +5783,7 @@
           <a:p>
             <a:r>
               <a:rPr lang="ru-RU" baseline="0" dirty="0" smtClean="0"/>
-              <a:t>Предположим у нас есть интерфейс банковского счёта с методами, позволяющими его </a:t>
-            </a:r>
-            <a:r>
-              <a:rPr lang="ru-RU" baseline="0" dirty="0" smtClean="0"/>
-              <a:t>пополнить </a:t>
+              <a:t>Предположим у нас есть интерфейс банковского счёта с методами, позволяющими его пополнить </a:t>
             </a:r>
             <a:r>
               <a:rPr lang="en-US" baseline="0" dirty="0" smtClean="0"/>
@@ -6018,15 +5791,7 @@
             </a:r>
             <a:r>
               <a:rPr lang="ru-RU" baseline="0" dirty="0" smtClean="0"/>
-              <a:t>, </a:t>
-            </a:r>
-            <a:r>
-              <a:rPr lang="ru-RU" baseline="0" dirty="0" smtClean="0"/>
-              <a:t>снять </a:t>
-            </a:r>
-            <a:r>
-              <a:rPr lang="ru-RU" baseline="0" dirty="0" smtClean="0"/>
-              <a:t>средства</a:t>
+              <a:t>, снять средства</a:t>
             </a:r>
             <a:r>
               <a:rPr lang="en-US" baseline="0" dirty="0" smtClean="0"/>
@@ -6034,15 +5799,7 @@
             </a:r>
             <a:r>
               <a:rPr lang="ru-RU" baseline="0" dirty="0" smtClean="0"/>
-              <a:t>, </a:t>
-            </a:r>
-            <a:r>
-              <a:rPr lang="ru-RU" baseline="0" dirty="0" smtClean="0"/>
-              <a:t>узнать текущий </a:t>
-            </a:r>
-            <a:r>
-              <a:rPr lang="ru-RU" baseline="0" dirty="0" smtClean="0"/>
-              <a:t>баланс</a:t>
+              <a:t>, узнать текущий баланс</a:t>
             </a:r>
             <a:r>
               <a:rPr lang="en-US" baseline="0" dirty="0" smtClean="0"/>
@@ -6156,11 +5913,7 @@
           <a:p>
             <a:r>
               <a:rPr lang="ru-RU" baseline="0" dirty="0" smtClean="0"/>
-              <a:t>Замечу, </a:t>
-            </a:r>
-            <a:r>
-              <a:rPr lang="ru-RU" baseline="0" dirty="0" smtClean="0"/>
-              <a:t>если средств для списания на счёте недостаточно, то бросается проверяемое исключение </a:t>
+              <a:t>Замечу, если средств для списания на счёте недостаточно, то бросается проверяемое исключение </a:t>
             </a:r>
             <a:r>
               <a:rPr kumimoji="0" lang="ru-RU" altLang="ru-RU" b="0" i="0" u="none" strike="noStrike" cap="none" normalizeH="0" baseline="0" dirty="0" err="1" smtClean="0">
@@ -6292,11 +6045,7 @@
           <a:p>
             <a:r>
               <a:rPr lang="ru-RU" baseline="0" dirty="0" smtClean="0"/>
-              <a:t>Если списание не было успешным (недостаточно средств), то товар не должен быть добавлен в список </a:t>
-            </a:r>
-            <a:r>
-              <a:rPr lang="ru-RU" baseline="0" dirty="0" smtClean="0"/>
-              <a:t>приобретённых (</a:t>
+              <a:t>Если списание не было успешным (недостаточно средств), то товар не должен быть добавлен в список приобретённых (</a:t>
             </a:r>
             <a:r>
               <a:rPr lang="en-US" baseline="0" dirty="0" err="1" smtClean="0"/>
@@ -6304,7 +6053,11 @@
             </a:r>
             <a:r>
               <a:rPr lang="ru-RU" baseline="0" dirty="0" smtClean="0"/>
-              <a:t>) идёт последним – исключение </a:t>
+              <a:t> </a:t>
+            </a:r>
+            <a:r>
+              <a:rPr lang="ru-RU" baseline="0" dirty="0" smtClean="0"/>
+              <a:t>идёт последним – исключение </a:t>
             </a:r>
             <a:r>
               <a:rPr kumimoji="0" lang="ru-RU" altLang="ru-RU" b="0" i="0" u="none" strike="noStrike" cap="none" normalizeH="0" baseline="0" dirty="0" err="1" smtClean="0">
@@ -6434,11 +6187,7 @@
           <a:p>
             <a:r>
               <a:rPr lang="ru-RU" dirty="0" smtClean="0"/>
-              <a:t>Для каждого </a:t>
-            </a:r>
-            <a:r>
-              <a:rPr lang="ru-RU" dirty="0" smtClean="0"/>
-              <a:t>вызова</a:t>
+              <a:t>Для каждого вызова</a:t>
             </a:r>
             <a:r>
               <a:rPr lang="ru-RU" baseline="0" dirty="0" smtClean="0"/>
@@ -6450,11 +6199,7 @@
             </a:r>
             <a:r>
               <a:rPr lang="ru-RU" baseline="0" dirty="0" smtClean="0"/>
-              <a:t> </a:t>
-            </a:r>
-            <a:r>
-              <a:rPr lang="ru-RU" baseline="0" dirty="0" smtClean="0"/>
-              <a:t>счёт с текущим балансом в 100 рублей в методе </a:t>
+              <a:t> счёт с текущим балансом в 100 рублей в методе </a:t>
             </a:r>
             <a:r>
               <a:rPr lang="en-US" baseline="0" dirty="0" err="1" smtClean="0"/>
@@ -6476,21 +6221,13 @@
             </a:r>
             <a:r>
               <a:rPr lang="ru-RU" baseline="0" dirty="0" smtClean="0"/>
-              <a:t>, а не к реализации интерфейса банковского счёта</a:t>
-            </a:r>
-            <a:r>
-              <a:rPr lang="ru-RU" baseline="0" dirty="0" smtClean="0"/>
-              <a:t>.</a:t>
+              <a:t>, а не к реализации интерфейса банковского счёта.</a:t>
             </a:r>
           </a:p>
           <a:p>
             <a:r>
               <a:rPr lang="ru-RU" baseline="0" dirty="0" smtClean="0"/>
-              <a:t>Первый </a:t>
-            </a:r>
-            <a:r>
-              <a:rPr lang="ru-RU" baseline="0" dirty="0" smtClean="0"/>
-              <a:t>тест – на успешность операции покупки (средств на счёте достаточно) </a:t>
+              <a:t>Первый тест – на успешность операции покупки (средств на счёте достаточно) </a:t>
             </a:r>
             <a:r>
               <a:rPr lang="en-US" baseline="0" dirty="0" smtClean="0"/>
@@ -6498,11 +6235,7 @@
             </a:r>
             <a:r>
               <a:rPr lang="ru-RU" baseline="0" dirty="0" smtClean="0"/>
-              <a:t>баланс должен уменьшиться на сумму покупки (что означает, что мы проверяем факт списания средств со счёта), купленный товар должен добавиться в список</a:t>
-            </a:r>
-            <a:r>
-              <a:rPr lang="ru-RU" baseline="0" dirty="0" smtClean="0"/>
-              <a:t>. Мы проверяем состояние банковского счёта после выполнения операции.</a:t>
+              <a:t>баланс должен уменьшиться на сумму покупки (что означает, что мы проверяем факт списания средств со счёта), купленный товар должен добавиться в список. Мы проверяем состояние банковского счёта после выполнения операции.</a:t>
             </a:r>
             <a:endParaRPr lang="ru-RU" dirty="0"/>
           </a:p>
@@ -6708,240 +6441,334 @@
             </a:r>
             <a:r>
               <a:rPr lang="ru-RU" baseline="0" dirty="0" smtClean="0"/>
-              <a:t> способу проверки корректности </a:t>
+              <a:t> способу проверки корректности работы.</a:t>
+            </a:r>
+          </a:p>
+          <a:p>
+            <a:r>
+              <a:rPr lang="ru-RU" dirty="0" smtClean="0"/>
+              <a:t>Перепишем</a:t>
             </a:r>
             <a:r>
               <a:rPr lang="ru-RU" baseline="0" dirty="0" smtClean="0"/>
-              <a:t>работы.</a:t>
+              <a:t> тест так, чтобы проверялось поведение объектов.</a:t>
+            </a:r>
+          </a:p>
+          <a:p>
+            <a:r>
+              <a:rPr lang="ru-RU" baseline="0" dirty="0" smtClean="0"/>
+              <a:t>Для этого я буду использовать </a:t>
+            </a:r>
+            <a:r>
+              <a:rPr lang="ru-RU" baseline="0" dirty="0" err="1" smtClean="0"/>
+              <a:t>фрэймворк</a:t>
+            </a:r>
+            <a:r>
+              <a:rPr lang="ru-RU" baseline="0" dirty="0" smtClean="0"/>
+              <a:t> </a:t>
+            </a:r>
+            <a:r>
+              <a:rPr lang="ru-RU" baseline="0" dirty="0" err="1" smtClean="0"/>
+              <a:t>мокито</a:t>
+            </a:r>
+            <a:r>
+              <a:rPr lang="ru-RU" baseline="0" dirty="0" smtClean="0"/>
+              <a:t>.</a:t>
             </a:r>
             <a:endParaRPr lang="ru-RU" baseline="0" dirty="0" smtClean="0"/>
           </a:p>
           <a:p>
             <a:r>
-              <a:rPr lang="ru-RU" dirty="0" smtClean="0"/>
-              <a:t>Перепишем</a:t>
-            </a:r>
-            <a:r>
               <a:rPr lang="ru-RU" baseline="0" dirty="0" smtClean="0"/>
-              <a:t> тест так, чтобы проверялось поведение объектов.</a:t>
+              <a:t>В качестве реализации интерфейса банковского счёта будем использовать некий объект-имитацию реальной реализации, называемый, </a:t>
+            </a:r>
+            <a:r>
+              <a:rPr lang="ru-RU" baseline="0" dirty="0" err="1" smtClean="0"/>
+              <a:t>моком</a:t>
+            </a:r>
+            <a:r>
+              <a:rPr lang="ru-RU" baseline="0" dirty="0" smtClean="0"/>
+              <a:t>. Создадим его статическим методом </a:t>
+            </a:r>
+            <a:r>
+              <a:rPr lang="en-US" baseline="0" dirty="0" smtClean="0"/>
+              <a:t>mock</a:t>
+            </a:r>
+            <a:r>
+              <a:rPr lang="ru-RU" baseline="0" dirty="0" smtClean="0"/>
+              <a:t>, предоставляемым </a:t>
+            </a:r>
+            <a:r>
+              <a:rPr lang="ru-RU" baseline="0" dirty="0" err="1" smtClean="0"/>
+              <a:t>фрэймворком</a:t>
+            </a:r>
+            <a:r>
+              <a:rPr lang="ru-RU" baseline="0" dirty="0" smtClean="0"/>
+              <a:t> </a:t>
+            </a:r>
+            <a:r>
+              <a:rPr lang="ru-RU" baseline="0" dirty="0" err="1" smtClean="0"/>
+              <a:t>мокито</a:t>
+            </a:r>
+            <a:r>
+              <a:rPr lang="ru-RU" baseline="0" dirty="0" smtClean="0"/>
+              <a:t>.</a:t>
             </a:r>
           </a:p>
           <a:p>
             <a:r>
               <a:rPr lang="ru-RU" baseline="0" dirty="0" smtClean="0"/>
-              <a:t>Для этого я буду использовать </a:t>
-            </a:r>
-            <a:r>
-              <a:rPr lang="ru-RU" baseline="0" dirty="0" err="1" smtClean="0"/>
-              <a:t>фрэймворк</a:t>
-            </a:r>
-            <a:r>
-              <a:rPr lang="ru-RU" baseline="0" dirty="0" smtClean="0"/>
-              <a:t> </a:t>
-            </a:r>
-            <a:r>
-              <a:rPr lang="ru-RU" baseline="0" dirty="0" err="1" smtClean="0"/>
-              <a:t>мокито</a:t>
-            </a:r>
-            <a:r>
-              <a:rPr lang="ru-RU" baseline="0" dirty="0" smtClean="0"/>
-              <a:t>, рассмотрение которого и является целью данной части курса.</a:t>
+              <a:t>Этот объект-имитация (мок) будет записывать все взаимодействия с ним – т.е. запомнит кто и какие методы с какими аргументами у него вызывал. Можно сделать так, чтобы методы этого объекта возвращали заранее предопределённые ответы, но об этом чуть позже.</a:t>
             </a:r>
           </a:p>
           <a:p>
             <a:r>
               <a:rPr lang="ru-RU" baseline="0" dirty="0" smtClean="0"/>
-              <a:t>В качестве реализации интерфейса банковского счёта будем использовать некий объект-имитацию реальной реализации, называемый, </a:t>
-            </a:r>
-            <a:r>
-              <a:rPr lang="ru-RU" baseline="0" dirty="0" err="1" smtClean="0"/>
-              <a:t>моком</a:t>
+              <a:t>Проверяем мы реализацию клиентского заказа – поэтому нам </a:t>
             </a:r>
             <a:r>
               <a:rPr lang="ru-RU" baseline="0" dirty="0" smtClean="0"/>
-              <a:t>. Создадим </a:t>
+              <a:t>нужен экземпляр </a:t>
             </a:r>
             <a:r>
               <a:rPr lang="ru-RU" baseline="0" dirty="0" smtClean="0"/>
-              <a:t>его статическим </a:t>
+              <a:t>этого класса.</a:t>
+            </a:r>
+          </a:p>
+          <a:p>
+            <a:r>
+              <a:rPr lang="ru-RU" dirty="0" smtClean="0"/>
+              <a:t>Работу</a:t>
             </a:r>
             <a:r>
               <a:rPr lang="ru-RU" baseline="0" dirty="0" smtClean="0"/>
-              <a:t>методом </a:t>
-            </a:r>
-            <a:r>
-              <a:rPr lang="en-US" baseline="0" dirty="0" smtClean="0"/>
-              <a:t>mock</a:t>
+              <a:t> реализации банковского счёта мы не проверяем – на это стоит обратить отдельное внимание. Модульные тесты должны быть изолированы! Каждый модульный тест создан для тестирования своего модуля. Для проверки конкретной реализации интерфейса банковского счёта нужно использовать свой отдельный модульный тест. В данном модульном тесте нас совершенно не интересует, как реализован банковский счёт. Нас интересует только описанный контракт </a:t>
             </a:r>
             <a:r>
               <a:rPr lang="ru-RU" baseline="0" dirty="0" smtClean="0"/>
-              <a:t>, предоставляемым </a:t>
-            </a:r>
-            <a:r>
-              <a:rPr lang="ru-RU" baseline="0" dirty="0" err="1" smtClean="0"/>
-              <a:t>фрэймворком</a:t>
-            </a:r>
-            <a:r>
-              <a:rPr lang="ru-RU" baseline="0" dirty="0" smtClean="0"/>
-              <a:t> </a:t>
-            </a:r>
-            <a:r>
-              <a:rPr lang="ru-RU" baseline="0" dirty="0" err="1" smtClean="0"/>
-              <a:t>мокито</a:t>
+              <a:t>методов</a:t>
             </a:r>
             <a:r>
               <a:rPr lang="ru-RU" baseline="0" dirty="0" smtClean="0"/>
               <a:t>.</a:t>
             </a:r>
+            <a:r>
+              <a:rPr lang="en-US" baseline="0" dirty="0" smtClean="0"/>
+              <a:t> </a:t>
+            </a:r>
+            <a:r>
+              <a:rPr lang="ru-RU" baseline="0" dirty="0" smtClean="0"/>
+              <a:t>В добавок ко всему реализация этого интерфейса может быть крайне тяжёлой – например, обращаться к БД. А это в свою очередь заставит нас решать вопрос с БД в </a:t>
+            </a:r>
+            <a:r>
+              <a:rPr lang="ru-RU" baseline="0" dirty="0" smtClean="0"/>
+              <a:t>модульном </a:t>
+            </a:r>
+            <a:r>
+              <a:rPr lang="ru-RU" baseline="0" dirty="0" smtClean="0"/>
+              <a:t>тесте, который, замечу ещё раз, ничего не должен знать о конкретной реализации другого модуля.</a:t>
+            </a:r>
           </a:p>
           <a:p>
             <a:r>
               <a:rPr lang="ru-RU" baseline="0" dirty="0" smtClean="0"/>
-              <a:t>Этот объект-имитация (мок) будет записывать все взаимодействия с ним – т.е. запомнит кто и какие методы с какими аргументами у него вызывал</a:t>
-            </a:r>
-            <a:r>
-              <a:rPr lang="ru-RU" baseline="0" dirty="0" smtClean="0"/>
-              <a:t>. Можно сделать так, чтобы методы этого объекта возвращали заранее предопределённые ответы, </a:t>
-            </a:r>
-            <a:r>
-              <a:rPr lang="ru-RU" baseline="0" dirty="0" smtClean="0"/>
-              <a:t>но об этом чуть позже.</a:t>
-            </a:r>
-          </a:p>
-          <a:p>
-            <a:r>
-              <a:rPr lang="ru-RU" baseline="0" dirty="0" smtClean="0"/>
-              <a:t>Проверяем мы реализацию клиентского заказа – поэтому нам нужна истинная реализация этого класса.</a:t>
-            </a:r>
-          </a:p>
-          <a:p>
-            <a:r>
-              <a:rPr lang="ru-RU" dirty="0" smtClean="0"/>
-              <a:t>Работу</a:t>
-            </a:r>
-            <a:r>
-              <a:rPr lang="ru-RU" baseline="0" dirty="0" smtClean="0"/>
-              <a:t> реализации банковского счёта мы не проверяем – на это стоит обратить отдельное внимание. Модульные тесты должны быть изолированы! Каждый модульный тест создан для тестирования своего модуля. Для проверки конкретной реализации интерфейса банковского счёта нужно использовать свой отдельный модульный тест. В данном модульном тесте нас совершенно не интересует, как реализован банковский счёт. Нас интересует только описанный контракт на исполнение его методов.</a:t>
-            </a:r>
-            <a:r>
-              <a:rPr lang="en-US" baseline="0" dirty="0" smtClean="0"/>
+              <a:t>На данном слайде показан тест, который проверяет, что при покупке товара через класс клиентского заказа, будет вызван метод </a:t>
+            </a:r>
+            <a:r>
+              <a:rPr kumimoji="0" lang="ru-RU" altLang="ru-RU" b="0" i="0" u="none" strike="noStrike" cap="none" normalizeH="0" baseline="0" dirty="0" err="1" smtClean="0">
+                <a:ln>
+                  <a:noFill/>
+                </a:ln>
+                <a:solidFill>
+                  <a:srgbClr val="000000"/>
+                </a:solidFill>
+                <a:effectLst/>
+                <a:latin typeface="Courier New" pitchFamily="49" charset="0"/>
+                <a:cs typeface="Courier New" pitchFamily="49" charset="0"/>
+              </a:rPr>
+              <a:t>withdraw</a:t>
+            </a:r>
+            <a:r>
+              <a:rPr kumimoji="0" lang="ru-RU" altLang="ru-RU" b="0" i="0" u="none" strike="noStrike" cap="none" normalizeH="0" baseline="0" dirty="0" smtClean="0">
+                <a:ln>
+                  <a:noFill/>
+                </a:ln>
+                <a:solidFill>
+                  <a:srgbClr val="000000"/>
+                </a:solidFill>
+                <a:effectLst/>
+                <a:latin typeface="Courier New" pitchFamily="49" charset="0"/>
+                <a:cs typeface="Courier New" pitchFamily="49" charset="0"/>
+              </a:rPr>
+              <a:t> реализации интерфейса банковского счёта с аргументом </a:t>
+            </a:r>
+            <a:r>
+              <a:rPr kumimoji="0" lang="ru-RU" altLang="ru-RU" b="0" i="0" u="none" strike="noStrike" cap="none" normalizeH="0" baseline="0" dirty="0" smtClean="0">
+                <a:ln>
+                  <a:noFill/>
+                </a:ln>
+                <a:solidFill>
+                  <a:srgbClr val="000000"/>
+                </a:solidFill>
+                <a:effectLst/>
+                <a:latin typeface="Courier New" pitchFamily="49" charset="0"/>
+                <a:cs typeface="Courier New" pitchFamily="49" charset="0"/>
+              </a:rPr>
+              <a:t>равным значению </a:t>
+            </a:r>
+            <a:r>
+              <a:rPr kumimoji="0" lang="ru-RU" altLang="ru-RU" b="0" i="0" u="none" strike="noStrike" cap="none" normalizeH="0" baseline="0" dirty="0" smtClean="0">
+                <a:ln>
+                  <a:noFill/>
+                </a:ln>
+                <a:solidFill>
+                  <a:srgbClr val="000000"/>
+                </a:solidFill>
+                <a:effectLst/>
+                <a:latin typeface="Courier New" pitchFamily="49" charset="0"/>
+                <a:cs typeface="Courier New" pitchFamily="49" charset="0"/>
+              </a:rPr>
+              <a:t>цены покупаемого товара. Если метод </a:t>
+            </a:r>
+            <a:r>
+              <a:rPr kumimoji="0" lang="ru-RU" altLang="ru-RU" b="0" i="0" u="none" strike="noStrike" cap="none" normalizeH="0" baseline="0" dirty="0" err="1" smtClean="0">
+                <a:ln>
+                  <a:noFill/>
+                </a:ln>
+                <a:solidFill>
+                  <a:srgbClr val="000000"/>
+                </a:solidFill>
+                <a:effectLst/>
+                <a:latin typeface="Courier New" pitchFamily="49" charset="0"/>
+                <a:cs typeface="Courier New" pitchFamily="49" charset="0"/>
+              </a:rPr>
+              <a:t>withdraw</a:t>
+            </a:r>
+            <a:r>
+              <a:rPr kumimoji="0" lang="ru-RU" altLang="ru-RU" b="0" i="0" u="none" strike="noStrike" cap="none" normalizeH="0" baseline="0" dirty="0" smtClean="0">
+                <a:ln>
+                  <a:noFill/>
+                </a:ln>
+                <a:solidFill>
+                  <a:srgbClr val="000000"/>
+                </a:solidFill>
+                <a:effectLst/>
+                <a:latin typeface="Courier New" pitchFamily="49" charset="0"/>
+                <a:cs typeface="Courier New" pitchFamily="49" charset="0"/>
+              </a:rPr>
+              <a:t> не вернёт исключения (а это будет именно </a:t>
+            </a:r>
+            <a:r>
+              <a:rPr kumimoji="0" lang="ru-RU" altLang="ru-RU" b="0" i="0" u="none" strike="noStrike" cap="none" normalizeH="0" baseline="0" dirty="0" smtClean="0">
+                <a:ln>
+                  <a:noFill/>
+                </a:ln>
+                <a:solidFill>
+                  <a:srgbClr val="000000"/>
+                </a:solidFill>
+                <a:effectLst/>
+                <a:latin typeface="Courier New" pitchFamily="49" charset="0"/>
+                <a:cs typeface="Courier New" pitchFamily="49" charset="0"/>
+              </a:rPr>
+              <a:t>так – мы </a:t>
+            </a:r>
+            <a:r>
+              <a:rPr kumimoji="0" lang="ru-RU" altLang="ru-RU" b="0" i="0" u="none" strike="noStrike" cap="none" normalizeH="0" baseline="0" dirty="0" err="1" smtClean="0">
+                <a:ln>
+                  <a:noFill/>
+                </a:ln>
+                <a:solidFill>
+                  <a:srgbClr val="000000"/>
+                </a:solidFill>
+                <a:effectLst/>
+                <a:latin typeface="Courier New" pitchFamily="49" charset="0"/>
+                <a:cs typeface="Courier New" pitchFamily="49" charset="0"/>
+              </a:rPr>
+              <a:t>моку</a:t>
+            </a:r>
+            <a:r>
+              <a:rPr kumimoji="0" lang="ru-RU" altLang="ru-RU" b="0" i="0" u="none" strike="noStrike" cap="none" normalizeH="0" baseline="0" dirty="0" smtClean="0">
+                <a:ln>
+                  <a:noFill/>
+                </a:ln>
+                <a:solidFill>
+                  <a:srgbClr val="000000"/>
+                </a:solidFill>
+                <a:effectLst/>
+                <a:latin typeface="Courier New" pitchFamily="49" charset="0"/>
+                <a:cs typeface="Courier New" pitchFamily="49" charset="0"/>
+              </a:rPr>
               <a:t> </a:t>
             </a:r>
             <a:r>
-              <a:rPr lang="ru-RU" baseline="0" dirty="0" smtClean="0"/>
-              <a:t>В добавок ко всему реализация этого интерфейса может быть крайне тяжёлой – например, обращаться к БД. А это в свою очередь заставит нас решать вопрос с БД в нашем модульном тесте, </a:t>
-            </a:r>
-            <a:r>
-              <a:rPr lang="ru-RU" baseline="0" dirty="0" smtClean="0"/>
-              <a:t>который, замечу ещё раз, </a:t>
-            </a:r>
-            <a:r>
-              <a:rPr lang="ru-RU" baseline="0" dirty="0" smtClean="0"/>
-              <a:t>ничего не должен знать о конкретной реализации другого модуля.</a:t>
-            </a:r>
-          </a:p>
-          <a:p>
-            <a:r>
-              <a:rPr lang="ru-RU" baseline="0" dirty="0" smtClean="0"/>
-              <a:t>На данном слайде показан тест, который проверяет, что при покупке товара через класс клиентского заказа, будет вызван метод </a:t>
-            </a:r>
-            <a:r>
-              <a:rPr kumimoji="0" lang="ru-RU" altLang="ru-RU" b="0" i="0" u="none" strike="noStrike" cap="none" normalizeH="0" baseline="0" dirty="0" err="1" smtClean="0">
-                <a:ln>
-                  <a:noFill/>
-                </a:ln>
-                <a:solidFill>
-                  <a:srgbClr val="000000"/>
-                </a:solidFill>
-                <a:effectLst/>
-                <a:latin typeface="Courier New" pitchFamily="49" charset="0"/>
-                <a:cs typeface="Courier New" pitchFamily="49" charset="0"/>
-              </a:rPr>
-              <a:t>withdraw</a:t>
-            </a:r>
-            <a:r>
-              <a:rPr kumimoji="0" lang="ru-RU" altLang="ru-RU" b="0" i="0" u="none" strike="noStrike" cap="none" normalizeH="0" baseline="0" dirty="0" smtClean="0">
-                <a:ln>
-                  <a:noFill/>
-                </a:ln>
-                <a:solidFill>
-                  <a:srgbClr val="000000"/>
-                </a:solidFill>
-                <a:effectLst/>
-                <a:latin typeface="Courier New" pitchFamily="49" charset="0"/>
-                <a:cs typeface="Courier New" pitchFamily="49" charset="0"/>
-              </a:rPr>
-              <a:t> реализации интерфейса банковского счёта с аргументом со значением цены покупаемого товара. Если метод </a:t>
-            </a:r>
-            <a:r>
-              <a:rPr kumimoji="0" lang="ru-RU" altLang="ru-RU" b="0" i="0" u="none" strike="noStrike" cap="none" normalizeH="0" baseline="0" dirty="0" err="1" smtClean="0">
-                <a:ln>
-                  <a:noFill/>
-                </a:ln>
-                <a:solidFill>
-                  <a:srgbClr val="000000"/>
-                </a:solidFill>
-                <a:effectLst/>
-                <a:latin typeface="Courier New" pitchFamily="49" charset="0"/>
-                <a:cs typeface="Courier New" pitchFamily="49" charset="0"/>
-              </a:rPr>
-              <a:t>withdraw</a:t>
-            </a:r>
-            <a:r>
-              <a:rPr kumimoji="0" lang="ru-RU" altLang="ru-RU" b="0" i="0" u="none" strike="noStrike" cap="none" normalizeH="0" baseline="0" dirty="0" smtClean="0">
-                <a:ln>
-                  <a:noFill/>
-                </a:ln>
-                <a:solidFill>
-                  <a:srgbClr val="000000"/>
-                </a:solidFill>
-                <a:effectLst/>
-                <a:latin typeface="Courier New" pitchFamily="49" charset="0"/>
-                <a:cs typeface="Courier New" pitchFamily="49" charset="0"/>
-              </a:rPr>
-              <a:t> не вернёт исключения (а это будет именно так, ведь в данном тесте мы не задавали никаких возвращаемых значений и бросаемых исключений для </a:t>
-            </a:r>
-            <a:r>
-              <a:rPr kumimoji="0" lang="ru-RU" altLang="ru-RU" b="0" i="0" u="none" strike="noStrike" cap="none" normalizeH="0" baseline="0" dirty="0" err="1" smtClean="0">
-                <a:ln>
-                  <a:noFill/>
-                </a:ln>
-                <a:solidFill>
-                  <a:srgbClr val="000000"/>
-                </a:solidFill>
-                <a:effectLst/>
-                <a:latin typeface="Courier New" pitchFamily="49" charset="0"/>
-                <a:cs typeface="Courier New" pitchFamily="49" charset="0"/>
-              </a:rPr>
-              <a:t>мока</a:t>
-            </a:r>
-            <a:r>
-              <a:rPr kumimoji="0" lang="ru-RU" altLang="ru-RU" b="0" i="0" u="none" strike="noStrike" cap="none" normalizeH="0" baseline="0" dirty="0" smtClean="0">
-                <a:ln>
-                  <a:noFill/>
-                </a:ln>
-                <a:solidFill>
-                  <a:srgbClr val="000000"/>
-                </a:solidFill>
-                <a:effectLst/>
-                <a:latin typeface="Courier New" pitchFamily="49" charset="0"/>
-                <a:cs typeface="Courier New" pitchFamily="49" charset="0"/>
-              </a:rPr>
-              <a:t>), </a:t>
-            </a:r>
-            <a:r>
-              <a:rPr kumimoji="0" lang="ru-RU" altLang="ru-RU" b="0" i="0" u="none" strike="noStrike" cap="none" normalizeH="0" baseline="0" dirty="0" smtClean="0">
-                <a:ln>
-                  <a:noFill/>
-                </a:ln>
-                <a:solidFill>
-                  <a:srgbClr val="000000"/>
-                </a:solidFill>
-                <a:effectLst/>
-                <a:latin typeface="Courier New" pitchFamily="49" charset="0"/>
-                <a:cs typeface="Courier New" pitchFamily="49" charset="0"/>
-              </a:rPr>
-              <a:t>то товар добавится в список приобретённых в заказе. Обратите внимание – мок-объект позволяет проверить взаимодействие с ним, т.е. поведение работающих с ним объектов.</a:t>
+              <a:rPr kumimoji="0" lang="ru-RU" altLang="ru-RU" b="0" i="0" u="none" strike="noStrike" cap="none" normalizeH="0" baseline="0" dirty="0" smtClean="0">
+                <a:ln>
+                  <a:noFill/>
+                </a:ln>
+                <a:solidFill>
+                  <a:srgbClr val="000000"/>
+                </a:solidFill>
+                <a:effectLst/>
+                <a:latin typeface="Courier New" pitchFamily="49" charset="0"/>
+                <a:cs typeface="Courier New" pitchFamily="49" charset="0"/>
+              </a:rPr>
+              <a:t>не задавали никаких возвращаемых значений и бросаемых </a:t>
+            </a:r>
+            <a:r>
+              <a:rPr kumimoji="0" lang="ru-RU" altLang="ru-RU" b="0" i="0" u="none" strike="noStrike" cap="none" normalizeH="0" baseline="0" dirty="0" smtClean="0">
+                <a:ln>
+                  <a:noFill/>
+                </a:ln>
+                <a:solidFill>
+                  <a:srgbClr val="000000"/>
+                </a:solidFill>
+                <a:effectLst/>
+                <a:latin typeface="Courier New" pitchFamily="49" charset="0"/>
+                <a:cs typeface="Courier New" pitchFamily="49" charset="0"/>
+              </a:rPr>
+              <a:t>исключений), </a:t>
+            </a:r>
+            <a:r>
+              <a:rPr kumimoji="0" lang="ru-RU" altLang="ru-RU" b="0" i="0" u="none" strike="noStrike" cap="none" normalizeH="0" baseline="0" dirty="0" smtClean="0">
+                <a:ln>
+                  <a:noFill/>
+                </a:ln>
+                <a:solidFill>
+                  <a:srgbClr val="000000"/>
+                </a:solidFill>
+                <a:effectLst/>
+                <a:latin typeface="Courier New" pitchFamily="49" charset="0"/>
+                <a:cs typeface="Courier New" pitchFamily="49" charset="0"/>
+              </a:rPr>
+              <a:t>то товар добавится в список приобретённых в заказе. Обратите внимание – </a:t>
+            </a:r>
+            <a:r>
+              <a:rPr kumimoji="0" lang="ru-RU" altLang="ru-RU" b="0" i="0" u="none" strike="noStrike" cap="none" normalizeH="0" baseline="0" dirty="0" smtClean="0">
+                <a:ln>
+                  <a:noFill/>
+                </a:ln>
+                <a:solidFill>
+                  <a:srgbClr val="000000"/>
+                </a:solidFill>
+                <a:effectLst/>
+                <a:latin typeface="Courier New" pitchFamily="49" charset="0"/>
+                <a:cs typeface="Courier New" pitchFamily="49" charset="0"/>
+              </a:rPr>
+              <a:t>мок </a:t>
+            </a:r>
+            <a:r>
+              <a:rPr kumimoji="0" lang="ru-RU" altLang="ru-RU" b="0" i="0" u="none" strike="noStrike" cap="none" normalizeH="0" baseline="0" dirty="0" smtClean="0">
+                <a:ln>
+                  <a:noFill/>
+                </a:ln>
+                <a:solidFill>
+                  <a:srgbClr val="000000"/>
+                </a:solidFill>
+                <a:effectLst/>
+                <a:latin typeface="Courier New" pitchFamily="49" charset="0"/>
+                <a:cs typeface="Courier New" pitchFamily="49" charset="0"/>
+              </a:rPr>
+              <a:t>позволяет проверить взаимодействие с ним, т.е. поведение работающих с ним объектов.</a:t>
             </a:r>
             <a:endParaRPr lang="ru-RU" dirty="0"/>
           </a:p>
@@ -20173,7 +20000,7 @@
         <p:spPr>
           <a:xfrm>
             <a:off x="0" y="2068551"/>
-            <a:ext cx="9144000" cy="2308324"/>
+            <a:ext cx="9144000" cy="2031325"/>
           </a:xfrm>
           <a:prstGeom prst="rect">
             <a:avLst/>
@@ -20226,8 +20053,8 @@
               <a:t> </a:t>
             </a:r>
             <a:r>
-              <a:rPr lang="en-US" dirty="0" smtClean="0"/>
-              <a:t>ru.sberbank.example.OrderTestBehaviourVerification.testSucceedIfEnoughFunds(OrderTest.java:56</a:t>
+              <a:rPr lang="en-US" dirty="0"/>
+              <a:t>ru.sbtqa.tutorials.advanced.mockito.OrderTest.testSucceedIfEnoughFunds(OrderTest.java:56</a:t>
             </a:r>
             <a:r>
               <a:rPr lang="en-US" dirty="0"/>
@@ -20268,11 +20095,11 @@
               <a:t>-&gt; at </a:t>
             </a:r>
             <a:r>
-              <a:rPr lang="en-US" dirty="0" err="1" smtClean="0"/>
-              <a:t>ru.sberbank.example.Order.buyItem</a:t>
-            </a:r>
-            <a:r>
-              <a:rPr lang="en-US" dirty="0" smtClean="0"/>
+              <a:rPr lang="en-US" dirty="0" err="1"/>
+              <a:t>ru.sbtqa.tutorials.advanced.mockito.Order.buyItem</a:t>
+            </a:r>
+            <a:r>
+              <a:rPr lang="en-US" dirty="0"/>
               <a:t>(Order.java:22</a:t>
             </a:r>
             <a:r>
@@ -20428,8 +20255,8 @@
               <a:t>-&gt; at </a:t>
             </a:r>
             <a:r>
-              <a:rPr lang="en-US" dirty="0" err="1" smtClean="0"/>
-              <a:t>ru.sberbank.example</a:t>
+              <a:rPr lang="en-US" dirty="0" err="1"/>
+              <a:t>ru.sbtqa.tutorials.advanced.mockito</a:t>
             </a:r>
             <a:r>
               <a:rPr lang="en-US" dirty="0" smtClean="0"/>
@@ -20437,7 +20264,7 @@
             </a:r>
             <a:r>
               <a:rPr lang="en-US" dirty="0" err="1" smtClean="0"/>
-              <a:t>OrderTestBehaviourVerification.testSucceedIfEnoughFunds</a:t>
+              <a:t>OrderTest.testSucceedIfEnoughFunds</a:t>
             </a:r>
             <a:r>
               <a:rPr lang="en-US" dirty="0" smtClean="0"/>
@@ -20647,21 +20474,35 @@
                 <a:latin typeface="Courier New" pitchFamily="49" charset="0"/>
                 <a:cs typeface="Courier New" pitchFamily="49" charset="0"/>
               </a:rPr>
-              <a:t>OrderTestBehaviourVerification</a:t>
-            </a:r>
-            <a:r>
-              <a:rPr kumimoji="0" lang="ru-RU" altLang="ru-RU" b="0" i="0" u="none" strike="noStrike" cap="none" normalizeH="0" baseline="0" dirty="0" smtClean="0">
-                <a:ln>
-                  <a:noFill/>
-                </a:ln>
-                <a:solidFill>
-                  <a:srgbClr val="000000"/>
-                </a:solidFill>
-                <a:effectLst/>
-                <a:latin typeface="Courier New" pitchFamily="49" charset="0"/>
-                <a:cs typeface="Courier New" pitchFamily="49" charset="0"/>
-              </a:rPr>
-              <a:t> {</a:t>
+              <a:t>OrderTest</a:t>
+            </a:r>
+            <a:r>
+              <a:rPr kumimoji="0" lang="ru-RU" altLang="ru-RU" b="0" i="0" u="none" strike="noStrike" cap="none" normalizeH="0" baseline="0" dirty="0" smtClean="0">
+                <a:ln>
+                  <a:noFill/>
+                </a:ln>
+                <a:solidFill>
+                  <a:srgbClr val="000000"/>
+                </a:solidFill>
+                <a:effectLst/>
+                <a:latin typeface="Courier New" pitchFamily="49" charset="0"/>
+                <a:cs typeface="Courier New" pitchFamily="49" charset="0"/>
+              </a:rPr>
+              <a:t> </a:t>
+            </a:r>
+            <a:r>
+              <a:rPr kumimoji="0" lang="ru-RU" altLang="ru-RU" b="0" i="0" u="none" strike="noStrike" cap="none" normalizeH="0" baseline="0" dirty="0" smtClean="0">
+                <a:ln>
+                  <a:noFill/>
+                </a:ln>
+                <a:solidFill>
+                  <a:srgbClr val="000000"/>
+                </a:solidFill>
+                <a:effectLst/>
+                <a:latin typeface="Courier New" pitchFamily="49" charset="0"/>
+                <a:cs typeface="Courier New" pitchFamily="49" charset="0"/>
+              </a:rPr>
+              <a:t>{</a:t>
             </a:r>
             <a:br>
               <a:rPr kumimoji="0" lang="ru-RU" altLang="ru-RU" b="0" i="0" u="none" strike="noStrike" cap="none" normalizeH="0" baseline="0" dirty="0" smtClean="0">
@@ -36022,21 +35863,35 @@
                 <a:latin typeface="Courier New" pitchFamily="49" charset="0"/>
                 <a:cs typeface="Courier New" pitchFamily="49" charset="0"/>
               </a:rPr>
-              <a:t>OrderTestStateVerification</a:t>
-            </a:r>
-            <a:r>
-              <a:rPr kumimoji="0" lang="ru-RU" altLang="ru-RU" b="0" i="0" u="none" strike="noStrike" cap="none" normalizeH="0" baseline="0" dirty="0" smtClean="0">
-                <a:ln>
-                  <a:noFill/>
-                </a:ln>
-                <a:solidFill>
-                  <a:srgbClr val="000000"/>
-                </a:solidFill>
-                <a:effectLst/>
-                <a:latin typeface="Courier New" pitchFamily="49" charset="0"/>
-                <a:cs typeface="Courier New" pitchFamily="49" charset="0"/>
-              </a:rPr>
-              <a:t> {</a:t>
+              <a:t>OrderTest</a:t>
+            </a:r>
+            <a:r>
+              <a:rPr kumimoji="0" lang="ru-RU" altLang="ru-RU" b="0" i="0" u="none" strike="noStrike" cap="none" normalizeH="0" baseline="0" dirty="0" smtClean="0">
+                <a:ln>
+                  <a:noFill/>
+                </a:ln>
+                <a:solidFill>
+                  <a:srgbClr val="000000"/>
+                </a:solidFill>
+                <a:effectLst/>
+                <a:latin typeface="Courier New" pitchFamily="49" charset="0"/>
+                <a:cs typeface="Courier New" pitchFamily="49" charset="0"/>
+              </a:rPr>
+              <a:t> </a:t>
+            </a:r>
+            <a:r>
+              <a:rPr kumimoji="0" lang="ru-RU" altLang="ru-RU" b="0" i="0" u="none" strike="noStrike" cap="none" normalizeH="0" baseline="0" dirty="0" smtClean="0">
+                <a:ln>
+                  <a:noFill/>
+                </a:ln>
+                <a:solidFill>
+                  <a:srgbClr val="000000"/>
+                </a:solidFill>
+                <a:effectLst/>
+                <a:latin typeface="Courier New" pitchFamily="49" charset="0"/>
+                <a:cs typeface="Courier New" pitchFamily="49" charset="0"/>
+              </a:rPr>
+              <a:t>{</a:t>
             </a:r>
             <a:br>
               <a:rPr kumimoji="0" lang="ru-RU" altLang="ru-RU" b="0" i="0" u="none" strike="noStrike" cap="none" normalizeH="0" baseline="0" dirty="0" smtClean="0">
@@ -38059,21 +37914,35 @@
                 <a:latin typeface="Courier New" pitchFamily="49" charset="0"/>
                 <a:cs typeface="Courier New" pitchFamily="49" charset="0"/>
               </a:rPr>
-              <a:t>OrderTestStateVerification</a:t>
-            </a:r>
-            <a:r>
-              <a:rPr kumimoji="0" lang="ru-RU" altLang="ru-RU" b="0" i="0" u="none" strike="noStrike" cap="none" normalizeH="0" baseline="0" dirty="0" smtClean="0">
-                <a:ln>
-                  <a:noFill/>
-                </a:ln>
-                <a:solidFill>
-                  <a:srgbClr val="000000"/>
-                </a:solidFill>
-                <a:effectLst/>
-                <a:latin typeface="Courier New" pitchFamily="49" charset="0"/>
-                <a:cs typeface="Courier New" pitchFamily="49" charset="0"/>
-              </a:rPr>
-              <a:t> {</a:t>
+              <a:t>OrderTest</a:t>
+            </a:r>
+            <a:r>
+              <a:rPr kumimoji="0" lang="ru-RU" altLang="ru-RU" b="0" i="0" u="none" strike="noStrike" cap="none" normalizeH="0" baseline="0" dirty="0" smtClean="0">
+                <a:ln>
+                  <a:noFill/>
+                </a:ln>
+                <a:solidFill>
+                  <a:srgbClr val="000000"/>
+                </a:solidFill>
+                <a:effectLst/>
+                <a:latin typeface="Courier New" pitchFamily="49" charset="0"/>
+                <a:cs typeface="Courier New" pitchFamily="49" charset="0"/>
+              </a:rPr>
+              <a:t> </a:t>
+            </a:r>
+            <a:r>
+              <a:rPr kumimoji="0" lang="ru-RU" altLang="ru-RU" b="0" i="0" u="none" strike="noStrike" cap="none" normalizeH="0" baseline="0" dirty="0" smtClean="0">
+                <a:ln>
+                  <a:noFill/>
+                </a:ln>
+                <a:solidFill>
+                  <a:srgbClr val="000000"/>
+                </a:solidFill>
+                <a:effectLst/>
+                <a:latin typeface="Courier New" pitchFamily="49" charset="0"/>
+                <a:cs typeface="Courier New" pitchFamily="49" charset="0"/>
+              </a:rPr>
+              <a:t>{</a:t>
             </a:r>
             <a:br>
               <a:rPr kumimoji="0" lang="ru-RU" altLang="ru-RU" b="0" i="0" u="none" strike="noStrike" cap="none" normalizeH="0" baseline="0" dirty="0" smtClean="0">
@@ -40054,21 +39923,35 @@
                 <a:latin typeface="Courier New" pitchFamily="49" charset="0"/>
                 <a:cs typeface="Courier New" pitchFamily="49" charset="0"/>
               </a:rPr>
-              <a:t>OrderTestBehaviourVerification</a:t>
-            </a:r>
-            <a:r>
-              <a:rPr kumimoji="0" lang="ru-RU" altLang="ru-RU" b="0" i="0" u="none" strike="noStrike" cap="none" normalizeH="0" baseline="0" dirty="0" smtClean="0">
-                <a:ln>
-                  <a:noFill/>
-                </a:ln>
-                <a:solidFill>
-                  <a:srgbClr val="000000"/>
-                </a:solidFill>
-                <a:effectLst/>
-                <a:latin typeface="Courier New" pitchFamily="49" charset="0"/>
-                <a:cs typeface="Courier New" pitchFamily="49" charset="0"/>
-              </a:rPr>
-              <a:t> {</a:t>
+              <a:t>OrderTest</a:t>
+            </a:r>
+            <a:r>
+              <a:rPr kumimoji="0" lang="ru-RU" altLang="ru-RU" b="0" i="0" u="none" strike="noStrike" cap="none" normalizeH="0" baseline="0" dirty="0" smtClean="0">
+                <a:ln>
+                  <a:noFill/>
+                </a:ln>
+                <a:solidFill>
+                  <a:srgbClr val="000000"/>
+                </a:solidFill>
+                <a:effectLst/>
+                <a:latin typeface="Courier New" pitchFamily="49" charset="0"/>
+                <a:cs typeface="Courier New" pitchFamily="49" charset="0"/>
+              </a:rPr>
+              <a:t> </a:t>
+            </a:r>
+            <a:r>
+              <a:rPr kumimoji="0" lang="ru-RU" altLang="ru-RU" b="0" i="0" u="none" strike="noStrike" cap="none" normalizeH="0" baseline="0" dirty="0" smtClean="0">
+                <a:ln>
+                  <a:noFill/>
+                </a:ln>
+                <a:solidFill>
+                  <a:srgbClr val="000000"/>
+                </a:solidFill>
+                <a:effectLst/>
+                <a:latin typeface="Courier New" pitchFamily="49" charset="0"/>
+                <a:cs typeface="Courier New" pitchFamily="49" charset="0"/>
+              </a:rPr>
+              <a:t>{</a:t>
             </a:r>
             <a:br>
               <a:rPr kumimoji="0" lang="ru-RU" altLang="ru-RU" b="0" i="0" u="none" strike="noStrike" cap="none" normalizeH="0" baseline="0" dirty="0" smtClean="0">
@@ -41751,7 +41634,7 @@
   <a:extraClrSchemeLst/>
   <a:extLst>
     <a:ext uri="{05A4C25C-085E-4340-85A3-A5531E510DB2}">
-      <thm15:themeFamily xmlns="" xmlns:thm15="http://schemas.microsoft.com/office/thememl/2012/main" name="Office Theme" id="{62F939B6-93AF-4DB8-9C6B-D6C7DFDC589F}" vid="{4A3C46E8-61CC-4603-A589-7422A47A8E4A}"/>
+      <thm15:themeFamily xmlns:thm15="http://schemas.microsoft.com/office/thememl/2012/main" xmlns="" name="Office Theme" id="{62F939B6-93AF-4DB8-9C6B-D6C7DFDC589F}" vid="{4A3C46E8-61CC-4603-A589-7422A47A8E4A}"/>
     </a:ext>
   </a:extLst>
 </a:theme>
@@ -42012,7 +41895,7 @@
   <a:extraClrSchemeLst/>
   <a:extLst>
     <a:ext uri="{05A4C25C-085E-4340-85A3-A5531E510DB2}">
-      <thm15:themeFamily xmlns="" xmlns:thm15="http://schemas.microsoft.com/office/thememl/2012/main" name="Office Theme" id="{62F939B6-93AF-4DB8-9C6B-D6C7DFDC589F}" vid="{4A3C46E8-61CC-4603-A589-7422A47A8E4A}"/>
+      <thm15:themeFamily xmlns:thm15="http://schemas.microsoft.com/office/thememl/2012/main" xmlns="" name="Office Theme" id="{62F939B6-93AF-4DB8-9C6B-D6C7DFDC589F}" vid="{4A3C46E8-61CC-4603-A589-7422A47A8E4A}"/>
     </a:ext>
   </a:extLst>
 </a:theme>

--- a/automationqa-course/11.advanced/mockito/1.What is mockito/Что такое mockito.pptx
+++ b/automationqa-course/11.advanced/mockito/1.What is mockito/Что такое mockito.pptx
@@ -131,7 +131,7 @@
   </p:defaultTextStyle>
   <p:extLst>
     <p:ext uri="{EFAFB233-063F-42B5-8137-9DF3F51BA10A}">
-      <p15:sldGuideLst xmlns:p15="http://schemas.microsoft.com/office/powerpoint/2012/main" xmlns="">
+      <p15:sldGuideLst xmlns="" xmlns:p15="http://schemas.microsoft.com/office/powerpoint/2012/main">
         <p15:guide id="1" orient="horz" pos="2160" userDrawn="1">
           <p15:clr>
             <a:srgbClr val="A4A3A4"/>
@@ -2464,11 +2464,11 @@
         </c:dLbls>
         <c:marker val="1"/>
         <c:smooth val="0"/>
-        <c:axId val="89507328"/>
-        <c:axId val="89508864"/>
+        <c:axId val="81052800"/>
+        <c:axId val="81054336"/>
       </c:lineChart>
       <c:catAx>
-        <c:axId val="89507328"/>
+        <c:axId val="81052800"/>
         <c:scaling>
           <c:orientation val="minMax"/>
         </c:scaling>
@@ -2487,7 +2487,7 @@
             <a:endParaRPr lang="ru-RU"/>
           </a:p>
         </c:txPr>
-        <c:crossAx val="89508864"/>
+        <c:crossAx val="81054336"/>
         <c:crosses val="autoZero"/>
         <c:auto val="1"/>
         <c:lblAlgn val="ctr"/>
@@ -2495,7 +2495,7 @@
         <c:noMultiLvlLbl val="0"/>
       </c:catAx>
       <c:valAx>
-        <c:axId val="89508864"/>
+        <c:axId val="81054336"/>
         <c:scaling>
           <c:orientation val="minMax"/>
           <c:max val="100"/>
@@ -2517,7 +2517,7 @@
             <a:endParaRPr lang="ru-RU"/>
           </a:p>
         </c:txPr>
-        <c:crossAx val="89507328"/>
+        <c:crossAx val="81052800"/>
         <c:crosses val="autoZero"/>
         <c:crossBetween val="between"/>
       </c:valAx>
@@ -2634,7 +2634,7 @@
           <a:p>
             <a:fld id="{CEC9B840-452B-4B18-A029-1B409955EDB4}" type="datetimeFigureOut">
               <a:rPr lang="ru-RU" smtClean="0"/>
-              <a:t>03.05.2018</a:t>
+              <a:t>05.05.2018</a:t>
             </a:fld>
             <a:endParaRPr lang="ru-RU"/>
           </a:p>
@@ -2952,11 +2952,7 @@
             </a:r>
             <a:r>
               <a:rPr lang="ru-RU" baseline="0" dirty="0" smtClean="0"/>
-              <a:t> к этой части курса, </a:t>
-            </a:r>
-            <a:r>
-              <a:rPr lang="ru-RU" baseline="0" dirty="0" smtClean="0"/>
-              <a:t>слушатели</a:t>
+              <a:t> к этой части курса, слушатели</a:t>
             </a:r>
             <a:r>
               <a:rPr lang="en-US" baseline="0" dirty="0" smtClean="0"/>
@@ -2964,7 +2960,11 @@
             </a:r>
             <a:r>
               <a:rPr lang="ru-RU" baseline="0" dirty="0" smtClean="0"/>
-              <a:t>должны быть уже хорошо </a:t>
+              <a:t>должны быть </a:t>
+            </a:r>
+            <a:r>
+              <a:rPr lang="ru-RU" baseline="0" dirty="0" smtClean="0"/>
+              <a:t>хорошо </a:t>
             </a:r>
             <a:r>
               <a:rPr lang="ru-RU" baseline="0" dirty="0" smtClean="0"/>
@@ -2976,48 +2976,61 @@
             </a:r>
             <a:r>
               <a:rPr lang="ru-RU" baseline="0" dirty="0" smtClean="0"/>
-              <a:t>, </a:t>
+              <a:t>, уметь писать модульные тесты и понимать принципы, которым такие тесты должны соответствовать</a:t>
             </a:r>
             <a:r>
               <a:rPr lang="ru-RU" baseline="0" dirty="0" smtClean="0"/>
-              <a:t>уметь </a:t>
-            </a:r>
-            <a:r>
-              <a:rPr lang="ru-RU" baseline="0" dirty="0" smtClean="0"/>
-              <a:t>писать модульные тесты и </a:t>
-            </a:r>
-            <a:r>
-              <a:rPr lang="ru-RU" baseline="0" dirty="0" smtClean="0"/>
-              <a:t>понимать </a:t>
-            </a:r>
-            <a:r>
-              <a:rPr lang="ru-RU" baseline="0" dirty="0" smtClean="0"/>
-              <a:t>принципы, которым такие тесты должны соответствовать.</a:t>
-            </a:r>
-          </a:p>
-          <a:p>
-            <a:r>
-              <a:rPr lang="en-US" baseline="0" dirty="0" err="1" smtClean="0"/>
-              <a:t>Mockito</a:t>
-            </a:r>
-            <a:r>
-              <a:rPr lang="ru-RU" baseline="0" dirty="0" smtClean="0"/>
-              <a:t>, на мой взгляд, нужно рассматривать совместно с </a:t>
-            </a:r>
-            <a:r>
-              <a:rPr lang="en-US" baseline="0" dirty="0" smtClean="0"/>
-              <a:t>JUnit</a:t>
-            </a:r>
-            <a:r>
-              <a:rPr lang="ru-RU" baseline="0" dirty="0" smtClean="0"/>
-              <a:t>, так как их тесный симбиоз позволяет выйти на следующий уровень написания модульных тестов.</a:t>
+              <a:t>.</a:t>
             </a:r>
             <a:endParaRPr lang="en-US" baseline="0" dirty="0" smtClean="0"/>
           </a:p>
           <a:p>
             <a:r>
               <a:rPr lang="ru-RU" baseline="0" dirty="0" smtClean="0"/>
-              <a:t>Для того, чтобы понять что</a:t>
+              <a:t>Использование </a:t>
+            </a:r>
+            <a:r>
+              <a:rPr lang="ru-RU" baseline="0" dirty="0" err="1" smtClean="0"/>
+              <a:t>фрэймворка</a:t>
+            </a:r>
+            <a:r>
+              <a:rPr lang="ru-RU" baseline="0" dirty="0" smtClean="0"/>
+              <a:t> </a:t>
+            </a:r>
+            <a:r>
+              <a:rPr lang="ru-RU" baseline="0" dirty="0" err="1" smtClean="0"/>
+              <a:t>Мокито</a:t>
+            </a:r>
+            <a:r>
+              <a:rPr lang="ru-RU" baseline="0" dirty="0" smtClean="0"/>
+              <a:t> совместно с </a:t>
+            </a:r>
+            <a:r>
+              <a:rPr lang="en-US" baseline="0" dirty="0" smtClean="0"/>
+              <a:t>JUnit</a:t>
+            </a:r>
+            <a:r>
+              <a:rPr lang="ru-RU" baseline="0" dirty="0" smtClean="0"/>
+              <a:t> позволяет </a:t>
+            </a:r>
+            <a:r>
+              <a:rPr lang="ru-RU" baseline="0" dirty="0" smtClean="0"/>
+              <a:t>выйти на следующий уровень </a:t>
+            </a:r>
+            <a:r>
+              <a:rPr lang="ru-RU" baseline="0" dirty="0" smtClean="0"/>
+              <a:t>мастерства модульного тестирования.</a:t>
+            </a:r>
+            <a:endParaRPr lang="en-US" baseline="0" dirty="0" smtClean="0"/>
+          </a:p>
+          <a:p>
+            <a:r>
+              <a:rPr lang="ru-RU" baseline="0" dirty="0" smtClean="0"/>
+              <a:t>Для того, чтобы понять, </a:t>
+            </a:r>
+            <a:r>
+              <a:rPr lang="ru-RU" baseline="0" dirty="0" smtClean="0"/>
+              <a:t>что</a:t>
             </a:r>
             <a:r>
               <a:rPr lang="en-US" baseline="0" dirty="0" smtClean="0"/>
@@ -3033,7 +3046,19 @@
             </a:r>
             <a:r>
               <a:rPr lang="ru-RU" baseline="0" dirty="0" smtClean="0"/>
-              <a:t>, как им пользоваться и, главное, зачем он нужен, сначала рассмотрим какие виды тестов с точки зрения проверки результатов могут быть.</a:t>
+              <a:t> и </a:t>
+            </a:r>
+            <a:r>
+              <a:rPr lang="ru-RU" baseline="0" dirty="0" smtClean="0"/>
+              <a:t>зачем он нужен, сначала рассмотрим какие виды тестов с точки зрения проверки </a:t>
+            </a:r>
+            <a:r>
+              <a:rPr lang="ru-RU" baseline="0" dirty="0" smtClean="0"/>
+              <a:t>результата </a:t>
+            </a:r>
+            <a:r>
+              <a:rPr lang="ru-RU" baseline="0" dirty="0" smtClean="0"/>
+              <a:t>могут быть.</a:t>
             </a:r>
           </a:p>
         </p:txBody>
@@ -3120,11 +3145,35 @@
           <a:p>
             <a:r>
               <a:rPr lang="ru-RU" dirty="0" smtClean="0"/>
-              <a:t>Для того, чтобы посмотреть, какую</a:t>
+              <a:t>Для того, чтобы посмотреть, </a:t>
+            </a:r>
+            <a:r>
+              <a:rPr lang="ru-RU" dirty="0" smtClean="0"/>
+              <a:t>что</a:t>
             </a:r>
             <a:r>
               <a:rPr lang="ru-RU" baseline="0" dirty="0" smtClean="0"/>
-              <a:t> ошибку нам сообщит среда выполнения теста, если будет обнаружена ошибка в проверяемой реализации, смоделируем ситуацию, когда:</a:t>
+              <a:t> сообщит нам </a:t>
+            </a:r>
+            <a:r>
+              <a:rPr lang="ru-RU" baseline="0" dirty="0" smtClean="0"/>
+              <a:t>среда </a:t>
+            </a:r>
+            <a:r>
+              <a:rPr lang="ru-RU" baseline="0" dirty="0" smtClean="0"/>
+              <a:t>выполнения, </a:t>
+            </a:r>
+            <a:r>
+              <a:rPr lang="ru-RU" baseline="0" dirty="0" smtClean="0"/>
+              <a:t>если будет обнаружена ошибка в </a:t>
+            </a:r>
+            <a:r>
+              <a:rPr lang="ru-RU" baseline="0" dirty="0" smtClean="0"/>
+              <a:t>проверяемом модуле, </a:t>
+            </a:r>
+            <a:r>
+              <a:rPr lang="ru-RU" baseline="0" dirty="0" smtClean="0"/>
+              <a:t>смоделируем ситуацию, когда:</a:t>
             </a:r>
           </a:p>
           <a:p>
@@ -3490,7 +3539,35 @@
                 <a:latin typeface="Courier New" pitchFamily="49" charset="0"/>
                 <a:cs typeface="Courier New" pitchFamily="49" charset="0"/>
               </a:rPr>
-              <a:t> с ценой машины – в данном тесте эта проверка существует для того, чтобы проверить </a:t>
+              <a:t> </a:t>
+            </a:r>
+            <a:r>
+              <a:rPr kumimoji="0" lang="ru-RU" altLang="ru-RU" b="0" i="0" u="none" strike="noStrike" cap="none" normalizeH="0" baseline="0" dirty="0" smtClean="0">
+                <a:ln>
+                  <a:noFill/>
+                </a:ln>
+                <a:solidFill>
+                  <a:srgbClr val="000000"/>
+                </a:solidFill>
+                <a:effectLst/>
+                <a:latin typeface="Courier New" pitchFamily="49" charset="0"/>
+                <a:cs typeface="Courier New" pitchFamily="49" charset="0"/>
+              </a:rPr>
+              <a:t>для машины </a:t>
+            </a:r>
+            <a:r>
+              <a:rPr kumimoji="0" lang="ru-RU" altLang="ru-RU" b="0" i="0" u="none" strike="noStrike" cap="none" normalizeH="0" baseline="0" dirty="0" smtClean="0">
+                <a:ln>
+                  <a:noFill/>
+                </a:ln>
+                <a:solidFill>
+                  <a:srgbClr val="000000"/>
+                </a:solidFill>
+                <a:effectLst/>
+                <a:latin typeface="Courier New" pitchFamily="49" charset="0"/>
+                <a:cs typeface="Courier New" pitchFamily="49" charset="0"/>
+              </a:rPr>
+              <a:t>– в данном тесте эта проверка существует для того, чтобы проверить </a:t>
             </a:r>
             <a:r>
               <a:rPr kumimoji="0" lang="ru-RU" altLang="ru-RU" b="0" i="0" u="none" strike="noStrike" cap="none" normalizeH="0" baseline="0" dirty="0" err="1" smtClean="0">
@@ -3590,7 +3667,35 @@
                 <a:latin typeface="Courier New" pitchFamily="49" charset="0"/>
                 <a:cs typeface="Courier New" pitchFamily="49" charset="0"/>
               </a:rPr>
-              <a:t> именно с ценой машины</a:t>
+              <a:t> </a:t>
+            </a:r>
+            <a:r>
+              <a:rPr kumimoji="0" lang="ru-RU" altLang="ru-RU" b="0" i="0" u="none" strike="noStrike" cap="none" normalizeH="0" baseline="0" dirty="0" smtClean="0">
+                <a:ln>
+                  <a:noFill/>
+                </a:ln>
+                <a:solidFill>
+                  <a:srgbClr val="000000"/>
+                </a:solidFill>
+                <a:effectLst/>
+                <a:latin typeface="Courier New" pitchFamily="49" charset="0"/>
+                <a:cs typeface="Courier New" pitchFamily="49" charset="0"/>
+              </a:rPr>
+              <a:t>с </a:t>
+            </a:r>
+            <a:r>
+              <a:rPr kumimoji="0" lang="ru-RU" altLang="ru-RU" b="0" i="0" u="none" strike="noStrike" cap="none" normalizeH="0" baseline="0" dirty="0" smtClean="0">
+                <a:ln>
+                  <a:noFill/>
+                </a:ln>
+                <a:solidFill>
+                  <a:srgbClr val="000000"/>
+                </a:solidFill>
+                <a:effectLst/>
+                <a:latin typeface="Courier New" pitchFamily="49" charset="0"/>
+                <a:cs typeface="Courier New" pitchFamily="49" charset="0"/>
+              </a:rPr>
+              <a:t>ценой машины</a:t>
             </a:r>
           </a:p>
           <a:p>
@@ -3609,13 +3714,78 @@
                 <a:latin typeface="Courier New" pitchFamily="49" charset="0"/>
                 <a:cs typeface="Courier New" pitchFamily="49" charset="0"/>
               </a:rPr>
-              <a:t>проверка, что если списание средств закончилось неудачей, то товар не добавится в список приобретённых.</a:t>
-            </a:r>
-          </a:p>
-          <a:p>
-            <a:pPr marL="228600" indent="-228600">
-              <a:buAutoNum type="arabicParenR"/>
-            </a:pPr>
+              <a:t>проверка, что если </a:t>
+            </a:r>
+            <a:r>
+              <a:rPr kumimoji="0" lang="ru-RU" b="0" i="0" u="none" strike="noStrike" cap="none" normalizeH="0" baseline="0" dirty="0" smtClean="0">
+                <a:ln>
+                  <a:noFill/>
+                </a:ln>
+                <a:solidFill>
+                  <a:srgbClr val="000000"/>
+                </a:solidFill>
+                <a:effectLst/>
+                <a:latin typeface="Courier New" pitchFamily="49" charset="0"/>
+                <a:cs typeface="Courier New" pitchFamily="49" charset="0"/>
+              </a:rPr>
+              <a:t>вызов метода </a:t>
+            </a:r>
+            <a:r>
+              <a:rPr kumimoji="0" lang="ru-RU" altLang="ru-RU" b="0" i="0" u="none" strike="noStrike" cap="none" normalizeH="0" baseline="0" dirty="0" err="1" smtClean="0">
+                <a:ln>
+                  <a:noFill/>
+                </a:ln>
+                <a:solidFill>
+                  <a:srgbClr val="000000"/>
+                </a:solidFill>
+                <a:effectLst/>
+                <a:latin typeface="Courier New" pitchFamily="49" charset="0"/>
+                <a:cs typeface="Courier New" pitchFamily="49" charset="0"/>
+              </a:rPr>
+              <a:t>withdraw</a:t>
+            </a:r>
+            <a:r>
+              <a:rPr kumimoji="0" lang="ru-RU" b="0" i="0" u="none" strike="noStrike" cap="none" normalizeH="0" baseline="0" dirty="0" smtClean="0">
+                <a:ln>
+                  <a:noFill/>
+                </a:ln>
+                <a:solidFill>
+                  <a:srgbClr val="000000"/>
+                </a:solidFill>
+                <a:effectLst/>
+                <a:latin typeface="Courier New" pitchFamily="49" charset="0"/>
+                <a:cs typeface="Courier New" pitchFamily="49" charset="0"/>
+              </a:rPr>
+              <a:t> закончился </a:t>
+            </a:r>
+            <a:r>
+              <a:rPr kumimoji="0" lang="ru-RU" b="0" i="0" u="none" strike="noStrike" cap="none" normalizeH="0" baseline="0" dirty="0" smtClean="0">
+                <a:ln>
+                  <a:noFill/>
+                </a:ln>
+                <a:solidFill>
+                  <a:srgbClr val="000000"/>
+                </a:solidFill>
+                <a:effectLst/>
+                <a:latin typeface="Courier New" pitchFamily="49" charset="0"/>
+                <a:cs typeface="Courier New" pitchFamily="49" charset="0"/>
+              </a:rPr>
+              <a:t>неудачей, то товар не добавится в список приобретённых</a:t>
+            </a:r>
+            <a:r>
+              <a:rPr kumimoji="0" lang="ru-RU" b="0" i="0" u="none" strike="noStrike" cap="none" normalizeH="0" baseline="0" dirty="0" smtClean="0">
+                <a:ln>
+                  <a:noFill/>
+                </a:ln>
+                <a:solidFill>
+                  <a:srgbClr val="000000"/>
+                </a:solidFill>
+                <a:effectLst/>
+                <a:latin typeface="Courier New" pitchFamily="49" charset="0"/>
+                <a:cs typeface="Courier New" pitchFamily="49" charset="0"/>
+              </a:rPr>
+              <a:t>.</a:t>
+            </a:r>
             <a:endParaRPr kumimoji="0" lang="ru-RU" b="0" i="0" u="none" strike="noStrike" cap="none" normalizeH="0" baseline="0" dirty="0" smtClean="0">
               <a:ln>
                 <a:noFill/>
@@ -3627,138 +3797,6 @@
               <a:latin typeface="Courier New" pitchFamily="49" charset="0"/>
               <a:cs typeface="Courier New" pitchFamily="49" charset="0"/>
             </a:endParaRPr>
-          </a:p>
-          <a:p>
-            <a:pPr marL="0" indent="0">
-              <a:buNone/>
-            </a:pPr>
-            <a:r>
-              <a:rPr kumimoji="0" lang="ru-RU" b="0" i="0" u="none" strike="noStrike" cap="none" normalizeH="0" baseline="0" dirty="0" smtClean="0">
-                <a:ln>
-                  <a:noFill/>
-                </a:ln>
-                <a:solidFill>
-                  <a:srgbClr val="000000"/>
-                </a:solidFill>
-                <a:effectLst/>
-                <a:latin typeface="Courier New" pitchFamily="49" charset="0"/>
-                <a:cs typeface="Courier New" pitchFamily="49" charset="0"/>
-              </a:rPr>
-              <a:t>Ещё раз обращу внимание, что модульный тест написан именно для класса </a:t>
-            </a:r>
-            <a:r>
-              <a:rPr kumimoji="0" lang="en-US" b="0" i="0" u="none" strike="noStrike" cap="none" normalizeH="0" baseline="0" dirty="0" smtClean="0">
-                <a:ln>
-                  <a:noFill/>
-                </a:ln>
-                <a:solidFill>
-                  <a:srgbClr val="000000"/>
-                </a:solidFill>
-                <a:effectLst/>
-                <a:latin typeface="Courier New" pitchFamily="49" charset="0"/>
-                <a:cs typeface="Courier New" pitchFamily="49" charset="0"/>
-              </a:rPr>
-              <a:t>Order</a:t>
-            </a:r>
-            <a:r>
-              <a:rPr kumimoji="0" lang="ru-RU" b="0" i="0" u="none" strike="noStrike" cap="none" normalizeH="0" baseline="0" dirty="0" smtClean="0">
-                <a:ln>
-                  <a:noFill/>
-                </a:ln>
-                <a:solidFill>
-                  <a:srgbClr val="000000"/>
-                </a:solidFill>
-                <a:effectLst/>
-                <a:latin typeface="Courier New" pitchFamily="49" charset="0"/>
-                <a:cs typeface="Courier New" pitchFamily="49" charset="0"/>
-              </a:rPr>
-              <a:t>. Работу реализации </a:t>
-            </a:r>
-            <a:r>
-              <a:rPr kumimoji="0" lang="ru-RU" altLang="ru-RU" b="0" i="0" u="none" strike="noStrike" cap="none" normalizeH="0" baseline="0" dirty="0" err="1" smtClean="0">
-                <a:ln>
-                  <a:noFill/>
-                </a:ln>
-                <a:solidFill>
-                  <a:srgbClr val="000000"/>
-                </a:solidFill>
-                <a:effectLst/>
-                <a:latin typeface="Courier New" pitchFamily="49" charset="0"/>
-                <a:cs typeface="Courier New" pitchFamily="49" charset="0"/>
-              </a:rPr>
-              <a:t>BankAccount</a:t>
-            </a:r>
-            <a:r>
-              <a:rPr kumimoji="0" lang="ru-RU" altLang="ru-RU" b="0" i="0" u="none" strike="noStrike" cap="none" normalizeH="0" baseline="0" dirty="0" smtClean="0">
-                <a:ln>
-                  <a:noFill/>
-                </a:ln>
-                <a:solidFill>
-                  <a:srgbClr val="000000"/>
-                </a:solidFill>
-                <a:effectLst/>
-                <a:latin typeface="Courier New" pitchFamily="49" charset="0"/>
-                <a:cs typeface="Courier New" pitchFamily="49" charset="0"/>
-              </a:rPr>
-              <a:t> мы не </a:t>
-            </a:r>
-            <a:r>
-              <a:rPr kumimoji="0" lang="ru-RU" altLang="ru-RU" b="0" i="0" u="none" strike="noStrike" cap="none" normalizeH="0" baseline="0" dirty="0" smtClean="0">
-                <a:ln>
-                  <a:noFill/>
-                </a:ln>
-                <a:solidFill>
-                  <a:srgbClr val="000000"/>
-                </a:solidFill>
-                <a:effectLst/>
-                <a:latin typeface="Courier New" pitchFamily="49" charset="0"/>
-                <a:cs typeface="Courier New" pitchFamily="49" charset="0"/>
-              </a:rPr>
-              <a:t>проверяем. </a:t>
-            </a:r>
-            <a:r>
-              <a:rPr kumimoji="0" lang="ru-RU" altLang="ru-RU" b="0" i="0" u="none" strike="noStrike" cap="none" normalizeH="0" baseline="0" dirty="0" smtClean="0">
-                <a:ln>
-                  <a:noFill/>
-                </a:ln>
-                <a:solidFill>
-                  <a:srgbClr val="000000"/>
-                </a:solidFill>
-                <a:effectLst/>
-                <a:latin typeface="Courier New" pitchFamily="49" charset="0"/>
-                <a:cs typeface="Courier New" pitchFamily="49" charset="0"/>
-              </a:rPr>
-              <a:t>Ошибка в конкретной реализации </a:t>
-            </a:r>
-            <a:r>
-              <a:rPr kumimoji="0" lang="ru-RU" altLang="ru-RU" b="0" i="0" u="none" strike="noStrike" cap="none" normalizeH="0" baseline="0" dirty="0" err="1" smtClean="0">
-                <a:ln>
-                  <a:noFill/>
-                </a:ln>
-                <a:solidFill>
-                  <a:srgbClr val="000000"/>
-                </a:solidFill>
-                <a:effectLst/>
-                <a:latin typeface="Courier New" pitchFamily="49" charset="0"/>
-                <a:cs typeface="Courier New" pitchFamily="49" charset="0"/>
-              </a:rPr>
-              <a:t>BankAccount</a:t>
-            </a:r>
-            <a:r>
-              <a:rPr kumimoji="0" lang="ru-RU" altLang="ru-RU" b="0" i="0" u="none" strike="noStrike" cap="none" normalizeH="0" baseline="0" dirty="0" smtClean="0">
-                <a:ln>
-                  <a:noFill/>
-                </a:ln>
-                <a:solidFill>
-                  <a:srgbClr val="000000"/>
-                </a:solidFill>
-                <a:effectLst/>
-                <a:latin typeface="Courier New" pitchFamily="49" charset="0"/>
-                <a:cs typeface="Courier New" pitchFamily="49" charset="0"/>
-              </a:rPr>
-              <a:t> пометит как ошибочные только тесты на эту ошибочную реализацию, а не тесты клиентского заказа, что существенно упрощает процесс поиска исходной причины при разборе результатов выполнения тестов.</a:t>
-            </a:r>
-            <a:endParaRPr lang="ru-RU" dirty="0"/>
           </a:p>
         </p:txBody>
       </p:sp>
@@ -3870,55 +3908,74 @@
             </a:r>
             <a:r>
               <a:rPr lang="ru-RU" baseline="0" dirty="0" smtClean="0"/>
-              <a:t> – объекта с заранее запрограммированным ожиданиями вызовов, который используется для проверки поведения объектов и их взаимодействия друг с другом.</a:t>
+              <a:t> – объекта с заранее </a:t>
+            </a:r>
+            <a:r>
+              <a:rPr lang="ru-RU" baseline="0" dirty="0" smtClean="0"/>
+              <a:t>запрограммированными </a:t>
+            </a:r>
+            <a:r>
+              <a:rPr lang="ru-RU" baseline="0" dirty="0" smtClean="0"/>
+              <a:t>ожиданиями вызовов, который используется для проверки поведения объектов и их взаимодействия друг с </a:t>
+            </a:r>
+            <a:r>
+              <a:rPr lang="ru-RU" baseline="0" dirty="0" smtClean="0"/>
+              <a:t>другом. Есть и другие понятия, которые нам важно рассмотреть – это заглушка (на английском </a:t>
+            </a:r>
+            <a:r>
+              <a:rPr lang="ru-RU" baseline="0" dirty="0" err="1" smtClean="0"/>
+              <a:t>стаб</a:t>
+            </a:r>
+            <a:r>
+              <a:rPr lang="ru-RU" baseline="0" dirty="0" smtClean="0"/>
+              <a:t>), фиктивная реализация (на английском </a:t>
+            </a:r>
+            <a:r>
+              <a:rPr lang="ru-RU" baseline="0" dirty="0" err="1" smtClean="0"/>
+              <a:t>дамми</a:t>
+            </a:r>
+            <a:r>
+              <a:rPr lang="ru-RU" baseline="0" dirty="0" smtClean="0"/>
+              <a:t>), </a:t>
+            </a:r>
+            <a:r>
+              <a:rPr lang="ru-RU" baseline="0" dirty="0" smtClean="0"/>
+              <a:t>шпион </a:t>
+            </a:r>
+            <a:r>
+              <a:rPr lang="ru-RU" baseline="0" dirty="0" smtClean="0"/>
+              <a:t>(на английском </a:t>
+            </a:r>
+            <a:r>
+              <a:rPr lang="en-US" baseline="0" dirty="0" smtClean="0"/>
+              <a:t>spy</a:t>
+            </a:r>
+            <a:r>
+              <a:rPr lang="ru-RU" baseline="0" dirty="0" smtClean="0"/>
+              <a:t>).</a:t>
             </a:r>
           </a:p>
           <a:p>
             <a:r>
               <a:rPr lang="ru-RU" baseline="0" dirty="0" smtClean="0"/>
-              <a:t>Но есть же ещё другие понятия – заглушки (на английском это </a:t>
+              <a:t>Часто под понятием </a:t>
             </a:r>
             <a:r>
               <a:rPr lang="ru-RU" baseline="0" dirty="0" err="1" smtClean="0"/>
-              <a:t>стабы</a:t>
+              <a:t>мока</a:t>
             </a:r>
             <a:r>
               <a:rPr lang="ru-RU" baseline="0" dirty="0" smtClean="0"/>
-              <a:t>), макеты (фиктивные реализации, они же </a:t>
+              <a:t> обобщают все вышесказанные, но чистому </a:t>
             </a:r>
             <a:r>
               <a:rPr lang="ru-RU" baseline="0" dirty="0" err="1" smtClean="0"/>
-              <a:t>дамми</a:t>
+              <a:t>моку</a:t>
             </a:r>
             <a:r>
               <a:rPr lang="ru-RU" baseline="0" dirty="0" smtClean="0"/>
-              <a:t>), шпионы (на английском </a:t>
-            </a:r>
-            <a:r>
-              <a:rPr lang="en-US" baseline="0" dirty="0" smtClean="0"/>
-              <a:t>spy</a:t>
-            </a:r>
-            <a:r>
-              <a:rPr lang="ru-RU" baseline="0" dirty="0" smtClean="0"/>
-              <a:t>).</a:t>
-            </a:r>
-            <a:r>
-              <a:rPr lang="en-US" baseline="0" dirty="0" smtClean="0"/>
-              <a:t> </a:t>
-            </a:r>
-            <a:r>
-              <a:rPr lang="ru-RU" baseline="0" dirty="0" smtClean="0"/>
-              <a:t>Все эти понятия нам очень понадобятся, поэтому определим и их.</a:t>
-            </a:r>
-            <a:endParaRPr lang="en-US" sz="1200" b="0" i="0" kern="1200" dirty="0">
-              <a:solidFill>
-                <a:schemeClr val="tx1"/>
-              </a:solidFill>
-              <a:effectLst/>
-              <a:latin typeface="+mn-lt"/>
-              <a:ea typeface="+mn-ea"/>
-              <a:cs typeface="+mn-cs"/>
-            </a:endParaRPr>
+              <a:t> важно лишь какие методы и с какими аргументами вызывались, когда и сколько раз.</a:t>
+            </a:r>
           </a:p>
         </p:txBody>
       </p:sp>
@@ -4029,29 +4086,19 @@
             </a:r>
             <a:r>
               <a:rPr lang="ru-RU" sz="1200" dirty="0" smtClean="0"/>
-              <a:t>объект, который передаётся, но в действительности никогда не используется.</a:t>
-            </a:r>
-          </a:p>
-          <a:p>
+              <a:t>объект, который передаётся, но в действительности никогда не используется</a:t>
+            </a:r>
+            <a:r>
+              <a:rPr lang="ru-RU" sz="1200" dirty="0" smtClean="0"/>
+              <a:t>. </a:t>
+            </a:r>
             <a:r>
               <a:rPr lang="ru-RU" baseline="0" dirty="0" smtClean="0"/>
-              <a:t>Обычно по сути используются просто, чтобы код скомпилировался. Это фиктивные </a:t>
+              <a:t>Обычно такие объекты делаются просто, чтобы код скомпилировался – например, </a:t>
             </a:r>
             <a:r>
               <a:rPr lang="ru-RU" baseline="0" dirty="0" smtClean="0"/>
-              <a:t>реализации. Предполагается</a:t>
-            </a:r>
-            <a:r>
-              <a:rPr lang="ru-RU" baseline="0" dirty="0" smtClean="0"/>
-              <a:t>, что в ходе выполнения теста, эти объекты использоваться не будут. Часто </a:t>
-            </a:r>
-            <a:r>
-              <a:rPr lang="ru-RU" baseline="0" dirty="0" err="1" smtClean="0"/>
-              <a:t>дамми</a:t>
-            </a:r>
-            <a:r>
-              <a:rPr lang="ru-RU" baseline="0" dirty="0" smtClean="0"/>
-              <a:t> используются для заполнения списка аргументов метода.</a:t>
+              <a:t>для заполнения списка аргументов метода.</a:t>
             </a:r>
             <a:endParaRPr lang="ru-RU" dirty="0" smtClean="0"/>
           </a:p>
@@ -4152,59 +4199,67 @@
             </a:r>
             <a:r>
               <a:rPr lang="ru-RU" baseline="0" dirty="0" smtClean="0"/>
-              <a:t> классу заказа сервис, позволяющий отправлять нотификации – </a:t>
-            </a:r>
-            <a:r>
-              <a:rPr kumimoji="0" lang="ru-RU" altLang="ru-RU" b="0" i="0" u="none" strike="noStrike" cap="none" normalizeH="0" baseline="0" dirty="0" err="1" smtClean="0">
-                <a:ln>
-                  <a:noFill/>
-                </a:ln>
-                <a:solidFill>
-                  <a:srgbClr val="000000"/>
-                </a:solidFill>
-                <a:effectLst/>
-                <a:latin typeface="Courier New" pitchFamily="49" charset="0"/>
-                <a:cs typeface="Courier New" pitchFamily="49" charset="0"/>
-              </a:rPr>
-              <a:t>NotificationService</a:t>
-            </a:r>
-            <a:r>
-              <a:rPr kumimoji="0" lang="ru-RU" altLang="ru-RU" b="0" i="0" u="none" strike="noStrike" cap="none" normalizeH="0" baseline="0" dirty="0" smtClean="0">
-                <a:ln>
-                  <a:noFill/>
-                </a:ln>
-                <a:solidFill>
-                  <a:srgbClr val="000000"/>
-                </a:solidFill>
-                <a:effectLst/>
-                <a:latin typeface="Courier New" pitchFamily="49" charset="0"/>
-                <a:cs typeface="Courier New" pitchFamily="49" charset="0"/>
-              </a:rPr>
+              <a:t> классу заказа сервис, позволяющий отправлять </a:t>
+            </a:r>
+            <a:r>
+              <a:rPr lang="ru-RU" baseline="0" dirty="0" smtClean="0"/>
+              <a:t>нотификации</a:t>
+            </a:r>
+            <a:r>
+              <a:rPr kumimoji="0" lang="ru-RU" altLang="ru-RU" b="0" i="0" u="none" strike="noStrike" cap="none" normalizeH="0" baseline="0" dirty="0" smtClean="0">
+                <a:ln>
+                  <a:noFill/>
+                </a:ln>
+                <a:solidFill>
+                  <a:srgbClr val="000000"/>
+                </a:solidFill>
+                <a:effectLst/>
+                <a:latin typeface="Courier New" pitchFamily="49" charset="0"/>
+                <a:cs typeface="Courier New" pitchFamily="49" charset="0"/>
+              </a:rPr>
+              <a:t>. </a:t>
+            </a:r>
+            <a:r>
+              <a:rPr lang="ru-RU" dirty="0" smtClean="0"/>
+              <a:t>Его экземпляр</a:t>
+            </a:r>
+            <a:r>
+              <a:rPr lang="ru-RU" baseline="0" dirty="0" smtClean="0"/>
+              <a:t> должен </a:t>
+            </a:r>
+            <a:r>
+              <a:rPr lang="ru-RU" baseline="0" dirty="0" smtClean="0"/>
+              <a:t>быть </a:t>
+            </a:r>
+            <a:r>
+              <a:rPr lang="ru-RU" baseline="0" dirty="0" smtClean="0"/>
+              <a:t>передан </a:t>
+            </a:r>
+            <a:r>
+              <a:rPr lang="ru-RU" baseline="0" dirty="0" smtClean="0"/>
+              <a:t>в конструктор класса </a:t>
+            </a:r>
+            <a:r>
+              <a:rPr lang="en-US" baseline="0" dirty="0" smtClean="0"/>
+              <a:t>Order</a:t>
+            </a:r>
+            <a:r>
+              <a:rPr lang="ru-RU" baseline="0" dirty="0" smtClean="0"/>
               <a:t>.</a:t>
             </a:r>
           </a:p>
           <a:p>
             <a:r>
-              <a:rPr lang="ru-RU" dirty="0" smtClean="0"/>
-              <a:t>Реализация</a:t>
-            </a:r>
-            <a:r>
               <a:rPr lang="ru-RU" baseline="0" dirty="0" smtClean="0"/>
-              <a:t> этого сервиса должна быть передана в конструктор класса </a:t>
-            </a:r>
-            <a:r>
-              <a:rPr lang="en-US" baseline="0" dirty="0" smtClean="0"/>
-              <a:t>Order</a:t>
+              <a:t>Если в тесте нас не интересует работа с нотификациями, то мы можем </a:t>
             </a:r>
             <a:r>
               <a:rPr lang="ru-RU" baseline="0" dirty="0" smtClean="0"/>
-              <a:t>.</a:t>
-            </a:r>
-          </a:p>
-          <a:p>
+              <a:t>сделать и передать </a:t>
+            </a:r>
             <a:r>
               <a:rPr lang="ru-RU" baseline="0" dirty="0" smtClean="0"/>
-              <a:t>Если в тесте нас не интересует работа с нотификациями, то мы можем сделать фиктивную реализацию такого сервиса.</a:t>
+              <a:t>фиктивную реализацию такого сервиса.</a:t>
             </a:r>
             <a:endParaRPr lang="ru-RU" dirty="0"/>
           </a:p>
@@ -4292,53 +4347,55 @@
           <a:p>
             <a:r>
               <a:rPr lang="ru-RU" dirty="0" smtClean="0"/>
-              <a:t>В нашем случае, фиктивная реализация будет возвращать</a:t>
+              <a:t>Сделаем</a:t>
             </a:r>
             <a:r>
               <a:rPr lang="ru-RU" baseline="0" dirty="0" smtClean="0"/>
-              <a:t> непроверяемое исключение – ведь методы </a:t>
-            </a:r>
-            <a:r>
-              <a:rPr kumimoji="0" lang="ru-RU" altLang="ru-RU" b="0" i="0" u="none" strike="noStrike" cap="none" normalizeH="0" baseline="0" dirty="0" err="1" smtClean="0">
-                <a:ln>
-                  <a:noFill/>
-                </a:ln>
-                <a:solidFill>
-                  <a:srgbClr val="000000"/>
-                </a:solidFill>
-                <a:effectLst/>
-                <a:latin typeface="Courier New" pitchFamily="49" charset="0"/>
-                <a:cs typeface="Courier New" pitchFamily="49" charset="0"/>
-              </a:rPr>
-              <a:t>NotificationService</a:t>
-            </a:r>
-            <a:r>
-              <a:rPr kumimoji="0" lang="en-US" altLang="ru-RU" b="0" i="0" u="none" strike="noStrike" cap="none" normalizeH="0" baseline="0" dirty="0" smtClean="0">
-                <a:ln>
-                  <a:noFill/>
-                </a:ln>
-                <a:solidFill>
-                  <a:srgbClr val="000000"/>
-                </a:solidFill>
-                <a:effectLst/>
-                <a:latin typeface="Courier New" pitchFamily="49" charset="0"/>
-                <a:cs typeface="Courier New" pitchFamily="49" charset="0"/>
-              </a:rPr>
-              <a:t>’</a:t>
-            </a:r>
-            <a:r>
-              <a:rPr kumimoji="0" lang="ru-RU" altLang="ru-RU" b="0" i="0" u="none" strike="noStrike" cap="none" normalizeH="0" baseline="0" dirty="0" smtClean="0">
-                <a:ln>
-                  <a:noFill/>
-                </a:ln>
-                <a:solidFill>
-                  <a:srgbClr val="000000"/>
-                </a:solidFill>
-                <a:effectLst/>
-                <a:latin typeface="Courier New" pitchFamily="49" charset="0"/>
-                <a:cs typeface="Courier New" pitchFamily="49" charset="0"/>
-              </a:rPr>
-              <a:t>а не должны вызываться.</a:t>
+              <a:t> так, чтобы методы </a:t>
+            </a:r>
+            <a:r>
+              <a:rPr lang="ru-RU" dirty="0" smtClean="0"/>
+              <a:t>фиктивной реализации возвращали</a:t>
+            </a:r>
+            <a:r>
+              <a:rPr lang="ru-RU" baseline="0" dirty="0" smtClean="0"/>
+              <a:t> </a:t>
+            </a:r>
+            <a:r>
+              <a:rPr lang="ru-RU" baseline="0" dirty="0" smtClean="0"/>
+              <a:t>непроверяемое </a:t>
+            </a:r>
+            <a:r>
+              <a:rPr lang="ru-RU" baseline="0" dirty="0" smtClean="0"/>
+              <a:t>исключение – эти методы </a:t>
+            </a:r>
+            <a:r>
+              <a:rPr kumimoji="0" lang="ru-RU" altLang="ru-RU" b="0" i="0" u="none" strike="noStrike" cap="none" normalizeH="0" baseline="0" dirty="0" smtClean="0">
+                <a:ln>
+                  <a:noFill/>
+                </a:ln>
+                <a:solidFill>
+                  <a:srgbClr val="000000"/>
+                </a:solidFill>
+                <a:effectLst/>
+                <a:latin typeface="Courier New" pitchFamily="49" charset="0"/>
+                <a:cs typeface="Courier New" pitchFamily="49" charset="0"/>
+              </a:rPr>
+              <a:t>не </a:t>
+            </a:r>
+            <a:r>
+              <a:rPr kumimoji="0" lang="ru-RU" altLang="ru-RU" b="0" i="0" u="none" strike="noStrike" cap="none" normalizeH="0" baseline="0" dirty="0" smtClean="0">
+                <a:ln>
+                  <a:noFill/>
+                </a:ln>
+                <a:solidFill>
+                  <a:srgbClr val="000000"/>
+                </a:solidFill>
+                <a:effectLst/>
+                <a:latin typeface="Courier New" pitchFamily="49" charset="0"/>
+                <a:cs typeface="Courier New" pitchFamily="49" charset="0"/>
+              </a:rPr>
+              <a:t>должны вызываться.</a:t>
             </a:r>
             <a:endParaRPr lang="ru-RU" dirty="0"/>
           </a:p>
@@ -4430,7 +4487,11 @@
             </a:r>
             <a:r>
               <a:rPr lang="ru-RU" baseline="0" dirty="0" smtClean="0"/>
-              <a:t> – заглушки, по-английски это </a:t>
+              <a:t> </a:t>
+            </a:r>
+            <a:r>
+              <a:rPr lang="ru-RU" baseline="0" dirty="0" smtClean="0"/>
+              <a:t>– </a:t>
             </a:r>
             <a:r>
               <a:rPr lang="en-US" baseline="0" dirty="0" smtClean="0"/>
@@ -4444,27 +4505,23 @@
           <a:p>
             <a:r>
               <a:rPr lang="ru-RU" dirty="0" smtClean="0"/>
-              <a:t>Это</a:t>
+              <a:t>Это заглушки -</a:t>
             </a:r>
             <a:r>
               <a:rPr lang="ru-RU" baseline="0" dirty="0" smtClean="0"/>
-              <a:t> такие </a:t>
+              <a:t> </a:t>
             </a:r>
             <a:r>
               <a:rPr lang="ru-RU" baseline="0" dirty="0" smtClean="0"/>
-              <a:t>реализации, </a:t>
+              <a:t>такие реализации, которые не являются реальными, а возвращают лишь заранее запрограммированные ответы для выполнения теста. </a:t>
             </a:r>
             <a:r>
               <a:rPr lang="ru-RU" baseline="0" dirty="0" smtClean="0"/>
-              <a:t>которые не являются реальными, а </a:t>
+              <a:t>Реализация </a:t>
             </a:r>
             <a:r>
               <a:rPr lang="ru-RU" baseline="0" dirty="0" smtClean="0"/>
-              <a:t>возвращают лишь </a:t>
-            </a:r>
-            <a:r>
-              <a:rPr lang="ru-RU" baseline="0" dirty="0" smtClean="0"/>
-              <a:t>заранее запрограммированные ответы для выполнения теста. Т.е. реализация таких заглушек проста – никакой бизнес-смысл она не несёт, лишь возвращает заранее приготовленный ответ.</a:t>
+              <a:t>таких заглушек проста – никакой бизнес-смысл она не несёт, лишь возвращает заранее приготовленный ответ.</a:t>
             </a:r>
           </a:p>
         </p:txBody>
@@ -4587,7 +4644,41 @@
             </a:r>
             <a:r>
               <a:rPr lang="ru-RU" baseline="0" dirty="0" smtClean="0"/>
-              <a:t>в нашем случае имеет лишь один метод, который возвращает список товаров, которые должны быть подарены клиенту, приобретающему определённый товар.</a:t>
+              <a:t>в нашем случае имеет </a:t>
+            </a:r>
+            <a:r>
+              <a:rPr lang="ru-RU" baseline="0" dirty="0" smtClean="0"/>
+              <a:t>единственный метод </a:t>
+            </a:r>
+            <a:r>
+              <a:rPr kumimoji="0" lang="ru-RU" altLang="ru-RU" b="0" i="0" u="none" strike="noStrike" cap="none" normalizeH="0" baseline="0" dirty="0" err="1" smtClean="0">
+                <a:ln>
+                  <a:noFill/>
+                </a:ln>
+                <a:solidFill>
+                  <a:srgbClr val="000000"/>
+                </a:solidFill>
+                <a:effectLst/>
+                <a:latin typeface="Courier New" pitchFamily="49" charset="0"/>
+                <a:cs typeface="Courier New" pitchFamily="49" charset="0"/>
+              </a:rPr>
+              <a:t>getGiftsByItem</a:t>
+            </a:r>
+            <a:r>
+              <a:rPr lang="ru-RU" baseline="0" dirty="0" smtClean="0"/>
+              <a:t>, возвращающий </a:t>
+            </a:r>
+            <a:r>
+              <a:rPr lang="ru-RU" baseline="0" dirty="0" smtClean="0"/>
+              <a:t>список товаров, которые должны быть подарены клиенту, приобретающему </a:t>
+            </a:r>
+            <a:r>
+              <a:rPr lang="ru-RU" baseline="0" dirty="0" smtClean="0"/>
+              <a:t>переданный в аргументе товар</a:t>
+            </a:r>
+            <a:r>
+              <a:rPr lang="ru-RU" baseline="0" dirty="0" smtClean="0"/>
+              <a:t>.</a:t>
             </a:r>
             <a:endParaRPr lang="ru-RU" dirty="0" smtClean="0"/>
           </a:p>
@@ -4726,15 +4817,31 @@
             </a:r>
             <a:r>
               <a:rPr lang="ru-RU" baseline="0" dirty="0" smtClean="0"/>
-              <a:t> параметризированной – т.е. её работа бы отличалась в зависимости, например, от переданных аргументов. Но не стоит изобретать сложную логику в </a:t>
-            </a:r>
-            <a:r>
-              <a:rPr lang="ru-RU" baseline="0" dirty="0" err="1" smtClean="0"/>
-              <a:t>стабах</a:t>
+              <a:t> параметризированной – т.е. её работа бы отличалась в </a:t>
             </a:r>
             <a:r>
               <a:rPr lang="ru-RU" baseline="0" dirty="0" smtClean="0"/>
-              <a:t>. Преимущество </a:t>
+              <a:t>зависимости от </a:t>
+            </a:r>
+            <a:r>
+              <a:rPr lang="ru-RU" baseline="0" dirty="0" smtClean="0"/>
+              <a:t>переданных аргументов. Но не </a:t>
+            </a:r>
+            <a:r>
+              <a:rPr lang="ru-RU" baseline="0" dirty="0" smtClean="0"/>
+              <a:t>стоит этим увлекаться и </a:t>
+            </a:r>
+            <a:r>
+              <a:rPr lang="ru-RU" baseline="0" dirty="0" smtClean="0"/>
+              <a:t>изобретать сложную логику в </a:t>
+            </a:r>
+            <a:r>
+              <a:rPr lang="ru-RU" baseline="0" dirty="0" smtClean="0"/>
+              <a:t>таких объектах. </a:t>
+            </a:r>
+            <a:r>
+              <a:rPr lang="ru-RU" baseline="0" dirty="0" smtClean="0"/>
+              <a:t>Преимущество </a:t>
             </a:r>
             <a:r>
               <a:rPr lang="ru-RU" baseline="0" dirty="0" err="1" smtClean="0"/>
@@ -4742,7 +4849,11 @@
             </a:r>
             <a:r>
               <a:rPr lang="ru-RU" baseline="0" dirty="0" smtClean="0"/>
-              <a:t> – лёгкость их реализации</a:t>
+              <a:t> – лёгкость </a:t>
+            </a:r>
+            <a:r>
+              <a:rPr lang="ru-RU" baseline="0" dirty="0" smtClean="0"/>
+              <a:t>реализации</a:t>
             </a:r>
             <a:r>
               <a:rPr lang="ru-RU" baseline="0" dirty="0" smtClean="0"/>
@@ -4834,28 +4945,54 @@
           <a:p>
             <a:r>
               <a:rPr lang="ru-RU" baseline="0" dirty="0" smtClean="0"/>
-              <a:t>Фактически есть только 2 варианта:</a:t>
+              <a:t>Существует 2 варианта.</a:t>
             </a:r>
           </a:p>
           <a:p>
             <a:r>
               <a:rPr lang="ru-RU" baseline="0" dirty="0" smtClean="0"/>
-              <a:t>1) проверять состояние </a:t>
+              <a:t>- Первым обычно на ум приходит вариант проверки состояния объектов в </a:t>
             </a:r>
             <a:r>
               <a:rPr lang="ru-RU" baseline="0" dirty="0" smtClean="0"/>
-              <a:t>объектов (</a:t>
+              <a:t>ходе выполнения теста и после </a:t>
             </a:r>
             <a:r>
               <a:rPr lang="ru-RU" baseline="0" dirty="0" smtClean="0"/>
-              <a:t>системы) в ходе выполнения теста и после него (это простой, интуитивно понятный вариант);</a:t>
-            </a:r>
+              <a:t>него.</a:t>
+            </a:r>
+            <a:endParaRPr lang="ru-RU" baseline="0" dirty="0" smtClean="0"/>
           </a:p>
           <a:p>
             <a:r>
               <a:rPr lang="ru-RU" baseline="0" dirty="0" smtClean="0"/>
-              <a:t>2) проверять поведение объектов (какие методы объектов были вызваны и с какими аргументами / как объекты взаимодействовали друг с другом).</a:t>
-            </a:r>
+              <a:t>- Второй менее очевидный - проверять </a:t>
+            </a:r>
+            <a:r>
+              <a:rPr lang="ru-RU" baseline="0" dirty="0" smtClean="0"/>
+              <a:t>поведение </a:t>
+            </a:r>
+            <a:r>
+              <a:rPr lang="ru-RU" baseline="0" dirty="0" smtClean="0"/>
+              <a:t>объектов, а именно какие </a:t>
+            </a:r>
+            <a:r>
+              <a:rPr lang="ru-RU" baseline="0" dirty="0" smtClean="0"/>
+              <a:t>методы объектов были вызваны и с какими </a:t>
+            </a:r>
+            <a:r>
+              <a:rPr lang="ru-RU" baseline="0" dirty="0" smtClean="0"/>
+              <a:t>аргументами, </a:t>
+            </a:r>
+            <a:r>
+              <a:rPr lang="ru-RU" baseline="0" dirty="0" smtClean="0"/>
+              <a:t>как объекты взаимодействовали друг с </a:t>
+            </a:r>
+            <a:r>
+              <a:rPr lang="ru-RU" baseline="0" dirty="0" smtClean="0"/>
+              <a:t>другом.</a:t>
+            </a:r>
+            <a:endParaRPr lang="ru-RU" baseline="0" dirty="0" smtClean="0"/>
           </a:p>
           <a:p>
             <a:r>
@@ -4993,7 +5130,15 @@
             </a:r>
             <a:r>
               <a:rPr lang="ru-RU" baseline="0" dirty="0" smtClean="0"/>
-              <a:t>, но он также записывает некоторую информацию о том, как вызывались его методы.</a:t>
+              <a:t>, но он </a:t>
+            </a:r>
+            <a:r>
+              <a:rPr lang="ru-RU" baseline="0" dirty="0" smtClean="0"/>
+              <a:t>ещё записывает </a:t>
+            </a:r>
+            <a:r>
+              <a:rPr lang="ru-RU" baseline="0" dirty="0" smtClean="0"/>
+              <a:t>некоторую информацию о том, как вызывались его методы.</a:t>
             </a:r>
             <a:endParaRPr lang="ru-RU" dirty="0" smtClean="0"/>
           </a:p>
@@ -5020,12 +5165,12 @@
               <a:t>Пример </a:t>
             </a:r>
             <a:r>
-              <a:rPr lang="ru-RU" dirty="0" err="1" smtClean="0"/>
-              <a:t>спайя</a:t>
-            </a:r>
-            <a:r>
               <a:rPr lang="ru-RU" dirty="0" smtClean="0"/>
-              <a:t> – сервис по отправке</a:t>
+              <a:t>шпиона – </a:t>
+            </a:r>
+            <a:r>
+              <a:rPr lang="ru-RU" dirty="0" smtClean="0"/>
+              <a:t>сервис по отправке</a:t>
             </a:r>
             <a:r>
               <a:rPr lang="ru-RU" baseline="0" dirty="0" smtClean="0"/>
@@ -5119,19 +5264,27 @@
           <a:p>
             <a:r>
               <a:rPr lang="ru-RU" baseline="0" dirty="0" smtClean="0"/>
-              <a:t>В примере </a:t>
-            </a:r>
-            <a:r>
-              <a:rPr lang="ru-RU" baseline="0" smtClean="0"/>
-              <a:t>на слайде </a:t>
+              <a:t>В примере на слайде показан частный случай шпиона, который </a:t>
             </a:r>
             <a:r>
               <a:rPr lang="ru-RU" baseline="0" dirty="0" smtClean="0"/>
-              <a:t>показан частный случай шпиона, который по сути позволяет проводить проверку поведения объекта </a:t>
+              <a:t>позволяет </a:t>
+            </a:r>
+            <a:r>
+              <a:rPr lang="ru-RU" baseline="0" dirty="0" smtClean="0"/>
+              <a:t>проводить проверку поведения объекта </a:t>
             </a:r>
             <a:r>
               <a:rPr lang="en-US" baseline="0" dirty="0" smtClean="0"/>
               <a:t>order</a:t>
+            </a:r>
+            <a:r>
+              <a:rPr lang="ru-RU" baseline="0" dirty="0" smtClean="0"/>
+              <a:t>. Т.е. одновременно такой шпион является и простейшим </a:t>
+            </a:r>
+            <a:r>
+              <a:rPr lang="ru-RU" baseline="0" dirty="0" err="1" smtClean="0"/>
+              <a:t>моком</a:t>
             </a:r>
             <a:r>
               <a:rPr lang="ru-RU" baseline="0" dirty="0" smtClean="0"/>
@@ -5237,7 +5390,7 @@
             </a:r>
             <a:r>
               <a:rPr lang="ru-RU" baseline="0" dirty="0" err="1" smtClean="0"/>
-              <a:t>моков</a:t>
+              <a:t>мока</a:t>
             </a:r>
             <a:r>
               <a:rPr lang="ru-RU" baseline="0" dirty="0" smtClean="0"/>
@@ -5245,7 +5398,7 @@
             </a:r>
             <a:r>
               <a:rPr lang="ru-RU" baseline="0" dirty="0" err="1" smtClean="0"/>
-              <a:t>стабов</a:t>
+              <a:t>стаба</a:t>
             </a:r>
             <a:r>
               <a:rPr lang="ru-RU" baseline="0" dirty="0" smtClean="0"/>
@@ -5253,11 +5406,15 @@
             </a:r>
             <a:r>
               <a:rPr lang="ru-RU" baseline="0" dirty="0" err="1" smtClean="0"/>
-              <a:t>спайев</a:t>
+              <a:t>спайя</a:t>
             </a:r>
             <a:r>
               <a:rPr lang="ru-RU" baseline="0" dirty="0" smtClean="0"/>
-              <a:t> и </a:t>
+              <a:t> </a:t>
+            </a:r>
+            <a:r>
+              <a:rPr lang="ru-RU" baseline="0" dirty="0" smtClean="0"/>
+              <a:t>и </a:t>
             </a:r>
             <a:r>
               <a:rPr lang="ru-RU" baseline="0" dirty="0" err="1" smtClean="0"/>
@@ -5291,17 +5448,16 @@
             </a:r>
             <a:r>
               <a:rPr lang="ru-RU" dirty="0" smtClean="0"/>
-              <a:t>почему именно </a:t>
+              <a:t>почему выбор пал именно на </a:t>
             </a:r>
             <a:r>
               <a:rPr lang="ru-RU" dirty="0" err="1" smtClean="0"/>
-              <a:t>мокито</a:t>
+              <a:t>Мокито</a:t>
             </a:r>
             <a:r>
               <a:rPr lang="ru-RU" baseline="0" dirty="0" smtClean="0"/>
               <a:t>?</a:t>
             </a:r>
-            <a:endParaRPr lang="ru-RU" baseline="0" dirty="0" smtClean="0"/>
           </a:p>
           <a:p>
             <a:r>
@@ -5334,7 +5490,15 @@
             </a:r>
             <a:r>
               <a:rPr lang="ru-RU" baseline="0" dirty="0" smtClean="0"/>
-              <a:t>, что в итоге позволяет легко и быстро писать чистые, понятные, самодокументированные тесты.</a:t>
+              <a:t>, что </a:t>
+            </a:r>
+            <a:r>
+              <a:rPr lang="ru-RU" baseline="0" dirty="0" smtClean="0"/>
+              <a:t>позволяет </a:t>
+            </a:r>
+            <a:r>
+              <a:rPr lang="ru-RU" baseline="0" dirty="0" smtClean="0"/>
+              <a:t>легко и быстро писать чистые, понятные, самодокументированные тесты.</a:t>
             </a:r>
             <a:endParaRPr lang="ru-RU" dirty="0" smtClean="0"/>
           </a:p>
@@ -5361,44 +5525,13 @@
             </a:r>
             <a:r>
               <a:rPr lang="ru-RU" baseline="0" dirty="0" smtClean="0"/>
-              <a:t> </a:t>
+              <a:t> позволяет сделать нужные объекты </a:t>
             </a:r>
             <a:r>
               <a:rPr lang="ru-RU" baseline="0" dirty="0" smtClean="0"/>
-              <a:t>позволяет сделать нужные объекты динамически (как </a:t>
-            </a:r>
-            <a:r>
-              <a:rPr lang="ru-RU" baseline="0" dirty="0" err="1" smtClean="0"/>
-              <a:t>моки</a:t>
-            </a:r>
-            <a:r>
-              <a:rPr lang="ru-RU" baseline="0" dirty="0" smtClean="0"/>
-              <a:t>, так и </a:t>
-            </a:r>
-            <a:r>
-              <a:rPr lang="ru-RU" baseline="0" dirty="0" err="1" smtClean="0"/>
-              <a:t>стабы</a:t>
-            </a:r>
-            <a:r>
-              <a:rPr lang="ru-RU" baseline="0" dirty="0" smtClean="0"/>
-              <a:t>, </a:t>
-            </a:r>
-            <a:r>
-              <a:rPr lang="ru-RU" baseline="0" dirty="0" err="1" smtClean="0"/>
-              <a:t>дамми</a:t>
-            </a:r>
-            <a:r>
-              <a:rPr lang="ru-RU" baseline="0" dirty="0" smtClean="0"/>
-              <a:t>, </a:t>
-            </a:r>
-            <a:r>
-              <a:rPr lang="ru-RU" baseline="0" dirty="0" err="1" smtClean="0"/>
-              <a:t>спайи</a:t>
-            </a:r>
-            <a:r>
-              <a:rPr lang="ru-RU" baseline="0" dirty="0" smtClean="0"/>
-              <a:t>).</a:t>
-            </a:r>
+              <a:t>на лету.</a:t>
+            </a:r>
+            <a:endParaRPr lang="ru-RU" baseline="0" dirty="0" smtClean="0"/>
           </a:p>
           <a:p>
             <a:r>
@@ -5643,7 +5776,15 @@
           <a:p>
             <a:r>
               <a:rPr lang="ru-RU" baseline="0" dirty="0" smtClean="0"/>
-              <a:t>Допустим, что изначально у нас есть корзина с 3мя яблоками.</a:t>
+              <a:t>Допустим, </a:t>
+            </a:r>
+            <a:r>
+              <a:rPr lang="ru-RU" baseline="0" dirty="0" smtClean="0"/>
+              <a:t>изначально </a:t>
+            </a:r>
+            <a:r>
+              <a:rPr lang="ru-RU" baseline="0" dirty="0" smtClean="0"/>
+              <a:t>у нас есть корзина с 3мя яблоками.</a:t>
             </a:r>
           </a:p>
           <a:p>
@@ -5655,13 +5796,38 @@
           <a:p>
             <a:r>
               <a:rPr lang="ru-RU" baseline="0" dirty="0" smtClean="0"/>
-              <a:t>Как результат, ожидаем, что в корзине останется 2 яблока. В своём тесте мы проверяем в каком состоянии окажется корзина после выполненных действий.</a:t>
-            </a:r>
+              <a:t>Как результат, ожидаем, что в корзине останется 2 яблока. В </a:t>
+            </a:r>
+            <a:r>
+              <a:rPr lang="ru-RU" baseline="0" dirty="0" smtClean="0"/>
+              <a:t>тесте </a:t>
+            </a:r>
+            <a:r>
+              <a:rPr lang="ru-RU" baseline="0" dirty="0" smtClean="0"/>
+              <a:t>мы проверяем в каком состоянии окажется корзина после </a:t>
+            </a:r>
+            <a:r>
+              <a:rPr lang="ru-RU" baseline="0" dirty="0" smtClean="0"/>
+              <a:t>выполненного действия.</a:t>
+            </a:r>
+            <a:endParaRPr lang="ru-RU" baseline="0" dirty="0" smtClean="0"/>
           </a:p>
           <a:p>
             <a:r>
               <a:rPr lang="ru-RU" baseline="0" dirty="0" smtClean="0"/>
-              <a:t>Ключевым моментом, на который стоит обратить внимание, является факт, что у нас есть возможность проверять состояние корзины и сама процедура проверки не представляет сложности.</a:t>
+              <a:t>Важным является факт, </a:t>
+            </a:r>
+            <a:r>
+              <a:rPr lang="ru-RU" baseline="0" dirty="0" smtClean="0"/>
+              <a:t>что у нас есть возможность проверять состояние корзины и </a:t>
+            </a:r>
+            <a:r>
+              <a:rPr lang="ru-RU" baseline="0" dirty="0" smtClean="0"/>
+              <a:t>такая проверка </a:t>
+            </a:r>
+            <a:r>
+              <a:rPr lang="ru-RU" baseline="0" dirty="0" smtClean="0"/>
+              <a:t>не представляет сложности.</a:t>
             </a:r>
             <a:endParaRPr lang="ru-RU" dirty="0"/>
           </a:p>
@@ -5753,15 +5919,7 @@
             </a:r>
             <a:r>
               <a:rPr lang="ru-RU" baseline="0" dirty="0" smtClean="0"/>
-              <a:t> </a:t>
-            </a:r>
-            <a:r>
-              <a:rPr lang="ru-RU" baseline="0" dirty="0" smtClean="0"/>
-              <a:t>пример </a:t>
-            </a:r>
-            <a:r>
-              <a:rPr lang="ru-RU" baseline="0" dirty="0" smtClean="0"/>
-              <a:t>уже с кодом на </a:t>
+              <a:t> пример уже с кодом на </a:t>
             </a:r>
             <a:r>
               <a:rPr lang="ru-RU" baseline="0" dirty="0" err="1" smtClean="0"/>
@@ -5783,7 +5941,11 @@
           <a:p>
             <a:r>
               <a:rPr lang="ru-RU" baseline="0" dirty="0" smtClean="0"/>
-              <a:t>Предположим у нас есть интерфейс банковского счёта с методами, позволяющими его пополнить </a:t>
+              <a:t>У нас </a:t>
+            </a:r>
+            <a:r>
+              <a:rPr lang="ru-RU" baseline="0" dirty="0" smtClean="0"/>
+              <a:t>есть интерфейс банковского счёта с методами, позволяющими его пополнить </a:t>
             </a:r>
             <a:r>
               <a:rPr lang="en-US" baseline="0" dirty="0" smtClean="0"/>
@@ -5903,17 +6065,37 @@
           <a:p>
             <a:r>
               <a:rPr lang="ru-RU" dirty="0" smtClean="0"/>
-              <a:t>Простейшая</a:t>
+              <a:t>Простая</a:t>
             </a:r>
             <a:r>
               <a:rPr lang="ru-RU" baseline="0" dirty="0" smtClean="0"/>
-              <a:t> реализация такого интерфейса будет выглядеть так.</a:t>
+              <a:t> </a:t>
+            </a:r>
+            <a:r>
+              <a:rPr lang="ru-RU" baseline="0" dirty="0" smtClean="0"/>
+              <a:t>реализация такого интерфейса будет выглядеть так</a:t>
+            </a:r>
+            <a:r>
+              <a:rPr lang="ru-RU" baseline="0" dirty="0" smtClean="0"/>
+              <a:t>.</a:t>
             </a:r>
           </a:p>
           <a:p>
             <a:r>
               <a:rPr lang="ru-RU" baseline="0" dirty="0" smtClean="0"/>
-              <a:t>Замечу, если средств для списания на счёте недостаточно, то бросается проверяемое исключение </a:t>
+              <a:t>Обратите внимание на метод </a:t>
+            </a:r>
+            <a:r>
+              <a:rPr lang="en-US" baseline="0" dirty="0" smtClean="0"/>
+              <a:t>withdraw - </a:t>
+            </a:r>
+            <a:r>
+              <a:rPr lang="ru-RU" baseline="0" dirty="0" smtClean="0"/>
+              <a:t>если </a:t>
+            </a:r>
+            <a:r>
+              <a:rPr lang="ru-RU" baseline="0" dirty="0" smtClean="0"/>
+              <a:t>средств для списания на счёте недостаточно, то бросается проверяемое исключение </a:t>
             </a:r>
             <a:r>
               <a:rPr kumimoji="0" lang="ru-RU" altLang="ru-RU" b="0" i="0" u="none" strike="noStrike" cap="none" normalizeH="0" baseline="0" dirty="0" err="1" smtClean="0">
@@ -6027,71 +6209,52 @@
           <a:bodyPr/>
           <a:lstStyle/>
           <a:p>
+            <a:pPr marL="0" marR="0" indent="0" algn="l" defTabSz="914400" rtl="0" eaLnBrk="1" fontAlgn="auto" latinLnBrk="0" hangingPunct="1">
+              <a:lnSpc>
+                <a:spcPct val="100000"/>
+              </a:lnSpc>
+              <a:spcBef>
+                <a:spcPts val="0"/>
+              </a:spcBef>
+              <a:spcAft>
+                <a:spcPts val="0"/>
+              </a:spcAft>
+              <a:buClrTx/>
+              <a:buSzTx/>
+              <a:buFontTx/>
+              <a:buNone/>
+              <a:tabLst/>
+              <a:defRPr/>
+            </a:pPr>
             <a:r>
               <a:rPr lang="ru-RU" dirty="0" smtClean="0"/>
               <a:t>Работать</a:t>
             </a:r>
             <a:r>
               <a:rPr lang="ru-RU" baseline="0" dirty="0" smtClean="0"/>
-              <a:t> мы будем с клиентскими заказами. Это наш класс, тесты к которому мы и будем писать.</a:t>
-            </a:r>
-          </a:p>
-          <a:p>
+              <a:t> мы будем </a:t>
+            </a:r>
             <a:r>
               <a:rPr lang="ru-RU" baseline="0" dirty="0" smtClean="0"/>
-              <a:t>Класс клиентского заказа содержит список купленных товаров и метод покупки товара, который одновременно производит списание средств с банковского счёта.</a:t>
-            </a:r>
-          </a:p>
-          <a:p>
+              <a:t>с классом клиентского заказа. В нём есть метод покупки товара, </a:t>
+            </a:r>
             <a:r>
               <a:rPr lang="ru-RU" baseline="0" dirty="0" smtClean="0"/>
-              <a:t>Если списание не было успешным (недостаточно средств), то товар не должен быть добавлен в список приобретённых (</a:t>
-            </a:r>
-            <a:r>
-              <a:rPr lang="en-US" baseline="0" dirty="0" err="1" smtClean="0"/>
-              <a:t>items.add</a:t>
+              <a:t>который </a:t>
             </a:r>
             <a:r>
               <a:rPr lang="ru-RU" baseline="0" dirty="0" smtClean="0"/>
-              <a:t> </a:t>
+              <a:t>производит </a:t>
             </a:r>
             <a:r>
               <a:rPr lang="ru-RU" baseline="0" dirty="0" smtClean="0"/>
-              <a:t>идёт последним – исключение </a:t>
-            </a:r>
-            <a:r>
-              <a:rPr kumimoji="0" lang="ru-RU" altLang="ru-RU" b="0" i="0" u="none" strike="noStrike" cap="none" normalizeH="0" baseline="0" dirty="0" err="1" smtClean="0">
-                <a:ln>
-                  <a:noFill/>
-                </a:ln>
-                <a:solidFill>
-                  <a:srgbClr val="000000"/>
-                </a:solidFill>
-                <a:effectLst/>
-                <a:latin typeface="Courier New" pitchFamily="49" charset="0"/>
-                <a:cs typeface="Courier New" pitchFamily="49" charset="0"/>
-              </a:rPr>
-              <a:t>InsufficientFundsException</a:t>
-            </a:r>
-            <a:r>
-              <a:rPr kumimoji="0" lang="ru-RU" altLang="ru-RU" b="0" i="0" u="none" strike="noStrike" cap="none" normalizeH="0" baseline="0" dirty="0" smtClean="0">
-                <a:ln>
-                  <a:noFill/>
-                </a:ln>
-                <a:solidFill>
-                  <a:srgbClr val="000000"/>
-                </a:solidFill>
-                <a:effectLst/>
-                <a:latin typeface="Courier New" pitchFamily="49" charset="0"/>
-                <a:cs typeface="Courier New" pitchFamily="49" charset="0"/>
-              </a:rPr>
-              <a:t> будет проброшено до него</a:t>
+              <a:t>списание средств с банковского </a:t>
             </a:r>
             <a:r>
               <a:rPr lang="ru-RU" baseline="0" dirty="0" smtClean="0"/>
-              <a:t>.</a:t>
-            </a:r>
-            <a:endParaRPr lang="ru-RU" dirty="0"/>
+              <a:t>счёта и добавляет купленный товар к списку приобретённых в заказе. Если списание не было успешным (например, недостаточно средств), то товар не должен быть добавлен в список приобретённых.</a:t>
+            </a:r>
+            <a:endParaRPr lang="ru-RU" dirty="0" smtClean="0"/>
           </a:p>
         </p:txBody>
       </p:sp>
@@ -6177,11 +6340,19 @@
           <a:p>
             <a:r>
               <a:rPr lang="ru-RU" dirty="0" smtClean="0"/>
-              <a:t>Класс модульного</a:t>
+              <a:t>Класс теста для модуля </a:t>
+            </a:r>
+            <a:r>
+              <a:rPr lang="en-US" dirty="0" smtClean="0"/>
+              <a:t>Order</a:t>
             </a:r>
             <a:r>
               <a:rPr lang="ru-RU" baseline="0" dirty="0" smtClean="0"/>
-              <a:t> теста будет выглядеть так.</a:t>
+              <a:t> </a:t>
+            </a:r>
+            <a:r>
+              <a:rPr lang="ru-RU" baseline="0" dirty="0" smtClean="0"/>
+              <a:t>будет выглядеть так.</a:t>
             </a:r>
           </a:p>
           <a:p>
@@ -6213,21 +6384,11 @@
           <a:p>
             <a:r>
               <a:rPr lang="ru-RU" baseline="0" dirty="0" smtClean="0"/>
-              <a:t>Замечу, что модульный тест мы пишем к классу клиентского заказа </a:t>
-            </a:r>
-            <a:r>
-              <a:rPr lang="en-US" baseline="0" dirty="0" smtClean="0"/>
-              <a:t>Order</a:t>
+              <a:t>Первый </a:t>
             </a:r>
             <a:r>
               <a:rPr lang="ru-RU" baseline="0" dirty="0" smtClean="0"/>
-              <a:t>, а не к реализации интерфейса банковского счёта.</a:t>
-            </a:r>
-          </a:p>
-          <a:p>
-            <a:r>
-              <a:rPr lang="ru-RU" baseline="0" dirty="0" smtClean="0"/>
-              <a:t>Первый тест – на успешность операции покупки (средств на счёте достаточно) </a:t>
+              <a:t>тест – на успешность операции покупки (средств на счёте достаточно) </a:t>
             </a:r>
             <a:r>
               <a:rPr lang="en-US" baseline="0" dirty="0" smtClean="0"/>
@@ -6235,7 +6396,27 @@
             </a:r>
             <a:r>
               <a:rPr lang="ru-RU" baseline="0" dirty="0" smtClean="0"/>
-              <a:t>баланс должен уменьшиться на сумму покупки (что означает, что мы проверяем факт списания средств со счёта), купленный товар должен добавиться в список. Мы проверяем состояние банковского счёта после выполнения операции.</a:t>
+              <a:t>баланс должен уменьшиться на сумму </a:t>
+            </a:r>
+            <a:r>
+              <a:rPr lang="ru-RU" baseline="0" dirty="0" smtClean="0"/>
+              <a:t>покупки, </a:t>
+            </a:r>
+            <a:r>
+              <a:rPr lang="ru-RU" baseline="0" dirty="0" smtClean="0"/>
+              <a:t>купленный товар </a:t>
+            </a:r>
+            <a:r>
+              <a:rPr lang="ru-RU" baseline="0" dirty="0" smtClean="0"/>
+              <a:t>добавиться </a:t>
+            </a:r>
+            <a:r>
+              <a:rPr lang="ru-RU" baseline="0" dirty="0" smtClean="0"/>
+              <a:t>в список</a:t>
+            </a:r>
+            <a:r>
+              <a:rPr lang="ru-RU" baseline="0" dirty="0" smtClean="0"/>
+              <a:t>.</a:t>
             </a:r>
             <a:endParaRPr lang="ru-RU" dirty="0"/>
           </a:p>
@@ -6331,7 +6512,15 @@
             </a:r>
             <a:r>
               <a:rPr lang="ru-RU" dirty="0" smtClean="0"/>
-              <a:t> выполнения операции покупки, если средств недостаточно.</a:t>
+              <a:t> выполнения операции покупки, если </a:t>
+            </a:r>
+            <a:r>
+              <a:rPr lang="ru-RU" dirty="0" smtClean="0"/>
+              <a:t>средств на счёте </a:t>
+            </a:r>
+            <a:r>
+              <a:rPr lang="ru-RU" dirty="0" smtClean="0"/>
+              <a:t>недостаточно.</a:t>
             </a:r>
           </a:p>
           <a:p>
@@ -6345,12 +6534,57 @@
             </a:r>
           </a:p>
           <a:p>
-            <a:endParaRPr lang="ru-RU" baseline="0" dirty="0" smtClean="0"/>
+            <a:r>
+              <a:rPr lang="ru-RU" baseline="0" dirty="0" smtClean="0"/>
+              <a:t>В этих тестовых методах видна проблема – тест модуля </a:t>
+            </a:r>
+            <a:r>
+              <a:rPr lang="en-US" baseline="0" dirty="0" smtClean="0"/>
+              <a:t>Order</a:t>
+            </a:r>
+            <a:r>
+              <a:rPr lang="ru-RU" baseline="0" dirty="0" smtClean="0"/>
+              <a:t> завязан на корректность работы другого модуля – </a:t>
+            </a:r>
+            <a:r>
+              <a:rPr lang="en-US" baseline="0" dirty="0" err="1" smtClean="0"/>
+              <a:t>PaymentBankAccount</a:t>
+            </a:r>
+            <a:r>
+              <a:rPr lang="en-US" baseline="0" dirty="0" smtClean="0"/>
+              <a:t>’</a:t>
+            </a:r>
+            <a:r>
+              <a:rPr lang="ru-RU" baseline="0" dirty="0" smtClean="0"/>
+              <a:t>а.</a:t>
+            </a:r>
           </a:p>
           <a:p>
             <a:r>
               <a:rPr lang="ru-RU" baseline="0" dirty="0" smtClean="0"/>
-              <a:t>Ещё раз обращу внимание – эти тесты основаны на проверке состояния объектов после выполнения тестируемого метода.</a:t>
+              <a:t>Если в нём будет ошибка, то ошибочными будут помечены как его тесты, так и тесты </a:t>
+            </a:r>
+            <a:r>
+              <a:rPr lang="en-US" baseline="0" dirty="0" smtClean="0"/>
+              <a:t>Order’</a:t>
+            </a:r>
+            <a:r>
+              <a:rPr lang="ru-RU" baseline="0" dirty="0" smtClean="0"/>
+              <a:t>а, а это затруднит поиск исходной причины.</a:t>
+            </a:r>
+          </a:p>
+          <a:p>
+            <a:r>
+              <a:rPr lang="ru-RU" baseline="0" dirty="0" smtClean="0"/>
+              <a:t>Кроме того, </a:t>
+            </a:r>
+            <a:r>
+              <a:rPr lang="en-US" baseline="0" dirty="0" err="1" smtClean="0"/>
+              <a:t>PaymentBankAccount</a:t>
+            </a:r>
+            <a:r>
+              <a:rPr lang="ru-RU" baseline="0" dirty="0" smtClean="0"/>
+              <a:t> мог иметь сложную реализацию – например, обращаться к базе данных, что в свою очередь заставило бы нас решать вопрос наличия такой БД.</a:t>
             </a:r>
           </a:p>
         </p:txBody>
@@ -6437,340 +6671,267 @@
           <a:p>
             <a:r>
               <a:rPr lang="ru-RU" dirty="0" smtClean="0"/>
-              <a:t>Теперь давайте изменим подход к</a:t>
+              <a:t>Изменим </a:t>
+            </a:r>
+            <a:r>
+              <a:rPr lang="ru-RU" dirty="0" smtClean="0"/>
+              <a:t>подход </a:t>
+            </a:r>
+            <a:r>
+              <a:rPr lang="ru-RU" dirty="0" smtClean="0"/>
+              <a:t>– перепишем тест так, чтобы </a:t>
             </a:r>
             <a:r>
               <a:rPr lang="ru-RU" baseline="0" dirty="0" smtClean="0"/>
-              <a:t> способу проверки корректности работы.</a:t>
+              <a:t>проверялось </a:t>
+            </a:r>
+            <a:r>
+              <a:rPr lang="ru-RU" baseline="0" dirty="0" smtClean="0"/>
+              <a:t>поведение </a:t>
+            </a:r>
+            <a:r>
+              <a:rPr lang="ru-RU" baseline="0" dirty="0" smtClean="0"/>
+              <a:t>объектов. Для </a:t>
+            </a:r>
+            <a:r>
+              <a:rPr lang="ru-RU" baseline="0" dirty="0" smtClean="0"/>
+              <a:t>этого </a:t>
+            </a:r>
+            <a:r>
+              <a:rPr lang="ru-RU" baseline="0" dirty="0" smtClean="0"/>
+              <a:t>воспользуемся </a:t>
+            </a:r>
+            <a:r>
+              <a:rPr lang="ru-RU" baseline="0" dirty="0" err="1" smtClean="0"/>
+              <a:t>фрэймворком</a:t>
+            </a:r>
+            <a:r>
+              <a:rPr lang="ru-RU" baseline="0" dirty="0" smtClean="0"/>
+              <a:t> </a:t>
+            </a:r>
+            <a:r>
+              <a:rPr lang="ru-RU" baseline="0" dirty="0" err="1" smtClean="0"/>
+              <a:t>Мокито</a:t>
+            </a:r>
+            <a:r>
+              <a:rPr lang="ru-RU" baseline="0" dirty="0" smtClean="0"/>
+              <a:t>.</a:t>
             </a:r>
           </a:p>
           <a:p>
             <a:r>
-              <a:rPr lang="ru-RU" dirty="0" smtClean="0"/>
-              <a:t>Перепишем</a:t>
-            </a:r>
-            <a:r>
               <a:rPr lang="ru-RU" baseline="0" dirty="0" smtClean="0"/>
-              <a:t> тест так, чтобы проверялось поведение объектов.</a:t>
+              <a:t>В качестве реализации интерфейса банковского счёта будем использовать </a:t>
+            </a:r>
+            <a:r>
+              <a:rPr lang="ru-RU" baseline="0" dirty="0" smtClean="0"/>
+              <a:t>объект-имитацию, </a:t>
+            </a:r>
+            <a:r>
+              <a:rPr lang="ru-RU" baseline="0" dirty="0" smtClean="0"/>
+              <a:t>называемый, </a:t>
+            </a:r>
+            <a:r>
+              <a:rPr lang="ru-RU" baseline="0" dirty="0" err="1" smtClean="0"/>
+              <a:t>моком</a:t>
+            </a:r>
+            <a:r>
+              <a:rPr lang="ru-RU" baseline="0" dirty="0" smtClean="0"/>
+              <a:t>. Создадим его статическим методом </a:t>
+            </a:r>
+            <a:r>
+              <a:rPr lang="en-US" baseline="0" dirty="0" smtClean="0"/>
+              <a:t>mock</a:t>
+            </a:r>
+            <a:r>
+              <a:rPr lang="ru-RU" baseline="0" dirty="0" smtClean="0"/>
+              <a:t> из </a:t>
+            </a:r>
+            <a:r>
+              <a:rPr lang="ru-RU" baseline="0" dirty="0" err="1" smtClean="0"/>
+              <a:t>мокито</a:t>
+            </a:r>
+            <a:r>
+              <a:rPr lang="ru-RU" baseline="0" dirty="0" smtClean="0"/>
+              <a:t>.</a:t>
             </a:r>
           </a:p>
           <a:p>
             <a:r>
               <a:rPr lang="ru-RU" baseline="0" dirty="0" smtClean="0"/>
-              <a:t>Для этого я буду использовать </a:t>
-            </a:r>
-            <a:r>
-              <a:rPr lang="ru-RU" baseline="0" dirty="0" err="1" smtClean="0"/>
-              <a:t>фрэймворк</a:t>
+              <a:t>Этот объект-имитация </a:t>
             </a:r>
             <a:r>
               <a:rPr lang="ru-RU" baseline="0" dirty="0" smtClean="0"/>
-              <a:t> </a:t>
-            </a:r>
-            <a:r>
-              <a:rPr lang="ru-RU" baseline="0" dirty="0" err="1" smtClean="0"/>
-              <a:t>мокито</a:t>
+              <a:t>запишет </a:t>
             </a:r>
             <a:r>
               <a:rPr lang="ru-RU" baseline="0" dirty="0" smtClean="0"/>
-              <a:t>.</a:t>
+              <a:t>все взаимодействия с </a:t>
+            </a:r>
+            <a:r>
+              <a:rPr lang="ru-RU" baseline="0" dirty="0" smtClean="0"/>
+              <a:t>ним, а именно запомнит какие </a:t>
+            </a:r>
+            <a:r>
+              <a:rPr lang="ru-RU" baseline="0" dirty="0" smtClean="0"/>
+              <a:t>методы </a:t>
+            </a:r>
+            <a:r>
+              <a:rPr lang="ru-RU" baseline="0" dirty="0" smtClean="0"/>
+              <a:t>и с какими значениями аргументов вызывались.</a:t>
             </a:r>
             <a:endParaRPr lang="ru-RU" baseline="0" dirty="0" smtClean="0"/>
           </a:p>
           <a:p>
             <a:r>
               <a:rPr lang="ru-RU" baseline="0" dirty="0" smtClean="0"/>
-              <a:t>В качестве реализации интерфейса банковского счёта будем использовать некий объект-имитацию реальной реализации, называемый, </a:t>
-            </a:r>
-            <a:r>
-              <a:rPr lang="ru-RU" baseline="0" dirty="0" err="1" smtClean="0"/>
-              <a:t>моком</a:t>
+              <a:t>На </a:t>
             </a:r>
             <a:r>
               <a:rPr lang="ru-RU" baseline="0" dirty="0" smtClean="0"/>
-              <a:t>. Создадим его статическим методом </a:t>
-            </a:r>
-            <a:r>
-              <a:rPr lang="en-US" baseline="0" dirty="0" smtClean="0"/>
-              <a:t>mock</a:t>
+              <a:t>данном слайде показан тест, который проверяет, что при покупке товара </a:t>
             </a:r>
             <a:r>
               <a:rPr lang="ru-RU" baseline="0" dirty="0" smtClean="0"/>
-              <a:t>, предоставляемым </a:t>
-            </a:r>
-            <a:r>
-              <a:rPr lang="ru-RU" baseline="0" dirty="0" err="1" smtClean="0"/>
-              <a:t>фрэймворком</a:t>
+              <a:t>будет </a:t>
             </a:r>
             <a:r>
               <a:rPr lang="ru-RU" baseline="0" dirty="0" smtClean="0"/>
-              <a:t> </a:t>
-            </a:r>
-            <a:r>
-              <a:rPr lang="ru-RU" baseline="0" dirty="0" err="1" smtClean="0"/>
-              <a:t>мокито</a:t>
-            </a:r>
-            <a:r>
-              <a:rPr lang="ru-RU" baseline="0" dirty="0" smtClean="0"/>
-              <a:t>.</a:t>
+              <a:t>вызван метод </a:t>
+            </a:r>
+            <a:r>
+              <a:rPr kumimoji="0" lang="ru-RU" altLang="ru-RU" b="0" i="0" u="none" strike="noStrike" cap="none" normalizeH="0" baseline="0" dirty="0" err="1" smtClean="0">
+                <a:ln>
+                  <a:noFill/>
+                </a:ln>
+                <a:solidFill>
+                  <a:srgbClr val="000000"/>
+                </a:solidFill>
+                <a:effectLst/>
+                <a:latin typeface="Courier New" pitchFamily="49" charset="0"/>
+                <a:cs typeface="Courier New" pitchFamily="49" charset="0"/>
+              </a:rPr>
+              <a:t>withdraw</a:t>
+            </a:r>
+            <a:r>
+              <a:rPr kumimoji="0" lang="ru-RU" altLang="ru-RU" b="0" i="0" u="none" strike="noStrike" cap="none" normalizeH="0" baseline="0" dirty="0" smtClean="0">
+                <a:ln>
+                  <a:noFill/>
+                </a:ln>
+                <a:solidFill>
+                  <a:srgbClr val="000000"/>
+                </a:solidFill>
+                <a:effectLst/>
+                <a:latin typeface="Courier New" pitchFamily="49" charset="0"/>
+                <a:cs typeface="Courier New" pitchFamily="49" charset="0"/>
+              </a:rPr>
+              <a:t> реализации интерфейса банковского счёта с аргументом равным значению цены покупаемого товара. Если метод </a:t>
+            </a:r>
+            <a:r>
+              <a:rPr kumimoji="0" lang="ru-RU" altLang="ru-RU" b="0" i="0" u="none" strike="noStrike" cap="none" normalizeH="0" baseline="0" dirty="0" err="1" smtClean="0">
+                <a:ln>
+                  <a:noFill/>
+                </a:ln>
+                <a:solidFill>
+                  <a:srgbClr val="000000"/>
+                </a:solidFill>
+                <a:effectLst/>
+                <a:latin typeface="Courier New" pitchFamily="49" charset="0"/>
+                <a:cs typeface="Courier New" pitchFamily="49" charset="0"/>
+              </a:rPr>
+              <a:t>withdraw</a:t>
+            </a:r>
+            <a:r>
+              <a:rPr kumimoji="0" lang="ru-RU" altLang="ru-RU" b="0" i="0" u="none" strike="noStrike" cap="none" normalizeH="0" baseline="0" dirty="0" smtClean="0">
+                <a:ln>
+                  <a:noFill/>
+                </a:ln>
+                <a:solidFill>
+                  <a:srgbClr val="000000"/>
+                </a:solidFill>
+                <a:effectLst/>
+                <a:latin typeface="Courier New" pitchFamily="49" charset="0"/>
+                <a:cs typeface="Courier New" pitchFamily="49" charset="0"/>
+              </a:rPr>
+              <a:t> не вернёт исключения (а это будет </a:t>
+            </a:r>
+            <a:r>
+              <a:rPr kumimoji="0" lang="ru-RU" altLang="ru-RU" b="0" i="0" u="none" strike="noStrike" cap="none" normalizeH="0" baseline="0" dirty="0" smtClean="0">
+                <a:ln>
+                  <a:noFill/>
+                </a:ln>
+                <a:solidFill>
+                  <a:srgbClr val="000000"/>
+                </a:solidFill>
+                <a:effectLst/>
+                <a:latin typeface="Courier New" pitchFamily="49" charset="0"/>
+                <a:cs typeface="Courier New" pitchFamily="49" charset="0"/>
+              </a:rPr>
+              <a:t>так, ведь мы не программировали мок бросать исключение), </a:t>
+            </a:r>
+            <a:r>
+              <a:rPr kumimoji="0" lang="ru-RU" altLang="ru-RU" b="0" i="0" u="none" strike="noStrike" cap="none" normalizeH="0" baseline="0" dirty="0" smtClean="0">
+                <a:ln>
+                  <a:noFill/>
+                </a:ln>
+                <a:solidFill>
+                  <a:srgbClr val="000000"/>
+                </a:solidFill>
+                <a:effectLst/>
+                <a:latin typeface="Courier New" pitchFamily="49" charset="0"/>
+                <a:cs typeface="Courier New" pitchFamily="49" charset="0"/>
+              </a:rPr>
+              <a:t>то товар добавится в список </a:t>
+            </a:r>
+            <a:r>
+              <a:rPr kumimoji="0" lang="ru-RU" altLang="ru-RU" b="0" i="0" u="none" strike="noStrike" cap="none" normalizeH="0" baseline="0" dirty="0" smtClean="0">
+                <a:ln>
+                  <a:noFill/>
+                </a:ln>
+                <a:solidFill>
+                  <a:srgbClr val="000000"/>
+                </a:solidFill>
+                <a:effectLst/>
+                <a:latin typeface="Courier New" pitchFamily="49" charset="0"/>
+                <a:cs typeface="Courier New" pitchFamily="49" charset="0"/>
+              </a:rPr>
+              <a:t>приобретённых.</a:t>
             </a:r>
           </a:p>
           <a:p>
+            <a:pPr marL="0" marR="0" indent="0" algn="l" defTabSz="914400" rtl="0" eaLnBrk="1" fontAlgn="auto" latinLnBrk="0" hangingPunct="1">
+              <a:lnSpc>
+                <a:spcPct val="100000"/>
+              </a:lnSpc>
+              <a:spcBef>
+                <a:spcPts val="0"/>
+              </a:spcBef>
+              <a:spcAft>
+                <a:spcPts val="0"/>
+              </a:spcAft>
+              <a:buClrTx/>
+              <a:buSzTx/>
+              <a:buFontTx/>
+              <a:buNone/>
+              <a:tabLst/>
+              <a:defRPr/>
+            </a:pPr>
             <a:r>
               <a:rPr lang="ru-RU" baseline="0" dirty="0" smtClean="0"/>
-              <a:t>Этот объект-имитация (мок) будет записывать все взаимодействия с ним – т.е. запомнит кто и какие методы с какими аргументами у него вызывал. Можно сделать так, чтобы методы этого объекта возвращали заранее предопределённые ответы, но об этом чуть позже.</a:t>
-            </a:r>
-          </a:p>
-          <a:p>
-            <a:r>
-              <a:rPr lang="ru-RU" baseline="0" dirty="0" smtClean="0"/>
-              <a:t>Проверяем мы реализацию клиентского заказа – поэтому нам </a:t>
-            </a:r>
-            <a:r>
-              <a:rPr lang="ru-RU" baseline="0" dirty="0" smtClean="0"/>
-              <a:t>нужен экземпляр </a:t>
-            </a:r>
-            <a:r>
-              <a:rPr lang="ru-RU" baseline="0" dirty="0" smtClean="0"/>
-              <a:t>этого класса.</a:t>
-            </a:r>
-          </a:p>
-          <a:p>
-            <a:r>
-              <a:rPr lang="ru-RU" dirty="0" smtClean="0"/>
-              <a:t>Работу</a:t>
-            </a:r>
-            <a:r>
-              <a:rPr lang="ru-RU" baseline="0" dirty="0" smtClean="0"/>
-              <a:t> реализации банковского счёта мы не проверяем – на это стоит обратить отдельное внимание. Модульные тесты должны быть изолированы! Каждый модульный тест создан для тестирования своего модуля. Для проверки конкретной реализации интерфейса банковского счёта нужно использовать свой отдельный модульный тест. В данном модульном тесте нас совершенно не интересует, как реализован банковский счёт. Нас интересует только описанный контракт </a:t>
-            </a:r>
-            <a:r>
-              <a:rPr lang="ru-RU" baseline="0" dirty="0" smtClean="0"/>
-              <a:t>методов</a:t>
-            </a:r>
-            <a:r>
-              <a:rPr lang="ru-RU" baseline="0" dirty="0" smtClean="0"/>
-              <a:t>.</a:t>
-            </a:r>
-            <a:r>
-              <a:rPr lang="en-US" baseline="0" dirty="0" smtClean="0"/>
-              <a:t> </a:t>
-            </a:r>
-            <a:r>
-              <a:rPr lang="ru-RU" baseline="0" dirty="0" smtClean="0"/>
-              <a:t>В добавок ко всему реализация этого интерфейса может быть крайне тяжёлой – например, обращаться к БД. А это в свою очередь заставит нас решать вопрос с БД в </a:t>
-            </a:r>
-            <a:r>
-              <a:rPr lang="ru-RU" baseline="0" dirty="0" smtClean="0"/>
-              <a:t>модульном </a:t>
-            </a:r>
-            <a:r>
-              <a:rPr lang="ru-RU" baseline="0" dirty="0" smtClean="0"/>
-              <a:t>тесте, который, замечу ещё раз, ничего не должен знать о конкретной реализации другого модуля.</a:t>
-            </a:r>
-          </a:p>
-          <a:p>
-            <a:r>
-              <a:rPr lang="ru-RU" baseline="0" dirty="0" smtClean="0"/>
-              <a:t>На данном слайде показан тест, который проверяет, что при покупке товара через класс клиентского заказа, будет вызван метод </a:t>
-            </a:r>
-            <a:r>
-              <a:rPr kumimoji="0" lang="ru-RU" altLang="ru-RU" b="0" i="0" u="none" strike="noStrike" cap="none" normalizeH="0" baseline="0" dirty="0" err="1" smtClean="0">
-                <a:ln>
-                  <a:noFill/>
-                </a:ln>
-                <a:solidFill>
-                  <a:srgbClr val="000000"/>
-                </a:solidFill>
-                <a:effectLst/>
-                <a:latin typeface="Courier New" pitchFamily="49" charset="0"/>
-                <a:cs typeface="Courier New" pitchFamily="49" charset="0"/>
-              </a:rPr>
-              <a:t>withdraw</a:t>
-            </a:r>
-            <a:r>
-              <a:rPr kumimoji="0" lang="ru-RU" altLang="ru-RU" b="0" i="0" u="none" strike="noStrike" cap="none" normalizeH="0" baseline="0" dirty="0" smtClean="0">
-                <a:ln>
-                  <a:noFill/>
-                </a:ln>
-                <a:solidFill>
-                  <a:srgbClr val="000000"/>
-                </a:solidFill>
-                <a:effectLst/>
-                <a:latin typeface="Courier New" pitchFamily="49" charset="0"/>
-                <a:cs typeface="Courier New" pitchFamily="49" charset="0"/>
-              </a:rPr>
-              <a:t> реализации интерфейса банковского счёта с аргументом </a:t>
-            </a:r>
-            <a:r>
-              <a:rPr kumimoji="0" lang="ru-RU" altLang="ru-RU" b="0" i="0" u="none" strike="noStrike" cap="none" normalizeH="0" baseline="0" dirty="0" smtClean="0">
-                <a:ln>
-                  <a:noFill/>
-                </a:ln>
-                <a:solidFill>
-                  <a:srgbClr val="000000"/>
-                </a:solidFill>
-                <a:effectLst/>
-                <a:latin typeface="Courier New" pitchFamily="49" charset="0"/>
-                <a:cs typeface="Courier New" pitchFamily="49" charset="0"/>
-              </a:rPr>
-              <a:t>равным значению </a:t>
-            </a:r>
-            <a:r>
-              <a:rPr kumimoji="0" lang="ru-RU" altLang="ru-RU" b="0" i="0" u="none" strike="noStrike" cap="none" normalizeH="0" baseline="0" dirty="0" smtClean="0">
-                <a:ln>
-                  <a:noFill/>
-                </a:ln>
-                <a:solidFill>
-                  <a:srgbClr val="000000"/>
-                </a:solidFill>
-                <a:effectLst/>
-                <a:latin typeface="Courier New" pitchFamily="49" charset="0"/>
-                <a:cs typeface="Courier New" pitchFamily="49" charset="0"/>
-              </a:rPr>
-              <a:t>цены покупаемого товара. Если метод </a:t>
-            </a:r>
-            <a:r>
-              <a:rPr kumimoji="0" lang="ru-RU" altLang="ru-RU" b="0" i="0" u="none" strike="noStrike" cap="none" normalizeH="0" baseline="0" dirty="0" err="1" smtClean="0">
-                <a:ln>
-                  <a:noFill/>
-                </a:ln>
-                <a:solidFill>
-                  <a:srgbClr val="000000"/>
-                </a:solidFill>
-                <a:effectLst/>
-                <a:latin typeface="Courier New" pitchFamily="49" charset="0"/>
-                <a:cs typeface="Courier New" pitchFamily="49" charset="0"/>
-              </a:rPr>
-              <a:t>withdraw</a:t>
-            </a:r>
-            <a:r>
-              <a:rPr kumimoji="0" lang="ru-RU" altLang="ru-RU" b="0" i="0" u="none" strike="noStrike" cap="none" normalizeH="0" baseline="0" dirty="0" smtClean="0">
-                <a:ln>
-                  <a:noFill/>
-                </a:ln>
-                <a:solidFill>
-                  <a:srgbClr val="000000"/>
-                </a:solidFill>
-                <a:effectLst/>
-                <a:latin typeface="Courier New" pitchFamily="49" charset="0"/>
-                <a:cs typeface="Courier New" pitchFamily="49" charset="0"/>
-              </a:rPr>
-              <a:t> не вернёт исключения (а это будет именно </a:t>
-            </a:r>
-            <a:r>
-              <a:rPr kumimoji="0" lang="ru-RU" altLang="ru-RU" b="0" i="0" u="none" strike="noStrike" cap="none" normalizeH="0" baseline="0" dirty="0" smtClean="0">
-                <a:ln>
-                  <a:noFill/>
-                </a:ln>
-                <a:solidFill>
-                  <a:srgbClr val="000000"/>
-                </a:solidFill>
-                <a:effectLst/>
-                <a:latin typeface="Courier New" pitchFamily="49" charset="0"/>
-                <a:cs typeface="Courier New" pitchFamily="49" charset="0"/>
-              </a:rPr>
-              <a:t>так – мы </a:t>
-            </a:r>
-            <a:r>
-              <a:rPr kumimoji="0" lang="ru-RU" altLang="ru-RU" b="0" i="0" u="none" strike="noStrike" cap="none" normalizeH="0" baseline="0" dirty="0" err="1" smtClean="0">
-                <a:ln>
-                  <a:noFill/>
-                </a:ln>
-                <a:solidFill>
-                  <a:srgbClr val="000000"/>
-                </a:solidFill>
-                <a:effectLst/>
-                <a:latin typeface="Courier New" pitchFamily="49" charset="0"/>
-                <a:cs typeface="Courier New" pitchFamily="49" charset="0"/>
-              </a:rPr>
-              <a:t>моку</a:t>
-            </a:r>
-            <a:r>
-              <a:rPr kumimoji="0" lang="ru-RU" altLang="ru-RU" b="0" i="0" u="none" strike="noStrike" cap="none" normalizeH="0" baseline="0" dirty="0" smtClean="0">
-                <a:ln>
-                  <a:noFill/>
-                </a:ln>
-                <a:solidFill>
-                  <a:srgbClr val="000000"/>
-                </a:solidFill>
-                <a:effectLst/>
-                <a:latin typeface="Courier New" pitchFamily="49" charset="0"/>
-                <a:cs typeface="Courier New" pitchFamily="49" charset="0"/>
-              </a:rPr>
-              <a:t> </a:t>
-            </a:r>
-            <a:r>
-              <a:rPr kumimoji="0" lang="ru-RU" altLang="ru-RU" b="0" i="0" u="none" strike="noStrike" cap="none" normalizeH="0" baseline="0" dirty="0" smtClean="0">
-                <a:ln>
-                  <a:noFill/>
-                </a:ln>
-                <a:solidFill>
-                  <a:srgbClr val="000000"/>
-                </a:solidFill>
-                <a:effectLst/>
-                <a:latin typeface="Courier New" pitchFamily="49" charset="0"/>
-                <a:cs typeface="Courier New" pitchFamily="49" charset="0"/>
-              </a:rPr>
-              <a:t>не задавали никаких возвращаемых значений и бросаемых </a:t>
-            </a:r>
-            <a:r>
-              <a:rPr kumimoji="0" lang="ru-RU" altLang="ru-RU" b="0" i="0" u="none" strike="noStrike" cap="none" normalizeH="0" baseline="0" dirty="0" smtClean="0">
-                <a:ln>
-                  <a:noFill/>
-                </a:ln>
-                <a:solidFill>
-                  <a:srgbClr val="000000"/>
-                </a:solidFill>
-                <a:effectLst/>
-                <a:latin typeface="Courier New" pitchFamily="49" charset="0"/>
-                <a:cs typeface="Courier New" pitchFamily="49" charset="0"/>
-              </a:rPr>
-              <a:t>исключений), </a:t>
-            </a:r>
-            <a:r>
-              <a:rPr kumimoji="0" lang="ru-RU" altLang="ru-RU" b="0" i="0" u="none" strike="noStrike" cap="none" normalizeH="0" baseline="0" dirty="0" smtClean="0">
-                <a:ln>
-                  <a:noFill/>
-                </a:ln>
-                <a:solidFill>
-                  <a:srgbClr val="000000"/>
-                </a:solidFill>
-                <a:effectLst/>
-                <a:latin typeface="Courier New" pitchFamily="49" charset="0"/>
-                <a:cs typeface="Courier New" pitchFamily="49" charset="0"/>
-              </a:rPr>
-              <a:t>то товар добавится в список приобретённых в заказе. Обратите внимание – </a:t>
-            </a:r>
-            <a:r>
-              <a:rPr kumimoji="0" lang="ru-RU" altLang="ru-RU" b="0" i="0" u="none" strike="noStrike" cap="none" normalizeH="0" baseline="0" dirty="0" smtClean="0">
-                <a:ln>
-                  <a:noFill/>
-                </a:ln>
-                <a:solidFill>
-                  <a:srgbClr val="000000"/>
-                </a:solidFill>
-                <a:effectLst/>
-                <a:latin typeface="Courier New" pitchFamily="49" charset="0"/>
-                <a:cs typeface="Courier New" pitchFamily="49" charset="0"/>
-              </a:rPr>
-              <a:t>мок </a:t>
-            </a:r>
-            <a:r>
-              <a:rPr kumimoji="0" lang="ru-RU" altLang="ru-RU" b="0" i="0" u="none" strike="noStrike" cap="none" normalizeH="0" baseline="0" dirty="0" smtClean="0">
-                <a:ln>
-                  <a:noFill/>
-                </a:ln>
-                <a:solidFill>
-                  <a:srgbClr val="000000"/>
-                </a:solidFill>
-                <a:effectLst/>
-                <a:latin typeface="Courier New" pitchFamily="49" charset="0"/>
-                <a:cs typeface="Courier New" pitchFamily="49" charset="0"/>
-              </a:rPr>
-              <a:t>позволяет проверить взаимодействие с ним, т.е. поведение работающих с ним объектов.</a:t>
-            </a:r>
-            <a:endParaRPr lang="ru-RU" dirty="0"/>
+              <a:t>Обращу внимание, мы не использовали никаких реальных реализаций интерфейса банковского счёта, только проверили факт вызова метода с нужным значением аргумента.</a:t>
+            </a:r>
+            <a:endParaRPr kumimoji="0" lang="ru-RU" altLang="ru-RU" b="0" i="0" u="none" strike="noStrike" cap="none" normalizeH="0" baseline="0" dirty="0" smtClean="0">
+              <a:ln>
+                <a:noFill/>
+              </a:ln>
+              <a:solidFill>
+                <a:srgbClr val="000000"/>
+              </a:solidFill>
+              <a:effectLst/>
+              <a:latin typeface="Courier New" pitchFamily="49" charset="0"/>
+              <a:cs typeface="Courier New" pitchFamily="49" charset="0"/>
+            </a:endParaRPr>
           </a:p>
         </p:txBody>
       </p:sp>
@@ -20054,11 +20215,7 @@
             </a:r>
             <a:r>
               <a:rPr lang="en-US" dirty="0"/>
-              <a:t>ru.sbtqa.tutorials.advanced.mockito.OrderTest.testSucceedIfEnoughFunds(OrderTest.java:56</a:t>
-            </a:r>
-            <a:r>
-              <a:rPr lang="en-US" dirty="0"/>
-              <a:t>)</a:t>
+              <a:t>ru.sbtqa.tutorials.advanced.mockito.OrderTest.testSucceedIfEnoughFunds(OrderTest.java:56)</a:t>
             </a:r>
           </a:p>
           <a:p>
@@ -20100,11 +20257,7 @@
             </a:r>
             <a:r>
               <a:rPr lang="en-US" dirty="0"/>
-              <a:t>(Order.java:22</a:t>
-            </a:r>
-            <a:r>
-              <a:rPr lang="en-US" dirty="0"/>
-              <a:t>)</a:t>
+              <a:t>(Order.java:22)</a:t>
             </a:r>
             <a:endParaRPr lang="ru-RU" dirty="0"/>
           </a:p>
@@ -20488,21 +20641,7 @@
                 <a:latin typeface="Courier New" pitchFamily="49" charset="0"/>
                 <a:cs typeface="Courier New" pitchFamily="49" charset="0"/>
               </a:rPr>
-              <a:t> </a:t>
-            </a:r>
-            <a:r>
-              <a:rPr kumimoji="0" lang="ru-RU" altLang="ru-RU" b="0" i="0" u="none" strike="noStrike" cap="none" normalizeH="0" baseline="0" dirty="0" smtClean="0">
-                <a:ln>
-                  <a:noFill/>
-                </a:ln>
-                <a:solidFill>
-                  <a:srgbClr val="000000"/>
-                </a:solidFill>
-                <a:effectLst/>
-                <a:latin typeface="Courier New" pitchFamily="49" charset="0"/>
-                <a:cs typeface="Courier New" pitchFamily="49" charset="0"/>
-              </a:rPr>
-              <a:t>{</a:t>
+              <a:t> {</a:t>
             </a:r>
             <a:br>
               <a:rPr kumimoji="0" lang="ru-RU" altLang="ru-RU" b="0" i="0" u="none" strike="noStrike" cap="none" normalizeH="0" baseline="0" dirty="0" smtClean="0">
@@ -35877,21 +36016,7 @@
                 <a:latin typeface="Courier New" pitchFamily="49" charset="0"/>
                 <a:cs typeface="Courier New" pitchFamily="49" charset="0"/>
               </a:rPr>
-              <a:t> </a:t>
-            </a:r>
-            <a:r>
-              <a:rPr kumimoji="0" lang="ru-RU" altLang="ru-RU" b="0" i="0" u="none" strike="noStrike" cap="none" normalizeH="0" baseline="0" dirty="0" smtClean="0">
-                <a:ln>
-                  <a:noFill/>
-                </a:ln>
-                <a:solidFill>
-                  <a:srgbClr val="000000"/>
-                </a:solidFill>
-                <a:effectLst/>
-                <a:latin typeface="Courier New" pitchFamily="49" charset="0"/>
-                <a:cs typeface="Courier New" pitchFamily="49" charset="0"/>
-              </a:rPr>
-              <a:t>{</a:t>
+              <a:t> {</a:t>
             </a:r>
             <a:br>
               <a:rPr kumimoji="0" lang="ru-RU" altLang="ru-RU" b="0" i="0" u="none" strike="noStrike" cap="none" normalizeH="0" baseline="0" dirty="0" smtClean="0">
@@ -37928,21 +38053,7 @@
                 <a:latin typeface="Courier New" pitchFamily="49" charset="0"/>
                 <a:cs typeface="Courier New" pitchFamily="49" charset="0"/>
               </a:rPr>
-              <a:t> </a:t>
-            </a:r>
-            <a:r>
-              <a:rPr kumimoji="0" lang="ru-RU" altLang="ru-RU" b="0" i="0" u="none" strike="noStrike" cap="none" normalizeH="0" baseline="0" dirty="0" smtClean="0">
-                <a:ln>
-                  <a:noFill/>
-                </a:ln>
-                <a:solidFill>
-                  <a:srgbClr val="000000"/>
-                </a:solidFill>
-                <a:effectLst/>
-                <a:latin typeface="Courier New" pitchFamily="49" charset="0"/>
-                <a:cs typeface="Courier New" pitchFamily="49" charset="0"/>
-              </a:rPr>
-              <a:t>{</a:t>
+              <a:t> {</a:t>
             </a:r>
             <a:br>
               <a:rPr kumimoji="0" lang="ru-RU" altLang="ru-RU" b="0" i="0" u="none" strike="noStrike" cap="none" normalizeH="0" baseline="0" dirty="0" smtClean="0">
@@ -39937,21 +40048,7 @@
                 <a:latin typeface="Courier New" pitchFamily="49" charset="0"/>
                 <a:cs typeface="Courier New" pitchFamily="49" charset="0"/>
               </a:rPr>
-              <a:t> </a:t>
-            </a:r>
-            <a:r>
-              <a:rPr kumimoji="0" lang="ru-RU" altLang="ru-RU" b="0" i="0" u="none" strike="noStrike" cap="none" normalizeH="0" baseline="0" dirty="0" smtClean="0">
-                <a:ln>
-                  <a:noFill/>
-                </a:ln>
-                <a:solidFill>
-                  <a:srgbClr val="000000"/>
-                </a:solidFill>
-                <a:effectLst/>
-                <a:latin typeface="Courier New" pitchFamily="49" charset="0"/>
-                <a:cs typeface="Courier New" pitchFamily="49" charset="0"/>
-              </a:rPr>
-              <a:t>{</a:t>
+              <a:t> {</a:t>
             </a:r>
             <a:br>
               <a:rPr kumimoji="0" lang="ru-RU" altLang="ru-RU" b="0" i="0" u="none" strike="noStrike" cap="none" normalizeH="0" baseline="0" dirty="0" smtClean="0">
@@ -41634,7 +41731,7 @@
   <a:extraClrSchemeLst/>
   <a:extLst>
     <a:ext uri="{05A4C25C-085E-4340-85A3-A5531E510DB2}">
-      <thm15:themeFamily xmlns:thm15="http://schemas.microsoft.com/office/thememl/2012/main" xmlns="" name="Office Theme" id="{62F939B6-93AF-4DB8-9C6B-D6C7DFDC589F}" vid="{4A3C46E8-61CC-4603-A589-7422A47A8E4A}"/>
+      <thm15:themeFamily xmlns="" xmlns:thm15="http://schemas.microsoft.com/office/thememl/2012/main" name="Office Theme" id="{62F939B6-93AF-4DB8-9C6B-D6C7DFDC589F}" vid="{4A3C46E8-61CC-4603-A589-7422A47A8E4A}"/>
     </a:ext>
   </a:extLst>
 </a:theme>
@@ -41895,7 +41992,7 @@
   <a:extraClrSchemeLst/>
   <a:extLst>
     <a:ext uri="{05A4C25C-085E-4340-85A3-A5531E510DB2}">
-      <thm15:themeFamily xmlns:thm15="http://schemas.microsoft.com/office/thememl/2012/main" xmlns="" name="Office Theme" id="{62F939B6-93AF-4DB8-9C6B-D6C7DFDC589F}" vid="{4A3C46E8-61CC-4603-A589-7422A47A8E4A}"/>
+      <thm15:themeFamily xmlns="" xmlns:thm15="http://schemas.microsoft.com/office/thememl/2012/main" name="Office Theme" id="{62F939B6-93AF-4DB8-9C6B-D6C7DFDC589F}" vid="{4A3C46E8-61CC-4603-A589-7422A47A8E4A}"/>
     </a:ext>
   </a:extLst>
 </a:theme>
